--- a/Lógica Programación/LP_Sesión16.pptx
+++ b/Lógica Programación/LP_Sesión16.pptx
@@ -4,15 +4,27 @@
   <p:sldMasterIdLst>
     <p:sldMasterId id="2147483648" r:id="rId1"/>
   </p:sldMasterIdLst>
+  <p:notesMasterIdLst>
+    <p:notesMasterId r:id="rId16"/>
+  </p:notesMasterIdLst>
   <p:handoutMasterIdLst>
-    <p:handoutMasterId r:id="rId7"/>
+    <p:handoutMasterId r:id="rId17"/>
   </p:handoutMasterIdLst>
   <p:sldIdLst>
     <p:sldId id="256" r:id="rId2"/>
     <p:sldId id="269" r:id="rId3"/>
     <p:sldId id="274" r:id="rId4"/>
-    <p:sldId id="275" r:id="rId5"/>
-    <p:sldId id="261" r:id="rId6"/>
+    <p:sldId id="262" r:id="rId5"/>
+    <p:sldId id="257" r:id="rId6"/>
+    <p:sldId id="258" r:id="rId7"/>
+    <p:sldId id="259" r:id="rId8"/>
+    <p:sldId id="260" r:id="rId9"/>
+    <p:sldId id="263" r:id="rId10"/>
+    <p:sldId id="264" r:id="rId11"/>
+    <p:sldId id="265" r:id="rId12"/>
+    <p:sldId id="266" r:id="rId13"/>
+    <p:sldId id="267" r:id="rId14"/>
+    <p:sldId id="261" r:id="rId15"/>
   </p:sldIdLst>
   <p:sldSz cx="12192000" cy="6858000"/>
   <p:notesSz cx="6858000" cy="9144000"/>
@@ -216,7 +228,7 @@
           <a:p>
             <a:fld id="{7FF7D7FF-DDC7-474C-8526-899954A31AD1}" type="datetimeFigureOut">
               <a:rPr lang="es-EC" smtClean="0"/>
-              <a:t>28/12/2024</a:t>
+              <a:t>12/1/2025</a:t>
             </a:fld>
             <a:endParaRPr lang="es-EC"/>
           </a:p>
@@ -309,6 +321,1196 @@
   </p:cSld>
   <p:clrMap bg1="lt1" tx1="dk1" bg2="lt2" tx2="dk2" accent1="accent1" accent2="accent2" accent3="accent3" accent4="accent4" accent5="accent5" accent6="accent6" hlink="hlink" folHlink="folHlink"/>
 </p:handoutMaster>
+</file>
+
+<file path=ppt/notesMasters/notesMaster1.xml><?xml version="1.0" encoding="utf-8"?>
+<p:notesMaster xmlns:a="http://schemas.openxmlformats.org/drawingml/2006/main" xmlns:r="http://schemas.openxmlformats.org/officeDocument/2006/relationships" xmlns:p="http://schemas.openxmlformats.org/presentationml/2006/main">
+  <p:cSld>
+    <p:bg>
+      <p:bgRef idx="1001">
+        <a:schemeClr val="bg1"/>
+      </p:bgRef>
+    </p:bg>
+    <p:spTree>
+      <p:nvGrpSpPr>
+        <p:cNvPr id="1" name=""/>
+        <p:cNvGrpSpPr/>
+        <p:nvPr/>
+      </p:nvGrpSpPr>
+      <p:grpSpPr>
+        <a:xfrm>
+          <a:off x="0" y="0"/>
+          <a:ext cx="0" cy="0"/>
+          <a:chOff x="0" y="0"/>
+          <a:chExt cx="0" cy="0"/>
+        </a:xfrm>
+      </p:grpSpPr>
+      <p:sp>
+        <p:nvSpPr>
+          <p:cNvPr id="2" name="Marcador de encabezado 1"/>
+          <p:cNvSpPr>
+            <a:spLocks noGrp="1"/>
+          </p:cNvSpPr>
+          <p:nvPr>
+            <p:ph type="hdr" sz="quarter"/>
+          </p:nvPr>
+        </p:nvSpPr>
+        <p:spPr>
+          <a:xfrm>
+            <a:off x="0" y="0"/>
+            <a:ext cx="2971800" cy="458788"/>
+          </a:xfrm>
+          <a:prstGeom prst="rect">
+            <a:avLst/>
+          </a:prstGeom>
+        </p:spPr>
+        <p:txBody>
+          <a:bodyPr vert="horz" lIns="91440" tIns="45720" rIns="91440" bIns="45720" rtlCol="0"/>
+          <a:lstStyle>
+            <a:lvl1pPr algn="l">
+              <a:defRPr sz="1200"/>
+            </a:lvl1pPr>
+          </a:lstStyle>
+          <a:p>
+            <a:endParaRPr lang="es-EC"/>
+          </a:p>
+        </p:txBody>
+      </p:sp>
+      <p:sp>
+        <p:nvSpPr>
+          <p:cNvPr id="3" name="Marcador de fecha 2"/>
+          <p:cNvSpPr>
+            <a:spLocks noGrp="1"/>
+          </p:cNvSpPr>
+          <p:nvPr>
+            <p:ph type="dt" idx="1"/>
+          </p:nvPr>
+        </p:nvSpPr>
+        <p:spPr>
+          <a:xfrm>
+            <a:off x="3884613" y="0"/>
+            <a:ext cx="2971800" cy="458788"/>
+          </a:xfrm>
+          <a:prstGeom prst="rect">
+            <a:avLst/>
+          </a:prstGeom>
+        </p:spPr>
+        <p:txBody>
+          <a:bodyPr vert="horz" lIns="91440" tIns="45720" rIns="91440" bIns="45720" rtlCol="0"/>
+          <a:lstStyle>
+            <a:lvl1pPr algn="r">
+              <a:defRPr sz="1200"/>
+            </a:lvl1pPr>
+          </a:lstStyle>
+          <a:p>
+            <a:fld id="{1F961DB5-A597-4761-B742-7E7592F97344}" type="datetimeFigureOut">
+              <a:rPr lang="es-EC" smtClean="0"/>
+              <a:t>12/1/2025</a:t>
+            </a:fld>
+            <a:endParaRPr lang="es-EC"/>
+          </a:p>
+        </p:txBody>
+      </p:sp>
+      <p:sp>
+        <p:nvSpPr>
+          <p:cNvPr id="4" name="Marcador de imagen de diapositiva 3"/>
+          <p:cNvSpPr>
+            <a:spLocks noGrp="1" noRot="1" noChangeAspect="1"/>
+          </p:cNvSpPr>
+          <p:nvPr>
+            <p:ph type="sldImg" idx="2"/>
+          </p:nvPr>
+        </p:nvSpPr>
+        <p:spPr>
+          <a:xfrm>
+            <a:off x="685800" y="1143000"/>
+            <a:ext cx="5486400" cy="3086100"/>
+          </a:xfrm>
+          <a:prstGeom prst="rect">
+            <a:avLst/>
+          </a:prstGeom>
+          <a:noFill/>
+          <a:ln w="12700">
+            <a:solidFill>
+              <a:prstClr val="black"/>
+            </a:solidFill>
+          </a:ln>
+        </p:spPr>
+        <p:txBody>
+          <a:bodyPr vert="horz" lIns="91440" tIns="45720" rIns="91440" bIns="45720" rtlCol="0" anchor="ctr"/>
+          <a:lstStyle/>
+          <a:p>
+            <a:endParaRPr lang="es-EC"/>
+          </a:p>
+        </p:txBody>
+      </p:sp>
+      <p:sp>
+        <p:nvSpPr>
+          <p:cNvPr id="5" name="Marcador de notas 4"/>
+          <p:cNvSpPr>
+            <a:spLocks noGrp="1"/>
+          </p:cNvSpPr>
+          <p:nvPr>
+            <p:ph type="body" sz="quarter" idx="3"/>
+          </p:nvPr>
+        </p:nvSpPr>
+        <p:spPr>
+          <a:xfrm>
+            <a:off x="685800" y="4400550"/>
+            <a:ext cx="5486400" cy="3600450"/>
+          </a:xfrm>
+          <a:prstGeom prst="rect">
+            <a:avLst/>
+          </a:prstGeom>
+        </p:spPr>
+        <p:txBody>
+          <a:bodyPr vert="horz" lIns="91440" tIns="45720" rIns="91440" bIns="45720" rtlCol="0"/>
+          <a:lstStyle/>
+          <a:p>
+            <a:pPr lvl="0"/>
+            <a:r>
+              <a:rPr lang="es-ES"/>
+              <a:t>Haga clic para modificar los estilos de texto del patrón</a:t>
+            </a:r>
+          </a:p>
+          <a:p>
+            <a:pPr lvl="1"/>
+            <a:r>
+              <a:rPr lang="es-ES"/>
+              <a:t>Segundo nivel</a:t>
+            </a:r>
+          </a:p>
+          <a:p>
+            <a:pPr lvl="2"/>
+            <a:r>
+              <a:rPr lang="es-ES"/>
+              <a:t>Tercer nivel</a:t>
+            </a:r>
+          </a:p>
+          <a:p>
+            <a:pPr lvl="3"/>
+            <a:r>
+              <a:rPr lang="es-ES"/>
+              <a:t>Cuarto nivel</a:t>
+            </a:r>
+          </a:p>
+          <a:p>
+            <a:pPr lvl="4"/>
+            <a:r>
+              <a:rPr lang="es-ES"/>
+              <a:t>Quinto nivel</a:t>
+            </a:r>
+            <a:endParaRPr lang="es-EC"/>
+          </a:p>
+        </p:txBody>
+      </p:sp>
+      <p:sp>
+        <p:nvSpPr>
+          <p:cNvPr id="6" name="Marcador de pie de página 5"/>
+          <p:cNvSpPr>
+            <a:spLocks noGrp="1"/>
+          </p:cNvSpPr>
+          <p:nvPr>
+            <p:ph type="ftr" sz="quarter" idx="4"/>
+          </p:nvPr>
+        </p:nvSpPr>
+        <p:spPr>
+          <a:xfrm>
+            <a:off x="0" y="8685213"/>
+            <a:ext cx="2971800" cy="458787"/>
+          </a:xfrm>
+          <a:prstGeom prst="rect">
+            <a:avLst/>
+          </a:prstGeom>
+        </p:spPr>
+        <p:txBody>
+          <a:bodyPr vert="horz" lIns="91440" tIns="45720" rIns="91440" bIns="45720" rtlCol="0" anchor="b"/>
+          <a:lstStyle>
+            <a:lvl1pPr algn="l">
+              <a:defRPr sz="1200"/>
+            </a:lvl1pPr>
+          </a:lstStyle>
+          <a:p>
+            <a:endParaRPr lang="es-EC"/>
+          </a:p>
+        </p:txBody>
+      </p:sp>
+      <p:sp>
+        <p:nvSpPr>
+          <p:cNvPr id="7" name="Marcador de número de diapositiva 6"/>
+          <p:cNvSpPr>
+            <a:spLocks noGrp="1"/>
+          </p:cNvSpPr>
+          <p:nvPr>
+            <p:ph type="sldNum" sz="quarter" idx="5"/>
+          </p:nvPr>
+        </p:nvSpPr>
+        <p:spPr>
+          <a:xfrm>
+            <a:off x="3884613" y="8685213"/>
+            <a:ext cx="2971800" cy="458787"/>
+          </a:xfrm>
+          <a:prstGeom prst="rect">
+            <a:avLst/>
+          </a:prstGeom>
+        </p:spPr>
+        <p:txBody>
+          <a:bodyPr vert="horz" lIns="91440" tIns="45720" rIns="91440" bIns="45720" rtlCol="0" anchor="b"/>
+          <a:lstStyle>
+            <a:lvl1pPr algn="r">
+              <a:defRPr sz="1200"/>
+            </a:lvl1pPr>
+          </a:lstStyle>
+          <a:p>
+            <a:fld id="{4B2F99FE-246D-4020-B546-F44493594FDD}" type="slidenum">
+              <a:rPr lang="es-EC" smtClean="0"/>
+              <a:t>‹Nº›</a:t>
+            </a:fld>
+            <a:endParaRPr lang="es-EC"/>
+          </a:p>
+        </p:txBody>
+      </p:sp>
+    </p:spTree>
+    <p:extLst>
+      <p:ext uri="{BB962C8B-B14F-4D97-AF65-F5344CB8AC3E}">
+        <p14:creationId xmlns:p14="http://schemas.microsoft.com/office/powerpoint/2010/main" val="3190871043"/>
+      </p:ext>
+    </p:extLst>
+  </p:cSld>
+  <p:clrMap bg1="lt1" tx1="dk1" bg2="lt2" tx2="dk2" accent1="accent1" accent2="accent2" accent3="accent3" accent4="accent4" accent5="accent5" accent6="accent6" hlink="hlink" folHlink="folHlink"/>
+  <p:notesStyle>
+    <a:lvl1pPr marL="0" algn="l" defTabSz="914400" rtl="0" eaLnBrk="1" latinLnBrk="0" hangingPunct="1">
+      <a:defRPr sz="1200" kern="1200">
+        <a:solidFill>
+          <a:schemeClr val="tx1"/>
+        </a:solidFill>
+        <a:latin typeface="+mn-lt"/>
+        <a:ea typeface="+mn-ea"/>
+        <a:cs typeface="+mn-cs"/>
+      </a:defRPr>
+    </a:lvl1pPr>
+    <a:lvl2pPr marL="457200" algn="l" defTabSz="914400" rtl="0" eaLnBrk="1" latinLnBrk="0" hangingPunct="1">
+      <a:defRPr sz="1200" kern="1200">
+        <a:solidFill>
+          <a:schemeClr val="tx1"/>
+        </a:solidFill>
+        <a:latin typeface="+mn-lt"/>
+        <a:ea typeface="+mn-ea"/>
+        <a:cs typeface="+mn-cs"/>
+      </a:defRPr>
+    </a:lvl2pPr>
+    <a:lvl3pPr marL="914400" algn="l" defTabSz="914400" rtl="0" eaLnBrk="1" latinLnBrk="0" hangingPunct="1">
+      <a:defRPr sz="1200" kern="1200">
+        <a:solidFill>
+          <a:schemeClr val="tx1"/>
+        </a:solidFill>
+        <a:latin typeface="+mn-lt"/>
+        <a:ea typeface="+mn-ea"/>
+        <a:cs typeface="+mn-cs"/>
+      </a:defRPr>
+    </a:lvl3pPr>
+    <a:lvl4pPr marL="1371600" algn="l" defTabSz="914400" rtl="0" eaLnBrk="1" latinLnBrk="0" hangingPunct="1">
+      <a:defRPr sz="1200" kern="1200">
+        <a:solidFill>
+          <a:schemeClr val="tx1"/>
+        </a:solidFill>
+        <a:latin typeface="+mn-lt"/>
+        <a:ea typeface="+mn-ea"/>
+        <a:cs typeface="+mn-cs"/>
+      </a:defRPr>
+    </a:lvl4pPr>
+    <a:lvl5pPr marL="1828800" algn="l" defTabSz="914400" rtl="0" eaLnBrk="1" latinLnBrk="0" hangingPunct="1">
+      <a:defRPr sz="1200" kern="1200">
+        <a:solidFill>
+          <a:schemeClr val="tx1"/>
+        </a:solidFill>
+        <a:latin typeface="+mn-lt"/>
+        <a:ea typeface="+mn-ea"/>
+        <a:cs typeface="+mn-cs"/>
+      </a:defRPr>
+    </a:lvl5pPr>
+    <a:lvl6pPr marL="2286000" algn="l" defTabSz="914400" rtl="0" eaLnBrk="1" latinLnBrk="0" hangingPunct="1">
+      <a:defRPr sz="1200" kern="1200">
+        <a:solidFill>
+          <a:schemeClr val="tx1"/>
+        </a:solidFill>
+        <a:latin typeface="+mn-lt"/>
+        <a:ea typeface="+mn-ea"/>
+        <a:cs typeface="+mn-cs"/>
+      </a:defRPr>
+    </a:lvl6pPr>
+    <a:lvl7pPr marL="2743200" algn="l" defTabSz="914400" rtl="0" eaLnBrk="1" latinLnBrk="0" hangingPunct="1">
+      <a:defRPr sz="1200" kern="1200">
+        <a:solidFill>
+          <a:schemeClr val="tx1"/>
+        </a:solidFill>
+        <a:latin typeface="+mn-lt"/>
+        <a:ea typeface="+mn-ea"/>
+        <a:cs typeface="+mn-cs"/>
+      </a:defRPr>
+    </a:lvl7pPr>
+    <a:lvl8pPr marL="3200400" algn="l" defTabSz="914400" rtl="0" eaLnBrk="1" latinLnBrk="0" hangingPunct="1">
+      <a:defRPr sz="1200" kern="1200">
+        <a:solidFill>
+          <a:schemeClr val="tx1"/>
+        </a:solidFill>
+        <a:latin typeface="+mn-lt"/>
+        <a:ea typeface="+mn-ea"/>
+        <a:cs typeface="+mn-cs"/>
+      </a:defRPr>
+    </a:lvl8pPr>
+    <a:lvl9pPr marL="3657600" algn="l" defTabSz="914400" rtl="0" eaLnBrk="1" latinLnBrk="0" hangingPunct="1">
+      <a:defRPr sz="1200" kern="1200">
+        <a:solidFill>
+          <a:schemeClr val="tx1"/>
+        </a:solidFill>
+        <a:latin typeface="+mn-lt"/>
+        <a:ea typeface="+mn-ea"/>
+        <a:cs typeface="+mn-cs"/>
+      </a:defRPr>
+    </a:lvl9pPr>
+  </p:notesStyle>
+</p:notesMaster>
+</file>
+
+<file path=ppt/notesSlides/notesSlide1.xml><?xml version="1.0" encoding="utf-8"?>
+<p:notes xmlns:a="http://schemas.openxmlformats.org/drawingml/2006/main" xmlns:r="http://schemas.openxmlformats.org/officeDocument/2006/relationships" xmlns:p="http://schemas.openxmlformats.org/presentationml/2006/main">
+  <p:cSld>
+    <p:spTree>
+      <p:nvGrpSpPr>
+        <p:cNvPr id="1" name=""/>
+        <p:cNvGrpSpPr/>
+        <p:nvPr/>
+      </p:nvGrpSpPr>
+      <p:grpSpPr>
+        <a:xfrm>
+          <a:off x="0" y="0"/>
+          <a:ext cx="0" cy="0"/>
+          <a:chOff x="0" y="0"/>
+          <a:chExt cx="0" cy="0"/>
+        </a:xfrm>
+      </p:grpSpPr>
+      <p:sp>
+        <p:nvSpPr>
+          <p:cNvPr id="2" name="Slide Image Placeholder 1"/>
+          <p:cNvSpPr>
+            <a:spLocks noGrp="1" noRot="1" noChangeAspect="1"/>
+          </p:cNvSpPr>
+          <p:nvPr>
+            <p:ph type="sldImg"/>
+          </p:nvPr>
+        </p:nvSpPr>
+        <p:spPr/>
+      </p:sp>
+      <p:sp>
+        <p:nvSpPr>
+          <p:cNvPr id="3" name="Notes Placeholder 2"/>
+          <p:cNvSpPr>
+            <a:spLocks noGrp="1"/>
+          </p:cNvSpPr>
+          <p:nvPr>
+            <p:ph type="body" idx="1"/>
+          </p:nvPr>
+        </p:nvSpPr>
+        <p:spPr/>
+        <p:txBody>
+          <a:bodyPr/>
+          <a:lstStyle/>
+          <a:p>
+            <a:endParaRPr lang="en-US" dirty="0"/>
+          </a:p>
+        </p:txBody>
+      </p:sp>
+      <p:sp>
+        <p:nvSpPr>
+          <p:cNvPr id="4" name="Slide Number Placeholder 3"/>
+          <p:cNvSpPr>
+            <a:spLocks noGrp="1"/>
+          </p:cNvSpPr>
+          <p:nvPr>
+            <p:ph type="sldNum" sz="quarter" idx="10"/>
+          </p:nvPr>
+        </p:nvSpPr>
+        <p:spPr/>
+        <p:txBody>
+          <a:bodyPr/>
+          <a:lstStyle/>
+          <a:p>
+            <a:fld id="{F7021451-1387-4CA6-816F-3879F97B5CBC}" type="slidenum">
+              <a:rPr lang="en-US"/>
+              <a:t>4</a:t>
+            </a:fld>
+            <a:endParaRPr lang="en-US"/>
+          </a:p>
+        </p:txBody>
+      </p:sp>
+    </p:spTree>
+    <p:extLst>
+      <p:ext uri="{BB962C8B-B14F-4D97-AF65-F5344CB8AC3E}">
+        <p14:creationId xmlns:p14="http://schemas.microsoft.com/office/powerpoint/2010/main" val="1024086991"/>
+      </p:ext>
+    </p:extLst>
+  </p:cSld>
+  <p:clrMapOvr>
+    <a:masterClrMapping/>
+  </p:clrMapOvr>
+</p:notes>
+</file>
+
+<file path=ppt/notesSlides/notesSlide10.xml><?xml version="1.0" encoding="utf-8"?>
+<p:notes xmlns:a="http://schemas.openxmlformats.org/drawingml/2006/main" xmlns:r="http://schemas.openxmlformats.org/officeDocument/2006/relationships" xmlns:p="http://schemas.openxmlformats.org/presentationml/2006/main">
+  <p:cSld>
+    <p:spTree>
+      <p:nvGrpSpPr>
+        <p:cNvPr id="1" name=""/>
+        <p:cNvGrpSpPr/>
+        <p:nvPr/>
+      </p:nvGrpSpPr>
+      <p:grpSpPr>
+        <a:xfrm>
+          <a:off x="0" y="0"/>
+          <a:ext cx="0" cy="0"/>
+          <a:chOff x="0" y="0"/>
+          <a:chExt cx="0" cy="0"/>
+        </a:xfrm>
+      </p:grpSpPr>
+      <p:sp>
+        <p:nvSpPr>
+          <p:cNvPr id="2" name="Slide Image Placeholder 1"/>
+          <p:cNvSpPr>
+            <a:spLocks noGrp="1" noRot="1" noChangeAspect="1"/>
+          </p:cNvSpPr>
+          <p:nvPr>
+            <p:ph type="sldImg"/>
+          </p:nvPr>
+        </p:nvSpPr>
+        <p:spPr/>
+      </p:sp>
+      <p:sp>
+        <p:nvSpPr>
+          <p:cNvPr id="3" name="Notes Placeholder 2"/>
+          <p:cNvSpPr>
+            <a:spLocks noGrp="1"/>
+          </p:cNvSpPr>
+          <p:nvPr>
+            <p:ph type="body" idx="1"/>
+          </p:nvPr>
+        </p:nvSpPr>
+        <p:spPr/>
+        <p:txBody>
+          <a:bodyPr/>
+          <a:lstStyle/>
+          <a:p>
+            <a:endParaRPr lang="en-US" dirty="0"/>
+          </a:p>
+        </p:txBody>
+      </p:sp>
+      <p:sp>
+        <p:nvSpPr>
+          <p:cNvPr id="4" name="Slide Number Placeholder 3"/>
+          <p:cNvSpPr>
+            <a:spLocks noGrp="1"/>
+          </p:cNvSpPr>
+          <p:nvPr>
+            <p:ph type="sldNum" sz="quarter" idx="10"/>
+          </p:nvPr>
+        </p:nvSpPr>
+        <p:spPr/>
+        <p:txBody>
+          <a:bodyPr/>
+          <a:lstStyle/>
+          <a:p>
+            <a:fld id="{F7021451-1387-4CA6-816F-3879F97B5CBC}" type="slidenum">
+              <a:rPr lang="en-US"/>
+              <a:t>13</a:t>
+            </a:fld>
+            <a:endParaRPr lang="en-US"/>
+          </a:p>
+        </p:txBody>
+      </p:sp>
+    </p:spTree>
+    <p:extLst>
+      <p:ext uri="{BB962C8B-B14F-4D97-AF65-F5344CB8AC3E}">
+        <p14:creationId xmlns:p14="http://schemas.microsoft.com/office/powerpoint/2010/main" val="1024086991"/>
+      </p:ext>
+    </p:extLst>
+  </p:cSld>
+  <p:clrMapOvr>
+    <a:masterClrMapping/>
+  </p:clrMapOvr>
+</p:notes>
+</file>
+
+<file path=ppt/notesSlides/notesSlide2.xml><?xml version="1.0" encoding="utf-8"?>
+<p:notes xmlns:a="http://schemas.openxmlformats.org/drawingml/2006/main" xmlns:r="http://schemas.openxmlformats.org/officeDocument/2006/relationships" xmlns:p="http://schemas.openxmlformats.org/presentationml/2006/main">
+  <p:cSld>
+    <p:spTree>
+      <p:nvGrpSpPr>
+        <p:cNvPr id="1" name=""/>
+        <p:cNvGrpSpPr/>
+        <p:nvPr/>
+      </p:nvGrpSpPr>
+      <p:grpSpPr>
+        <a:xfrm>
+          <a:off x="0" y="0"/>
+          <a:ext cx="0" cy="0"/>
+          <a:chOff x="0" y="0"/>
+          <a:chExt cx="0" cy="0"/>
+        </a:xfrm>
+      </p:grpSpPr>
+      <p:sp>
+        <p:nvSpPr>
+          <p:cNvPr id="2" name="Slide Image Placeholder 1"/>
+          <p:cNvSpPr>
+            <a:spLocks noGrp="1" noRot="1" noChangeAspect="1"/>
+          </p:cNvSpPr>
+          <p:nvPr>
+            <p:ph type="sldImg"/>
+          </p:nvPr>
+        </p:nvSpPr>
+        <p:spPr/>
+      </p:sp>
+      <p:sp>
+        <p:nvSpPr>
+          <p:cNvPr id="3" name="Notes Placeholder 2"/>
+          <p:cNvSpPr>
+            <a:spLocks noGrp="1"/>
+          </p:cNvSpPr>
+          <p:nvPr>
+            <p:ph type="body" idx="1"/>
+          </p:nvPr>
+        </p:nvSpPr>
+        <p:spPr/>
+        <p:txBody>
+          <a:bodyPr/>
+          <a:lstStyle/>
+          <a:p>
+            <a:endParaRPr lang="en-US" dirty="0"/>
+          </a:p>
+        </p:txBody>
+      </p:sp>
+      <p:sp>
+        <p:nvSpPr>
+          <p:cNvPr id="4" name="Slide Number Placeholder 3"/>
+          <p:cNvSpPr>
+            <a:spLocks noGrp="1"/>
+          </p:cNvSpPr>
+          <p:nvPr>
+            <p:ph type="sldNum" sz="quarter" idx="10"/>
+          </p:nvPr>
+        </p:nvSpPr>
+        <p:spPr/>
+        <p:txBody>
+          <a:bodyPr/>
+          <a:lstStyle/>
+          <a:p>
+            <a:fld id="{F7021451-1387-4CA6-816F-3879F97B5CBC}" type="slidenum">
+              <a:rPr lang="en-US"/>
+              <a:t>5</a:t>
+            </a:fld>
+            <a:endParaRPr lang="en-US"/>
+          </a:p>
+        </p:txBody>
+      </p:sp>
+    </p:spTree>
+    <p:extLst>
+      <p:ext uri="{BB962C8B-B14F-4D97-AF65-F5344CB8AC3E}">
+        <p14:creationId xmlns:p14="http://schemas.microsoft.com/office/powerpoint/2010/main" val="1024086991"/>
+      </p:ext>
+    </p:extLst>
+  </p:cSld>
+  <p:clrMapOvr>
+    <a:masterClrMapping/>
+  </p:clrMapOvr>
+</p:notes>
+</file>
+
+<file path=ppt/notesSlides/notesSlide3.xml><?xml version="1.0" encoding="utf-8"?>
+<p:notes xmlns:a="http://schemas.openxmlformats.org/drawingml/2006/main" xmlns:r="http://schemas.openxmlformats.org/officeDocument/2006/relationships" xmlns:p="http://schemas.openxmlformats.org/presentationml/2006/main">
+  <p:cSld>
+    <p:spTree>
+      <p:nvGrpSpPr>
+        <p:cNvPr id="1" name=""/>
+        <p:cNvGrpSpPr/>
+        <p:nvPr/>
+      </p:nvGrpSpPr>
+      <p:grpSpPr>
+        <a:xfrm>
+          <a:off x="0" y="0"/>
+          <a:ext cx="0" cy="0"/>
+          <a:chOff x="0" y="0"/>
+          <a:chExt cx="0" cy="0"/>
+        </a:xfrm>
+      </p:grpSpPr>
+      <p:sp>
+        <p:nvSpPr>
+          <p:cNvPr id="2" name="Slide Image Placeholder 1"/>
+          <p:cNvSpPr>
+            <a:spLocks noGrp="1" noRot="1" noChangeAspect="1"/>
+          </p:cNvSpPr>
+          <p:nvPr>
+            <p:ph type="sldImg"/>
+          </p:nvPr>
+        </p:nvSpPr>
+        <p:spPr/>
+      </p:sp>
+      <p:sp>
+        <p:nvSpPr>
+          <p:cNvPr id="3" name="Notes Placeholder 2"/>
+          <p:cNvSpPr>
+            <a:spLocks noGrp="1"/>
+          </p:cNvSpPr>
+          <p:nvPr>
+            <p:ph type="body" idx="1"/>
+          </p:nvPr>
+        </p:nvSpPr>
+        <p:spPr/>
+        <p:txBody>
+          <a:bodyPr/>
+          <a:lstStyle/>
+          <a:p>
+            <a:endParaRPr lang="en-US" dirty="0"/>
+          </a:p>
+        </p:txBody>
+      </p:sp>
+      <p:sp>
+        <p:nvSpPr>
+          <p:cNvPr id="4" name="Slide Number Placeholder 3"/>
+          <p:cNvSpPr>
+            <a:spLocks noGrp="1"/>
+          </p:cNvSpPr>
+          <p:nvPr>
+            <p:ph type="sldNum" sz="quarter" idx="10"/>
+          </p:nvPr>
+        </p:nvSpPr>
+        <p:spPr/>
+        <p:txBody>
+          <a:bodyPr/>
+          <a:lstStyle/>
+          <a:p>
+            <a:fld id="{F7021451-1387-4CA6-816F-3879F97B5CBC}" type="slidenum">
+              <a:rPr lang="en-US"/>
+              <a:t>6</a:t>
+            </a:fld>
+            <a:endParaRPr lang="en-US"/>
+          </a:p>
+        </p:txBody>
+      </p:sp>
+    </p:spTree>
+    <p:extLst>
+      <p:ext uri="{BB962C8B-B14F-4D97-AF65-F5344CB8AC3E}">
+        <p14:creationId xmlns:p14="http://schemas.microsoft.com/office/powerpoint/2010/main" val="1024086991"/>
+      </p:ext>
+    </p:extLst>
+  </p:cSld>
+  <p:clrMapOvr>
+    <a:masterClrMapping/>
+  </p:clrMapOvr>
+</p:notes>
+</file>
+
+<file path=ppt/notesSlides/notesSlide4.xml><?xml version="1.0" encoding="utf-8"?>
+<p:notes xmlns:a="http://schemas.openxmlformats.org/drawingml/2006/main" xmlns:r="http://schemas.openxmlformats.org/officeDocument/2006/relationships" xmlns:p="http://schemas.openxmlformats.org/presentationml/2006/main">
+  <p:cSld>
+    <p:spTree>
+      <p:nvGrpSpPr>
+        <p:cNvPr id="1" name=""/>
+        <p:cNvGrpSpPr/>
+        <p:nvPr/>
+      </p:nvGrpSpPr>
+      <p:grpSpPr>
+        <a:xfrm>
+          <a:off x="0" y="0"/>
+          <a:ext cx="0" cy="0"/>
+          <a:chOff x="0" y="0"/>
+          <a:chExt cx="0" cy="0"/>
+        </a:xfrm>
+      </p:grpSpPr>
+      <p:sp>
+        <p:nvSpPr>
+          <p:cNvPr id="2" name="Slide Image Placeholder 1"/>
+          <p:cNvSpPr>
+            <a:spLocks noGrp="1" noRot="1" noChangeAspect="1"/>
+          </p:cNvSpPr>
+          <p:nvPr>
+            <p:ph type="sldImg"/>
+          </p:nvPr>
+        </p:nvSpPr>
+        <p:spPr/>
+      </p:sp>
+      <p:sp>
+        <p:nvSpPr>
+          <p:cNvPr id="3" name="Notes Placeholder 2"/>
+          <p:cNvSpPr>
+            <a:spLocks noGrp="1"/>
+          </p:cNvSpPr>
+          <p:nvPr>
+            <p:ph type="body" idx="1"/>
+          </p:nvPr>
+        </p:nvSpPr>
+        <p:spPr/>
+        <p:txBody>
+          <a:bodyPr/>
+          <a:lstStyle/>
+          <a:p>
+            <a:endParaRPr lang="en-US" dirty="0"/>
+          </a:p>
+        </p:txBody>
+      </p:sp>
+      <p:sp>
+        <p:nvSpPr>
+          <p:cNvPr id="4" name="Slide Number Placeholder 3"/>
+          <p:cNvSpPr>
+            <a:spLocks noGrp="1"/>
+          </p:cNvSpPr>
+          <p:nvPr>
+            <p:ph type="sldNum" sz="quarter" idx="10"/>
+          </p:nvPr>
+        </p:nvSpPr>
+        <p:spPr/>
+        <p:txBody>
+          <a:bodyPr/>
+          <a:lstStyle/>
+          <a:p>
+            <a:fld id="{F7021451-1387-4CA6-816F-3879F97B5CBC}" type="slidenum">
+              <a:rPr lang="en-US"/>
+              <a:t>7</a:t>
+            </a:fld>
+            <a:endParaRPr lang="en-US"/>
+          </a:p>
+        </p:txBody>
+      </p:sp>
+    </p:spTree>
+    <p:extLst>
+      <p:ext uri="{BB962C8B-B14F-4D97-AF65-F5344CB8AC3E}">
+        <p14:creationId xmlns:p14="http://schemas.microsoft.com/office/powerpoint/2010/main" val="1024086991"/>
+      </p:ext>
+    </p:extLst>
+  </p:cSld>
+  <p:clrMapOvr>
+    <a:masterClrMapping/>
+  </p:clrMapOvr>
+</p:notes>
+</file>
+
+<file path=ppt/notesSlides/notesSlide5.xml><?xml version="1.0" encoding="utf-8"?>
+<p:notes xmlns:a="http://schemas.openxmlformats.org/drawingml/2006/main" xmlns:r="http://schemas.openxmlformats.org/officeDocument/2006/relationships" xmlns:p="http://schemas.openxmlformats.org/presentationml/2006/main">
+  <p:cSld>
+    <p:spTree>
+      <p:nvGrpSpPr>
+        <p:cNvPr id="1" name=""/>
+        <p:cNvGrpSpPr/>
+        <p:nvPr/>
+      </p:nvGrpSpPr>
+      <p:grpSpPr>
+        <a:xfrm>
+          <a:off x="0" y="0"/>
+          <a:ext cx="0" cy="0"/>
+          <a:chOff x="0" y="0"/>
+          <a:chExt cx="0" cy="0"/>
+        </a:xfrm>
+      </p:grpSpPr>
+      <p:sp>
+        <p:nvSpPr>
+          <p:cNvPr id="2" name="Slide Image Placeholder 1"/>
+          <p:cNvSpPr>
+            <a:spLocks noGrp="1" noRot="1" noChangeAspect="1"/>
+          </p:cNvSpPr>
+          <p:nvPr>
+            <p:ph type="sldImg"/>
+          </p:nvPr>
+        </p:nvSpPr>
+        <p:spPr/>
+      </p:sp>
+      <p:sp>
+        <p:nvSpPr>
+          <p:cNvPr id="3" name="Notes Placeholder 2"/>
+          <p:cNvSpPr>
+            <a:spLocks noGrp="1"/>
+          </p:cNvSpPr>
+          <p:nvPr>
+            <p:ph type="body" idx="1"/>
+          </p:nvPr>
+        </p:nvSpPr>
+        <p:spPr/>
+        <p:txBody>
+          <a:bodyPr/>
+          <a:lstStyle/>
+          <a:p>
+            <a:endParaRPr lang="en-US" dirty="0"/>
+          </a:p>
+        </p:txBody>
+      </p:sp>
+      <p:sp>
+        <p:nvSpPr>
+          <p:cNvPr id="4" name="Slide Number Placeholder 3"/>
+          <p:cNvSpPr>
+            <a:spLocks noGrp="1"/>
+          </p:cNvSpPr>
+          <p:nvPr>
+            <p:ph type="sldNum" sz="quarter" idx="10"/>
+          </p:nvPr>
+        </p:nvSpPr>
+        <p:spPr/>
+        <p:txBody>
+          <a:bodyPr/>
+          <a:lstStyle/>
+          <a:p>
+            <a:fld id="{F7021451-1387-4CA6-816F-3879F97B5CBC}" type="slidenum">
+              <a:rPr lang="en-US"/>
+              <a:t>8</a:t>
+            </a:fld>
+            <a:endParaRPr lang="en-US"/>
+          </a:p>
+        </p:txBody>
+      </p:sp>
+    </p:spTree>
+    <p:extLst>
+      <p:ext uri="{BB962C8B-B14F-4D97-AF65-F5344CB8AC3E}">
+        <p14:creationId xmlns:p14="http://schemas.microsoft.com/office/powerpoint/2010/main" val="1024086991"/>
+      </p:ext>
+    </p:extLst>
+  </p:cSld>
+  <p:clrMapOvr>
+    <a:masterClrMapping/>
+  </p:clrMapOvr>
+</p:notes>
+</file>
+
+<file path=ppt/notesSlides/notesSlide6.xml><?xml version="1.0" encoding="utf-8"?>
+<p:notes xmlns:a="http://schemas.openxmlformats.org/drawingml/2006/main" xmlns:r="http://schemas.openxmlformats.org/officeDocument/2006/relationships" xmlns:p="http://schemas.openxmlformats.org/presentationml/2006/main">
+  <p:cSld>
+    <p:spTree>
+      <p:nvGrpSpPr>
+        <p:cNvPr id="1" name=""/>
+        <p:cNvGrpSpPr/>
+        <p:nvPr/>
+      </p:nvGrpSpPr>
+      <p:grpSpPr>
+        <a:xfrm>
+          <a:off x="0" y="0"/>
+          <a:ext cx="0" cy="0"/>
+          <a:chOff x="0" y="0"/>
+          <a:chExt cx="0" cy="0"/>
+        </a:xfrm>
+      </p:grpSpPr>
+      <p:sp>
+        <p:nvSpPr>
+          <p:cNvPr id="2" name="Slide Image Placeholder 1"/>
+          <p:cNvSpPr>
+            <a:spLocks noGrp="1" noRot="1" noChangeAspect="1"/>
+          </p:cNvSpPr>
+          <p:nvPr>
+            <p:ph type="sldImg"/>
+          </p:nvPr>
+        </p:nvSpPr>
+        <p:spPr/>
+      </p:sp>
+      <p:sp>
+        <p:nvSpPr>
+          <p:cNvPr id="3" name="Notes Placeholder 2"/>
+          <p:cNvSpPr>
+            <a:spLocks noGrp="1"/>
+          </p:cNvSpPr>
+          <p:nvPr>
+            <p:ph type="body" idx="1"/>
+          </p:nvPr>
+        </p:nvSpPr>
+        <p:spPr/>
+        <p:txBody>
+          <a:bodyPr/>
+          <a:lstStyle/>
+          <a:p>
+            <a:endParaRPr lang="en-US" dirty="0"/>
+          </a:p>
+        </p:txBody>
+      </p:sp>
+      <p:sp>
+        <p:nvSpPr>
+          <p:cNvPr id="4" name="Slide Number Placeholder 3"/>
+          <p:cNvSpPr>
+            <a:spLocks noGrp="1"/>
+          </p:cNvSpPr>
+          <p:nvPr>
+            <p:ph type="sldNum" sz="quarter" idx="10"/>
+          </p:nvPr>
+        </p:nvSpPr>
+        <p:spPr/>
+        <p:txBody>
+          <a:bodyPr/>
+          <a:lstStyle/>
+          <a:p>
+            <a:fld id="{F7021451-1387-4CA6-816F-3879F97B5CBC}" type="slidenum">
+              <a:rPr lang="en-US"/>
+              <a:t>9</a:t>
+            </a:fld>
+            <a:endParaRPr lang="en-US"/>
+          </a:p>
+        </p:txBody>
+      </p:sp>
+    </p:spTree>
+    <p:extLst>
+      <p:ext uri="{BB962C8B-B14F-4D97-AF65-F5344CB8AC3E}">
+        <p14:creationId xmlns:p14="http://schemas.microsoft.com/office/powerpoint/2010/main" val="1024086991"/>
+      </p:ext>
+    </p:extLst>
+  </p:cSld>
+  <p:clrMapOvr>
+    <a:masterClrMapping/>
+  </p:clrMapOvr>
+</p:notes>
+</file>
+
+<file path=ppt/notesSlides/notesSlide7.xml><?xml version="1.0" encoding="utf-8"?>
+<p:notes xmlns:a="http://schemas.openxmlformats.org/drawingml/2006/main" xmlns:r="http://schemas.openxmlformats.org/officeDocument/2006/relationships" xmlns:p="http://schemas.openxmlformats.org/presentationml/2006/main">
+  <p:cSld>
+    <p:spTree>
+      <p:nvGrpSpPr>
+        <p:cNvPr id="1" name=""/>
+        <p:cNvGrpSpPr/>
+        <p:nvPr/>
+      </p:nvGrpSpPr>
+      <p:grpSpPr>
+        <a:xfrm>
+          <a:off x="0" y="0"/>
+          <a:ext cx="0" cy="0"/>
+          <a:chOff x="0" y="0"/>
+          <a:chExt cx="0" cy="0"/>
+        </a:xfrm>
+      </p:grpSpPr>
+      <p:sp>
+        <p:nvSpPr>
+          <p:cNvPr id="2" name="Slide Image Placeholder 1"/>
+          <p:cNvSpPr>
+            <a:spLocks noGrp="1" noRot="1" noChangeAspect="1"/>
+          </p:cNvSpPr>
+          <p:nvPr>
+            <p:ph type="sldImg"/>
+          </p:nvPr>
+        </p:nvSpPr>
+        <p:spPr/>
+      </p:sp>
+      <p:sp>
+        <p:nvSpPr>
+          <p:cNvPr id="3" name="Notes Placeholder 2"/>
+          <p:cNvSpPr>
+            <a:spLocks noGrp="1"/>
+          </p:cNvSpPr>
+          <p:nvPr>
+            <p:ph type="body" idx="1"/>
+          </p:nvPr>
+        </p:nvSpPr>
+        <p:spPr/>
+        <p:txBody>
+          <a:bodyPr/>
+          <a:lstStyle/>
+          <a:p>
+            <a:endParaRPr lang="en-US" dirty="0"/>
+          </a:p>
+        </p:txBody>
+      </p:sp>
+      <p:sp>
+        <p:nvSpPr>
+          <p:cNvPr id="4" name="Slide Number Placeholder 3"/>
+          <p:cNvSpPr>
+            <a:spLocks noGrp="1"/>
+          </p:cNvSpPr>
+          <p:nvPr>
+            <p:ph type="sldNum" sz="quarter" idx="10"/>
+          </p:nvPr>
+        </p:nvSpPr>
+        <p:spPr/>
+        <p:txBody>
+          <a:bodyPr/>
+          <a:lstStyle/>
+          <a:p>
+            <a:fld id="{F7021451-1387-4CA6-816F-3879F97B5CBC}" type="slidenum">
+              <a:rPr lang="en-US"/>
+              <a:t>10</a:t>
+            </a:fld>
+            <a:endParaRPr lang="en-US"/>
+          </a:p>
+        </p:txBody>
+      </p:sp>
+    </p:spTree>
+    <p:extLst>
+      <p:ext uri="{BB962C8B-B14F-4D97-AF65-F5344CB8AC3E}">
+        <p14:creationId xmlns:p14="http://schemas.microsoft.com/office/powerpoint/2010/main" val="1024086991"/>
+      </p:ext>
+    </p:extLst>
+  </p:cSld>
+  <p:clrMapOvr>
+    <a:masterClrMapping/>
+  </p:clrMapOvr>
+</p:notes>
+</file>
+
+<file path=ppt/notesSlides/notesSlide8.xml><?xml version="1.0" encoding="utf-8"?>
+<p:notes xmlns:a="http://schemas.openxmlformats.org/drawingml/2006/main" xmlns:r="http://schemas.openxmlformats.org/officeDocument/2006/relationships" xmlns:p="http://schemas.openxmlformats.org/presentationml/2006/main">
+  <p:cSld>
+    <p:spTree>
+      <p:nvGrpSpPr>
+        <p:cNvPr id="1" name=""/>
+        <p:cNvGrpSpPr/>
+        <p:nvPr/>
+      </p:nvGrpSpPr>
+      <p:grpSpPr>
+        <a:xfrm>
+          <a:off x="0" y="0"/>
+          <a:ext cx="0" cy="0"/>
+          <a:chOff x="0" y="0"/>
+          <a:chExt cx="0" cy="0"/>
+        </a:xfrm>
+      </p:grpSpPr>
+      <p:sp>
+        <p:nvSpPr>
+          <p:cNvPr id="2" name="Slide Image Placeholder 1"/>
+          <p:cNvSpPr>
+            <a:spLocks noGrp="1" noRot="1" noChangeAspect="1"/>
+          </p:cNvSpPr>
+          <p:nvPr>
+            <p:ph type="sldImg"/>
+          </p:nvPr>
+        </p:nvSpPr>
+        <p:spPr/>
+      </p:sp>
+      <p:sp>
+        <p:nvSpPr>
+          <p:cNvPr id="3" name="Notes Placeholder 2"/>
+          <p:cNvSpPr>
+            <a:spLocks noGrp="1"/>
+          </p:cNvSpPr>
+          <p:nvPr>
+            <p:ph type="body" idx="1"/>
+          </p:nvPr>
+        </p:nvSpPr>
+        <p:spPr/>
+        <p:txBody>
+          <a:bodyPr/>
+          <a:lstStyle/>
+          <a:p>
+            <a:endParaRPr lang="en-US" dirty="0"/>
+          </a:p>
+        </p:txBody>
+      </p:sp>
+      <p:sp>
+        <p:nvSpPr>
+          <p:cNvPr id="4" name="Slide Number Placeholder 3"/>
+          <p:cNvSpPr>
+            <a:spLocks noGrp="1"/>
+          </p:cNvSpPr>
+          <p:nvPr>
+            <p:ph type="sldNum" sz="quarter" idx="10"/>
+          </p:nvPr>
+        </p:nvSpPr>
+        <p:spPr/>
+        <p:txBody>
+          <a:bodyPr/>
+          <a:lstStyle/>
+          <a:p>
+            <a:fld id="{F7021451-1387-4CA6-816F-3879F97B5CBC}" type="slidenum">
+              <a:rPr lang="en-US"/>
+              <a:t>11</a:t>
+            </a:fld>
+            <a:endParaRPr lang="en-US"/>
+          </a:p>
+        </p:txBody>
+      </p:sp>
+    </p:spTree>
+    <p:extLst>
+      <p:ext uri="{BB962C8B-B14F-4D97-AF65-F5344CB8AC3E}">
+        <p14:creationId xmlns:p14="http://schemas.microsoft.com/office/powerpoint/2010/main" val="1024086991"/>
+      </p:ext>
+    </p:extLst>
+  </p:cSld>
+  <p:clrMapOvr>
+    <a:masterClrMapping/>
+  </p:clrMapOvr>
+</p:notes>
+</file>
+
+<file path=ppt/notesSlides/notesSlide9.xml><?xml version="1.0" encoding="utf-8"?>
+<p:notes xmlns:a="http://schemas.openxmlformats.org/drawingml/2006/main" xmlns:r="http://schemas.openxmlformats.org/officeDocument/2006/relationships" xmlns:p="http://schemas.openxmlformats.org/presentationml/2006/main">
+  <p:cSld>
+    <p:spTree>
+      <p:nvGrpSpPr>
+        <p:cNvPr id="1" name=""/>
+        <p:cNvGrpSpPr/>
+        <p:nvPr/>
+      </p:nvGrpSpPr>
+      <p:grpSpPr>
+        <a:xfrm>
+          <a:off x="0" y="0"/>
+          <a:ext cx="0" cy="0"/>
+          <a:chOff x="0" y="0"/>
+          <a:chExt cx="0" cy="0"/>
+        </a:xfrm>
+      </p:grpSpPr>
+      <p:sp>
+        <p:nvSpPr>
+          <p:cNvPr id="2" name="Slide Image Placeholder 1"/>
+          <p:cNvSpPr>
+            <a:spLocks noGrp="1" noRot="1" noChangeAspect="1"/>
+          </p:cNvSpPr>
+          <p:nvPr>
+            <p:ph type="sldImg"/>
+          </p:nvPr>
+        </p:nvSpPr>
+        <p:spPr/>
+      </p:sp>
+      <p:sp>
+        <p:nvSpPr>
+          <p:cNvPr id="3" name="Notes Placeholder 2"/>
+          <p:cNvSpPr>
+            <a:spLocks noGrp="1"/>
+          </p:cNvSpPr>
+          <p:nvPr>
+            <p:ph type="body" idx="1"/>
+          </p:nvPr>
+        </p:nvSpPr>
+        <p:spPr/>
+        <p:txBody>
+          <a:bodyPr/>
+          <a:lstStyle/>
+          <a:p>
+            <a:endParaRPr lang="en-US" dirty="0"/>
+          </a:p>
+        </p:txBody>
+      </p:sp>
+      <p:sp>
+        <p:nvSpPr>
+          <p:cNvPr id="4" name="Slide Number Placeholder 3"/>
+          <p:cNvSpPr>
+            <a:spLocks noGrp="1"/>
+          </p:cNvSpPr>
+          <p:nvPr>
+            <p:ph type="sldNum" sz="quarter" idx="10"/>
+          </p:nvPr>
+        </p:nvSpPr>
+        <p:spPr/>
+        <p:txBody>
+          <a:bodyPr/>
+          <a:lstStyle/>
+          <a:p>
+            <a:fld id="{F7021451-1387-4CA6-816F-3879F97B5CBC}" type="slidenum">
+              <a:rPr lang="en-US"/>
+              <a:t>12</a:t>
+            </a:fld>
+            <a:endParaRPr lang="en-US"/>
+          </a:p>
+        </p:txBody>
+      </p:sp>
+    </p:spTree>
+    <p:extLst>
+      <p:ext uri="{BB962C8B-B14F-4D97-AF65-F5344CB8AC3E}">
+        <p14:creationId xmlns:p14="http://schemas.microsoft.com/office/powerpoint/2010/main" val="1024086991"/>
+      </p:ext>
+    </p:extLst>
+  </p:cSld>
+  <p:clrMapOvr>
+    <a:masterClrMapping/>
+  </p:clrMapOvr>
+</p:notes>
 </file>
 
 <file path=ppt/slideLayouts/slideLayout1.xml><?xml version="1.0" encoding="utf-8"?>
@@ -497,6 +1699,41 @@
 </p:sldLayout>
 </file>
 
+<file path=ppt/slideLayouts/slideLayout4.xml><?xml version="1.0" encoding="utf-8"?>
+<p:sldLayout xmlns:a="http://schemas.openxmlformats.org/drawingml/2006/main" xmlns:r="http://schemas.openxmlformats.org/officeDocument/2006/relationships" xmlns:p="http://schemas.openxmlformats.org/presentationml/2006/main">
+  <p:cSld name="DEFAULT">
+    <p:bg>
+      <p:bgRef idx="1001">
+        <a:schemeClr val="bg1"/>
+      </p:bgRef>
+    </p:bg>
+    <p:spTree>
+      <p:nvGrpSpPr>
+        <p:cNvPr id="1" name=""/>
+        <p:cNvGrpSpPr/>
+        <p:nvPr/>
+      </p:nvGrpSpPr>
+      <p:grpSpPr>
+        <a:xfrm>
+          <a:off x="0" y="0"/>
+          <a:ext cx="0" cy="0"/>
+          <a:chOff x="0" y="0"/>
+          <a:chExt cx="0" cy="0"/>
+        </a:xfrm>
+      </p:grpSpPr>
+    </p:spTree>
+    <p:extLst>
+      <p:ext uri="{BB962C8B-B14F-4D97-AF65-F5344CB8AC3E}">
+        <p14:creationId xmlns:p14="http://schemas.microsoft.com/office/powerpoint/2010/main" val="1001889582"/>
+      </p:ext>
+    </p:extLst>
+  </p:cSld>
+  <p:clrMapOvr>
+    <a:masterClrMapping/>
+  </p:clrMapOvr>
+</p:sldLayout>
+</file>
+
 <file path=ppt/slideMasters/slideMaster1.xml><?xml version="1.0" encoding="utf-8"?>
 <p:sldMaster xmlns:a="http://schemas.openxmlformats.org/drawingml/2006/main" xmlns:r="http://schemas.openxmlformats.org/officeDocument/2006/relationships" xmlns:p="http://schemas.openxmlformats.org/presentationml/2006/main">
   <p:cSld>
@@ -642,7 +1879,7 @@
           <a:p>
             <a:fld id="{8FEB83C7-CE7D-EE43-931B-A983B2AE7CF3}" type="datetimeFigureOut">
               <a:rPr lang="es-EC" smtClean="0"/>
-              <a:t>28/12/2024</a:t>
+              <a:t>12/1/2025</a:t>
             </a:fld>
             <a:endParaRPr lang="es-EC"/>
           </a:p>
@@ -750,6 +1987,7 @@
     <p:sldLayoutId id="2147483649" r:id="rId1"/>
     <p:sldLayoutId id="2147483650" r:id="rId2"/>
     <p:sldLayoutId id="2147483651" r:id="rId3"/>
+    <p:sldLayoutId id="2147483652" r:id="rId4"/>
   </p:sldLayoutIdLst>
   <p:txStyles>
     <p:titleStyle>
@@ -1082,20 +2320,8 @@
             <a:pPr algn="ctr"/>
             <a:r>
               <a:rPr lang="es-EC" b="1" dirty="0"/>
-              <a:t>Administración de </a:t>
-            </a:r>
-            <a:br>
-              <a:rPr lang="es-EC" b="1" dirty="0"/>
-            </a:br>
-            <a:r>
-              <a:rPr lang="es-EC" b="1" dirty="0"/>
-              <a:t>Base </a:t>
-            </a:r>
-            <a:r>
-              <a:rPr lang="es-EC" b="1"/>
-              <a:t>de Datos</a:t>
-            </a:r>
-            <a:endParaRPr lang="es-EC" b="1" dirty="0"/>
+              <a:t>LÓGICA DE PROGRAMACIÓN</a:t>
+            </a:r>
           </a:p>
         </p:txBody>
       </p:sp>
@@ -1113,8 +2339,8 @@
         </p:nvSpPr>
         <p:spPr>
           <a:xfrm>
-            <a:off x="7325353" y="4864173"/>
-            <a:ext cx="4290662" cy="646331"/>
+            <a:off x="7482768" y="4864173"/>
+            <a:ext cx="3975833" cy="646331"/>
           </a:xfrm>
           <a:prstGeom prst="rect">
             <a:avLst/>
@@ -1130,14 +2356,16 @@
             <a:pPr algn="ctr"/>
             <a:r>
               <a:rPr lang="es-419" b="1" dirty="0"/>
-              <a:t>Sesión 11</a:t>
-            </a:r>
-          </a:p>
-          <a:p>
-            <a:r>
-              <a:rPr lang="es-419" dirty="0"/>
-              <a:t>Técnicas de filtración de datos relacionales</a:t>
-            </a:r>
+              <a:t>Sesión 16</a:t>
+            </a:r>
+          </a:p>
+          <a:p>
+            <a:pPr algn="ctr"/>
+            <a:r>
+              <a:rPr lang="es-ES" dirty="0"/>
+              <a:t>Enlaces, imágenes, listas y tablas HTML.</a:t>
+            </a:r>
+            <a:endParaRPr lang="es-419" dirty="0"/>
           </a:p>
         </p:txBody>
       </p:sp>
@@ -1145,6 +2373,1963 @@
     <p:extLst>
       <p:ext uri="{BB962C8B-B14F-4D97-AF65-F5344CB8AC3E}">
         <p14:creationId xmlns:p14="http://schemas.microsoft.com/office/powerpoint/2010/main" val="417312551"/>
+      </p:ext>
+    </p:extLst>
+  </p:cSld>
+  <p:clrMapOvr>
+    <a:masterClrMapping/>
+  </p:clrMapOvr>
+</p:sld>
+</file>
+
+<file path=ppt/slides/slide10.xml><?xml version="1.0" encoding="utf-8"?>
+<p:sld xmlns:a="http://schemas.openxmlformats.org/drawingml/2006/main" xmlns:r="http://schemas.openxmlformats.org/officeDocument/2006/relationships" xmlns:p="http://schemas.openxmlformats.org/presentationml/2006/main">
+  <p:cSld>
+    <p:spTree>
+      <p:nvGrpSpPr>
+        <p:cNvPr id="1" name=""/>
+        <p:cNvGrpSpPr/>
+        <p:nvPr/>
+      </p:nvGrpSpPr>
+      <p:grpSpPr>
+        <a:xfrm>
+          <a:off x="0" y="0"/>
+          <a:ext cx="0" cy="0"/>
+          <a:chOff x="0" y="0"/>
+          <a:chExt cx="0" cy="0"/>
+        </a:xfrm>
+      </p:grpSpPr>
+      <p:sp>
+        <p:nvSpPr>
+          <p:cNvPr id="2" name="Shape 0"/>
+          <p:cNvSpPr/>
+          <p:nvPr/>
+        </p:nvSpPr>
+        <p:spPr>
+          <a:xfrm>
+            <a:off x="0" y="0"/>
+            <a:ext cx="12192000" cy="6858000"/>
+          </a:xfrm>
+          <a:prstGeom prst="rect">
+            <a:avLst/>
+          </a:prstGeom>
+          <a:solidFill>
+            <a:srgbClr val="EBF4F3"/>
+          </a:solidFill>
+          <a:ln/>
+        </p:spPr>
+      </p:sp>
+      <p:sp>
+        <p:nvSpPr>
+          <p:cNvPr id="3" name="Shape 1"/>
+          <p:cNvSpPr/>
+          <p:nvPr/>
+        </p:nvSpPr>
+        <p:spPr>
+          <a:xfrm>
+            <a:off x="0" y="0"/>
+            <a:ext cx="12192000" cy="6858000"/>
+          </a:xfrm>
+          <a:prstGeom prst="rect">
+            <a:avLst/>
+          </a:prstGeom>
+          <a:solidFill>
+            <a:srgbClr val="FFFFFF"/>
+          </a:solidFill>
+          <a:ln/>
+        </p:spPr>
+      </p:sp>
+      <p:sp>
+        <p:nvSpPr>
+          <p:cNvPr id="4" name="Text 2"/>
+          <p:cNvSpPr/>
+          <p:nvPr/>
+        </p:nvSpPr>
+        <p:spPr>
+          <a:xfrm>
+            <a:off x="1698328" y="1049437"/>
+            <a:ext cx="7593608" cy="578644"/>
+          </a:xfrm>
+          <a:prstGeom prst="rect">
+            <a:avLst/>
+          </a:prstGeom>
+          <a:noFill/>
+          <a:ln/>
+        </p:spPr>
+        <p:txBody>
+          <a:bodyPr wrap="none" rtlCol="0" anchor="t"/>
+          <a:lstStyle/>
+          <a:p>
+            <a:pPr>
+              <a:lnSpc>
+                <a:spcPts val="4556"/>
+              </a:lnSpc>
+            </a:pPr>
+            <a:r>
+              <a:rPr lang="en-US" sz="3645" dirty="0">
+                <a:solidFill>
+                  <a:srgbClr val="272D45"/>
+                </a:solidFill>
+                <a:latin typeface="Kanit" pitchFamily="34" charset="0"/>
+                <a:ea typeface="Kanit" pitchFamily="34" charset="-122"/>
+                <a:cs typeface="Kanit" pitchFamily="34" charset="-120"/>
+              </a:rPr>
+              <a:t>Ejemplos de widgets HTML populares</a:t>
+            </a:r>
+            <a:endParaRPr lang="en-US" sz="3645" dirty="0"/>
+          </a:p>
+        </p:txBody>
+      </p:sp>
+      <p:pic>
+        <p:nvPicPr>
+          <p:cNvPr id="5" name="Image 0" descr="preencoded.png"/>
+          <p:cNvPicPr>
+            <a:picLocks noChangeAspect="1"/>
+          </p:cNvPicPr>
+          <p:nvPr/>
+        </p:nvPicPr>
+        <p:blipFill>
+          <a:blip r:embed="rId3"/>
+          <a:stretch>
+            <a:fillRect/>
+          </a:stretch>
+        </p:blipFill>
+        <p:spPr>
+          <a:xfrm>
+            <a:off x="1698328" y="1998366"/>
+            <a:ext cx="2746573" cy="1697434"/>
+          </a:xfrm>
+          <a:prstGeom prst="rect">
+            <a:avLst/>
+          </a:prstGeom>
+        </p:spPr>
+      </p:pic>
+      <p:sp>
+        <p:nvSpPr>
+          <p:cNvPr id="6" name="Text 3"/>
+          <p:cNvSpPr/>
+          <p:nvPr/>
+        </p:nvSpPr>
+        <p:spPr>
+          <a:xfrm>
+            <a:off x="1698328" y="3927178"/>
+            <a:ext cx="2746573" cy="578644"/>
+          </a:xfrm>
+          <a:prstGeom prst="rect">
+            <a:avLst/>
+          </a:prstGeom>
+          <a:noFill/>
+          <a:ln/>
+        </p:spPr>
+        <p:txBody>
+          <a:bodyPr wrap="square" rtlCol="0" anchor="t"/>
+          <a:lstStyle/>
+          <a:p>
+            <a:pPr>
+              <a:lnSpc>
+                <a:spcPts val="2278"/>
+              </a:lnSpc>
+            </a:pPr>
+            <a:r>
+              <a:rPr lang="en-US" sz="1822" dirty="0">
+                <a:solidFill>
+                  <a:srgbClr val="2C3249"/>
+                </a:solidFill>
+                <a:latin typeface="Kanit" pitchFamily="34" charset="0"/>
+                <a:ea typeface="Kanit" pitchFamily="34" charset="-122"/>
+                <a:cs typeface="Kanit" pitchFamily="34" charset="-120"/>
+              </a:rPr>
+              <a:t>Reproductor de vídeo HTML5</a:t>
+            </a:r>
+            <a:endParaRPr lang="en-US" sz="1822" dirty="0"/>
+          </a:p>
+        </p:txBody>
+      </p:sp>
+      <p:sp>
+        <p:nvSpPr>
+          <p:cNvPr id="7" name="Text 4"/>
+          <p:cNvSpPr/>
+          <p:nvPr/>
+        </p:nvSpPr>
+        <p:spPr>
+          <a:xfrm>
+            <a:off x="1698328" y="4616847"/>
+            <a:ext cx="2746573" cy="1184672"/>
+          </a:xfrm>
+          <a:prstGeom prst="rect">
+            <a:avLst/>
+          </a:prstGeom>
+          <a:noFill/>
+          <a:ln/>
+        </p:spPr>
+        <p:txBody>
+          <a:bodyPr wrap="square" rtlCol="0" anchor="t"/>
+          <a:lstStyle/>
+          <a:p>
+            <a:pPr>
+              <a:lnSpc>
+                <a:spcPts val="2332"/>
+              </a:lnSpc>
+            </a:pPr>
+            <a:r>
+              <a:rPr lang="en-US" sz="1458" dirty="0">
+                <a:solidFill>
+                  <a:srgbClr val="2C3249"/>
+                </a:solidFill>
+                <a:latin typeface="Martel Sans" pitchFamily="34" charset="0"/>
+                <a:ea typeface="Martel Sans" pitchFamily="34" charset="-122"/>
+                <a:cs typeface="Martel Sans" pitchFamily="34" charset="-120"/>
+              </a:rPr>
+              <a:t>Un reproductor de vídeo HTML5 con controles personalizables y un diseño moderno y minimalista.</a:t>
+            </a:r>
+            <a:endParaRPr lang="en-US" sz="1458" dirty="0"/>
+          </a:p>
+        </p:txBody>
+      </p:sp>
+      <p:pic>
+        <p:nvPicPr>
+          <p:cNvPr id="8" name="Image 1" descr="preencoded.png"/>
+          <p:cNvPicPr>
+            <a:picLocks noChangeAspect="1"/>
+          </p:cNvPicPr>
+          <p:nvPr/>
+        </p:nvPicPr>
+        <p:blipFill>
+          <a:blip r:embed="rId4"/>
+          <a:stretch>
+            <a:fillRect/>
+          </a:stretch>
+        </p:blipFill>
+        <p:spPr>
+          <a:xfrm>
+            <a:off x="4722614" y="1998365"/>
+            <a:ext cx="2746673" cy="1697533"/>
+          </a:xfrm>
+          <a:prstGeom prst="rect">
+            <a:avLst/>
+          </a:prstGeom>
+        </p:spPr>
+      </p:pic>
+      <p:sp>
+        <p:nvSpPr>
+          <p:cNvPr id="9" name="Text 5"/>
+          <p:cNvSpPr/>
+          <p:nvPr/>
+        </p:nvSpPr>
+        <p:spPr>
+          <a:xfrm>
+            <a:off x="4722615" y="3927277"/>
+            <a:ext cx="2331839" cy="289322"/>
+          </a:xfrm>
+          <a:prstGeom prst="rect">
+            <a:avLst/>
+          </a:prstGeom>
+          <a:noFill/>
+          <a:ln/>
+        </p:spPr>
+        <p:txBody>
+          <a:bodyPr wrap="none" rtlCol="0" anchor="t"/>
+          <a:lstStyle/>
+          <a:p>
+            <a:pPr>
+              <a:lnSpc>
+                <a:spcPts val="2278"/>
+              </a:lnSpc>
+            </a:pPr>
+            <a:r>
+              <a:rPr lang="en-US" sz="1822" dirty="0">
+                <a:solidFill>
+                  <a:srgbClr val="2C3249"/>
+                </a:solidFill>
+                <a:latin typeface="Kanit" pitchFamily="34" charset="0"/>
+                <a:ea typeface="Kanit" pitchFamily="34" charset="-122"/>
+                <a:cs typeface="Kanit" pitchFamily="34" charset="-120"/>
+              </a:rPr>
+              <a:t>Mapa interactivo HTML</a:t>
+            </a:r>
+            <a:endParaRPr lang="en-US" sz="1822" dirty="0"/>
+          </a:p>
+        </p:txBody>
+      </p:sp>
+      <p:sp>
+        <p:nvSpPr>
+          <p:cNvPr id="10" name="Text 6"/>
+          <p:cNvSpPr/>
+          <p:nvPr/>
+        </p:nvSpPr>
+        <p:spPr>
+          <a:xfrm>
+            <a:off x="4722614" y="4327624"/>
+            <a:ext cx="2746673" cy="1480840"/>
+          </a:xfrm>
+          <a:prstGeom prst="rect">
+            <a:avLst/>
+          </a:prstGeom>
+          <a:noFill/>
+          <a:ln/>
+        </p:spPr>
+        <p:txBody>
+          <a:bodyPr wrap="square" rtlCol="0" anchor="t"/>
+          <a:lstStyle/>
+          <a:p>
+            <a:pPr>
+              <a:lnSpc>
+                <a:spcPts val="2332"/>
+              </a:lnSpc>
+            </a:pPr>
+            <a:r>
+              <a:rPr lang="en-US" sz="1458" dirty="0">
+                <a:solidFill>
+                  <a:srgbClr val="2C3249"/>
+                </a:solidFill>
+                <a:latin typeface="Martel Sans" pitchFamily="34" charset="0"/>
+                <a:ea typeface="Martel Sans" pitchFamily="34" charset="-122"/>
+                <a:cs typeface="Martel Sans" pitchFamily="34" charset="-120"/>
+              </a:rPr>
+              <a:t>Mapa interactivo HTML que muestra datos en tiempo real, con esquema de colores vibrante y marcadores personalizables.</a:t>
+            </a:r>
+            <a:endParaRPr lang="en-US" sz="1458" dirty="0"/>
+          </a:p>
+        </p:txBody>
+      </p:sp>
+      <p:pic>
+        <p:nvPicPr>
+          <p:cNvPr id="11" name="Image 2" descr="preencoded.png"/>
+          <p:cNvPicPr>
+            <a:picLocks noChangeAspect="1"/>
+          </p:cNvPicPr>
+          <p:nvPr/>
+        </p:nvPicPr>
+        <p:blipFill>
+          <a:blip r:embed="rId5"/>
+          <a:stretch>
+            <a:fillRect/>
+          </a:stretch>
+        </p:blipFill>
+        <p:spPr>
+          <a:xfrm>
+            <a:off x="7747000" y="1998365"/>
+            <a:ext cx="2746673" cy="1697533"/>
+          </a:xfrm>
+          <a:prstGeom prst="rect">
+            <a:avLst/>
+          </a:prstGeom>
+        </p:spPr>
+      </p:pic>
+      <p:sp>
+        <p:nvSpPr>
+          <p:cNvPr id="12" name="Text 7"/>
+          <p:cNvSpPr/>
+          <p:nvPr/>
+        </p:nvSpPr>
+        <p:spPr>
+          <a:xfrm>
+            <a:off x="7747000" y="3927277"/>
+            <a:ext cx="2314575" cy="289322"/>
+          </a:xfrm>
+          <a:prstGeom prst="rect">
+            <a:avLst/>
+          </a:prstGeom>
+          <a:noFill/>
+          <a:ln/>
+        </p:spPr>
+        <p:txBody>
+          <a:bodyPr wrap="none" rtlCol="0" anchor="t"/>
+          <a:lstStyle/>
+          <a:p>
+            <a:pPr>
+              <a:lnSpc>
+                <a:spcPts val="2278"/>
+              </a:lnSpc>
+            </a:pPr>
+            <a:r>
+              <a:rPr lang="en-US" sz="1822" dirty="0">
+                <a:solidFill>
+                  <a:srgbClr val="2C3249"/>
+                </a:solidFill>
+                <a:latin typeface="Kanit" pitchFamily="34" charset="0"/>
+                <a:ea typeface="Kanit" pitchFamily="34" charset="-122"/>
+                <a:cs typeface="Kanit" pitchFamily="34" charset="-120"/>
+              </a:rPr>
+              <a:t>Calendario HTML</a:t>
+            </a:r>
+            <a:endParaRPr lang="en-US" sz="1822" dirty="0"/>
+          </a:p>
+        </p:txBody>
+      </p:sp>
+      <p:sp>
+        <p:nvSpPr>
+          <p:cNvPr id="13" name="Text 8"/>
+          <p:cNvSpPr/>
+          <p:nvPr/>
+        </p:nvSpPr>
+        <p:spPr>
+          <a:xfrm>
+            <a:off x="7747000" y="4327624"/>
+            <a:ext cx="2746673" cy="1184672"/>
+          </a:xfrm>
+          <a:prstGeom prst="rect">
+            <a:avLst/>
+          </a:prstGeom>
+          <a:noFill/>
+          <a:ln/>
+        </p:spPr>
+        <p:txBody>
+          <a:bodyPr wrap="square" rtlCol="0" anchor="t"/>
+          <a:lstStyle/>
+          <a:p>
+            <a:pPr>
+              <a:lnSpc>
+                <a:spcPts val="2332"/>
+              </a:lnSpc>
+            </a:pPr>
+            <a:r>
+              <a:rPr lang="en-US" sz="1458" dirty="0">
+                <a:solidFill>
+                  <a:srgbClr val="2C3249"/>
+                </a:solidFill>
+                <a:latin typeface="Martel Sans" pitchFamily="34" charset="0"/>
+                <a:ea typeface="Martel Sans" pitchFamily="34" charset="-122"/>
+                <a:cs typeface="Martel Sans" pitchFamily="34" charset="-120"/>
+              </a:rPr>
+              <a:t>Calendario HTML responsive con notificaciones de eventos, interfaz limpia e intuitiva y tipografía elegante.</a:t>
+            </a:r>
+            <a:endParaRPr lang="en-US" sz="1458" dirty="0"/>
+          </a:p>
+        </p:txBody>
+      </p:sp>
+      <p:pic>
+        <p:nvPicPr>
+          <p:cNvPr id="14" name="Imagen 13">
+            <a:extLst>
+              <a:ext uri="{FF2B5EF4-FFF2-40B4-BE49-F238E27FC236}">
+                <a16:creationId xmlns:a16="http://schemas.microsoft.com/office/drawing/2014/main" id="{375B4B40-7E5F-72B0-E02F-7961660B961B}"/>
+              </a:ext>
+            </a:extLst>
+          </p:cNvPr>
+          <p:cNvPicPr>
+            <a:picLocks noChangeAspect="1"/>
+          </p:cNvPicPr>
+          <p:nvPr/>
+        </p:nvPicPr>
+        <p:blipFill>
+          <a:blip r:embed="rId6"/>
+          <a:stretch>
+            <a:fillRect/>
+          </a:stretch>
+        </p:blipFill>
+        <p:spPr>
+          <a:xfrm>
+            <a:off x="0" y="6143625"/>
+            <a:ext cx="11087100" cy="714375"/>
+          </a:xfrm>
+          <a:prstGeom prst="rect">
+            <a:avLst/>
+          </a:prstGeom>
+        </p:spPr>
+      </p:pic>
+      <p:pic>
+        <p:nvPicPr>
+          <p:cNvPr id="15" name="Imagen 14">
+            <a:extLst>
+              <a:ext uri="{FF2B5EF4-FFF2-40B4-BE49-F238E27FC236}">
+                <a16:creationId xmlns:a16="http://schemas.microsoft.com/office/drawing/2014/main" id="{A4D56547-8953-EC5A-4764-0CF0090B82EC}"/>
+              </a:ext>
+            </a:extLst>
+          </p:cNvPr>
+          <p:cNvPicPr>
+            <a:picLocks noChangeAspect="1"/>
+          </p:cNvPicPr>
+          <p:nvPr/>
+        </p:nvPicPr>
+        <p:blipFill>
+          <a:blip r:embed="rId7"/>
+          <a:stretch>
+            <a:fillRect/>
+          </a:stretch>
+        </p:blipFill>
+        <p:spPr>
+          <a:xfrm>
+            <a:off x="55066" y="0"/>
+            <a:ext cx="11896725" cy="676275"/>
+          </a:xfrm>
+          <a:prstGeom prst="rect">
+            <a:avLst/>
+          </a:prstGeom>
+        </p:spPr>
+      </p:pic>
+    </p:spTree>
+  </p:cSld>
+  <p:clrMapOvr>
+    <a:masterClrMapping/>
+  </p:clrMapOvr>
+</p:sld>
+</file>
+
+<file path=ppt/slides/slide11.xml><?xml version="1.0" encoding="utf-8"?>
+<p:sld xmlns:a="http://schemas.openxmlformats.org/drawingml/2006/main" xmlns:r="http://schemas.openxmlformats.org/officeDocument/2006/relationships" xmlns:p="http://schemas.openxmlformats.org/presentationml/2006/main">
+  <p:cSld>
+    <p:spTree>
+      <p:nvGrpSpPr>
+        <p:cNvPr id="1" name=""/>
+        <p:cNvGrpSpPr/>
+        <p:nvPr/>
+      </p:nvGrpSpPr>
+      <p:grpSpPr>
+        <a:xfrm>
+          <a:off x="0" y="0"/>
+          <a:ext cx="0" cy="0"/>
+          <a:chOff x="0" y="0"/>
+          <a:chExt cx="0" cy="0"/>
+        </a:xfrm>
+      </p:grpSpPr>
+      <p:sp>
+        <p:nvSpPr>
+          <p:cNvPr id="2" name="Shape 0"/>
+          <p:cNvSpPr/>
+          <p:nvPr/>
+        </p:nvSpPr>
+        <p:spPr>
+          <a:xfrm>
+            <a:off x="0" y="0"/>
+            <a:ext cx="12192000" cy="6858000"/>
+          </a:xfrm>
+          <a:prstGeom prst="rect">
+            <a:avLst/>
+          </a:prstGeom>
+          <a:solidFill>
+            <a:srgbClr val="EBF4F3"/>
+          </a:solidFill>
+          <a:ln/>
+        </p:spPr>
+      </p:sp>
+      <p:sp>
+        <p:nvSpPr>
+          <p:cNvPr id="3" name="Shape 1"/>
+          <p:cNvSpPr/>
+          <p:nvPr/>
+        </p:nvSpPr>
+        <p:spPr>
+          <a:xfrm>
+            <a:off x="0" y="0"/>
+            <a:ext cx="12192000" cy="6858000"/>
+          </a:xfrm>
+          <a:prstGeom prst="rect">
+            <a:avLst/>
+          </a:prstGeom>
+          <a:solidFill>
+            <a:srgbClr val="FFFFFF"/>
+          </a:solidFill>
+          <a:ln/>
+        </p:spPr>
+      </p:sp>
+      <p:sp>
+        <p:nvSpPr>
+          <p:cNvPr id="4" name="Text 2"/>
+          <p:cNvSpPr/>
+          <p:nvPr/>
+        </p:nvSpPr>
+        <p:spPr>
+          <a:xfrm>
+            <a:off x="1698328" y="734219"/>
+            <a:ext cx="8795345" cy="1157288"/>
+          </a:xfrm>
+          <a:prstGeom prst="rect">
+            <a:avLst/>
+          </a:prstGeom>
+          <a:noFill/>
+          <a:ln/>
+        </p:spPr>
+        <p:txBody>
+          <a:bodyPr wrap="square" rtlCol="0" anchor="t"/>
+          <a:lstStyle/>
+          <a:p>
+            <a:pPr>
+              <a:lnSpc>
+                <a:spcPts val="4556"/>
+              </a:lnSpc>
+            </a:pPr>
+            <a:r>
+              <a:rPr lang="en-US" sz="3645" dirty="0">
+                <a:solidFill>
+                  <a:srgbClr val="272D45"/>
+                </a:solidFill>
+                <a:latin typeface="Kanit" pitchFamily="34" charset="0"/>
+                <a:ea typeface="Kanit" pitchFamily="34" charset="-122"/>
+                <a:cs typeface="Kanit" pitchFamily="34" charset="-120"/>
+              </a:rPr>
+              <a:t>Consideraciones de seguridad al usar widgets HTML</a:t>
+            </a:r>
+            <a:endParaRPr lang="en-US" sz="3645" dirty="0"/>
+          </a:p>
+        </p:txBody>
+      </p:sp>
+      <p:sp>
+        <p:nvSpPr>
+          <p:cNvPr id="5" name="Text 3"/>
+          <p:cNvSpPr/>
+          <p:nvPr/>
+        </p:nvSpPr>
+        <p:spPr>
+          <a:xfrm>
+            <a:off x="1698328" y="2354362"/>
+            <a:ext cx="2314575" cy="289322"/>
+          </a:xfrm>
+          <a:prstGeom prst="rect">
+            <a:avLst/>
+          </a:prstGeom>
+          <a:noFill/>
+          <a:ln/>
+        </p:spPr>
+        <p:txBody>
+          <a:bodyPr wrap="none" rtlCol="0" anchor="t"/>
+          <a:lstStyle/>
+          <a:p>
+            <a:pPr>
+              <a:lnSpc>
+                <a:spcPts val="2278"/>
+              </a:lnSpc>
+            </a:pPr>
+            <a:r>
+              <a:rPr lang="en-US" sz="1822" dirty="0">
+                <a:solidFill>
+                  <a:srgbClr val="272D45"/>
+                </a:solidFill>
+                <a:latin typeface="Kanit" pitchFamily="34" charset="0"/>
+                <a:ea typeface="Kanit" pitchFamily="34" charset="-122"/>
+                <a:cs typeface="Kanit" pitchFamily="34" charset="-120"/>
+              </a:rPr>
+              <a:t>Riesgos Potenciales</a:t>
+            </a:r>
+            <a:endParaRPr lang="en-US" sz="1822" dirty="0"/>
+          </a:p>
+        </p:txBody>
+      </p:sp>
+      <p:sp>
+        <p:nvSpPr>
+          <p:cNvPr id="6" name="Text 4"/>
+          <p:cNvSpPr/>
+          <p:nvPr/>
+        </p:nvSpPr>
+        <p:spPr>
+          <a:xfrm>
+            <a:off x="1698328" y="2828826"/>
+            <a:ext cx="2630289" cy="1480840"/>
+          </a:xfrm>
+          <a:prstGeom prst="rect">
+            <a:avLst/>
+          </a:prstGeom>
+          <a:noFill/>
+          <a:ln/>
+        </p:spPr>
+        <p:txBody>
+          <a:bodyPr wrap="square" rtlCol="0" anchor="t"/>
+          <a:lstStyle/>
+          <a:p>
+            <a:pPr>
+              <a:lnSpc>
+                <a:spcPts val="2332"/>
+              </a:lnSpc>
+            </a:pPr>
+            <a:r>
+              <a:rPr lang="en-US" sz="1458" dirty="0">
+                <a:solidFill>
+                  <a:srgbClr val="2C3249"/>
+                </a:solidFill>
+                <a:latin typeface="Martel Sans" pitchFamily="34" charset="0"/>
+                <a:ea typeface="Martel Sans" pitchFamily="34" charset="-122"/>
+                <a:cs typeface="Martel Sans" pitchFamily="34" charset="-120"/>
+              </a:rPr>
+              <a:t>La inclusión de widgets HTML de fuentes no confiables puede exponer su sitio web a vulnerabilidades de seguridad.</a:t>
+            </a:r>
+            <a:endParaRPr lang="en-US" sz="1458" dirty="0"/>
+          </a:p>
+        </p:txBody>
+      </p:sp>
+      <p:sp>
+        <p:nvSpPr>
+          <p:cNvPr id="7" name="Text 5"/>
+          <p:cNvSpPr/>
+          <p:nvPr/>
+        </p:nvSpPr>
+        <p:spPr>
+          <a:xfrm>
+            <a:off x="1698328" y="4476254"/>
+            <a:ext cx="2630289" cy="1480840"/>
+          </a:xfrm>
+          <a:prstGeom prst="rect">
+            <a:avLst/>
+          </a:prstGeom>
+          <a:noFill/>
+          <a:ln/>
+        </p:spPr>
+        <p:txBody>
+          <a:bodyPr wrap="square" rtlCol="0" anchor="t"/>
+          <a:lstStyle/>
+          <a:p>
+            <a:pPr>
+              <a:lnSpc>
+                <a:spcPts val="2332"/>
+              </a:lnSpc>
+            </a:pPr>
+            <a:r>
+              <a:rPr lang="en-US" sz="1458" dirty="0">
+                <a:solidFill>
+                  <a:srgbClr val="2C3249"/>
+                </a:solidFill>
+                <a:latin typeface="Martel Sans" pitchFamily="34" charset="0"/>
+                <a:ea typeface="Martel Sans" pitchFamily="34" charset="-122"/>
+                <a:cs typeface="Martel Sans" pitchFamily="34" charset="-120"/>
+              </a:rPr>
+              <a:t>Los widgets maliciosos podrían contener código dañino que comprometa la integridad y la privacidad de sus usuarios.</a:t>
+            </a:r>
+            <a:endParaRPr lang="en-US" sz="1458" dirty="0"/>
+          </a:p>
+        </p:txBody>
+      </p:sp>
+      <p:sp>
+        <p:nvSpPr>
+          <p:cNvPr id="8" name="Text 6"/>
+          <p:cNvSpPr/>
+          <p:nvPr/>
+        </p:nvSpPr>
+        <p:spPr>
+          <a:xfrm>
+            <a:off x="4786611" y="2354362"/>
+            <a:ext cx="2535039" cy="289322"/>
+          </a:xfrm>
+          <a:prstGeom prst="rect">
+            <a:avLst/>
+          </a:prstGeom>
+          <a:noFill/>
+          <a:ln/>
+        </p:spPr>
+        <p:txBody>
+          <a:bodyPr wrap="none" rtlCol="0" anchor="t"/>
+          <a:lstStyle/>
+          <a:p>
+            <a:pPr>
+              <a:lnSpc>
+                <a:spcPts val="2278"/>
+              </a:lnSpc>
+            </a:pPr>
+            <a:r>
+              <a:rPr lang="en-US" sz="1822" dirty="0">
+                <a:solidFill>
+                  <a:srgbClr val="272D45"/>
+                </a:solidFill>
+                <a:latin typeface="Kanit" pitchFamily="34" charset="0"/>
+                <a:ea typeface="Kanit" pitchFamily="34" charset="-122"/>
+                <a:cs typeface="Kanit" pitchFamily="34" charset="-120"/>
+              </a:rPr>
+              <a:t>Protección y Verificación</a:t>
+            </a:r>
+            <a:endParaRPr lang="en-US" sz="1822" dirty="0"/>
+          </a:p>
+        </p:txBody>
+      </p:sp>
+      <p:sp>
+        <p:nvSpPr>
+          <p:cNvPr id="9" name="Text 7"/>
+          <p:cNvSpPr/>
+          <p:nvPr/>
+        </p:nvSpPr>
+        <p:spPr>
+          <a:xfrm>
+            <a:off x="4786611" y="2828826"/>
+            <a:ext cx="2630289" cy="1184672"/>
+          </a:xfrm>
+          <a:prstGeom prst="rect">
+            <a:avLst/>
+          </a:prstGeom>
+          <a:noFill/>
+          <a:ln/>
+        </p:spPr>
+        <p:txBody>
+          <a:bodyPr wrap="square" rtlCol="0" anchor="t"/>
+          <a:lstStyle/>
+          <a:p>
+            <a:pPr>
+              <a:lnSpc>
+                <a:spcPts val="2332"/>
+              </a:lnSpc>
+            </a:pPr>
+            <a:r>
+              <a:rPr lang="en-US" sz="1458" dirty="0">
+                <a:solidFill>
+                  <a:srgbClr val="2C3249"/>
+                </a:solidFill>
+                <a:latin typeface="Martel Sans" pitchFamily="34" charset="0"/>
+                <a:ea typeface="Martel Sans" pitchFamily="34" charset="-122"/>
+                <a:cs typeface="Martel Sans" pitchFamily="34" charset="-120"/>
+              </a:rPr>
+              <a:t>Es crucial asegurarse de que los widgets utilizados sean de fuentes seguras y de confianza.</a:t>
+            </a:r>
+            <a:endParaRPr lang="en-US" sz="1458" dirty="0"/>
+          </a:p>
+        </p:txBody>
+      </p:sp>
+      <p:sp>
+        <p:nvSpPr>
+          <p:cNvPr id="10" name="Text 8"/>
+          <p:cNvSpPr/>
+          <p:nvPr/>
+        </p:nvSpPr>
+        <p:spPr>
+          <a:xfrm>
+            <a:off x="4786611" y="4180086"/>
+            <a:ext cx="2630289" cy="1480840"/>
+          </a:xfrm>
+          <a:prstGeom prst="rect">
+            <a:avLst/>
+          </a:prstGeom>
+          <a:noFill/>
+          <a:ln/>
+        </p:spPr>
+        <p:txBody>
+          <a:bodyPr wrap="square" rtlCol="0" anchor="t"/>
+          <a:lstStyle/>
+          <a:p>
+            <a:pPr>
+              <a:lnSpc>
+                <a:spcPts val="2332"/>
+              </a:lnSpc>
+            </a:pPr>
+            <a:r>
+              <a:rPr lang="en-US" sz="1458" dirty="0">
+                <a:solidFill>
+                  <a:srgbClr val="2C3249"/>
+                </a:solidFill>
+                <a:latin typeface="Martel Sans" pitchFamily="34" charset="0"/>
+                <a:ea typeface="Martel Sans" pitchFamily="34" charset="-122"/>
+                <a:cs typeface="Martel Sans" pitchFamily="34" charset="-120"/>
+              </a:rPr>
+              <a:t>Revisar regularmente las actualizaciones de seguridad y auditar los widgets implementados es fundamental.</a:t>
+            </a:r>
+            <a:endParaRPr lang="en-US" sz="1458" dirty="0"/>
+          </a:p>
+        </p:txBody>
+      </p:sp>
+      <p:sp>
+        <p:nvSpPr>
+          <p:cNvPr id="11" name="Text 9"/>
+          <p:cNvSpPr/>
+          <p:nvPr/>
+        </p:nvSpPr>
+        <p:spPr>
+          <a:xfrm>
+            <a:off x="7874893" y="2354362"/>
+            <a:ext cx="2314575" cy="289322"/>
+          </a:xfrm>
+          <a:prstGeom prst="rect">
+            <a:avLst/>
+          </a:prstGeom>
+          <a:noFill/>
+          <a:ln/>
+        </p:spPr>
+        <p:txBody>
+          <a:bodyPr wrap="none" rtlCol="0" anchor="t"/>
+          <a:lstStyle/>
+          <a:p>
+            <a:pPr>
+              <a:lnSpc>
+                <a:spcPts val="2278"/>
+              </a:lnSpc>
+            </a:pPr>
+            <a:r>
+              <a:rPr lang="en-US" sz="1822" dirty="0">
+                <a:solidFill>
+                  <a:srgbClr val="272D45"/>
+                </a:solidFill>
+                <a:latin typeface="Kanit" pitchFamily="34" charset="0"/>
+                <a:ea typeface="Kanit" pitchFamily="34" charset="-122"/>
+                <a:cs typeface="Kanit" pitchFamily="34" charset="-120"/>
+              </a:rPr>
+              <a:t>Validación de Origen</a:t>
+            </a:r>
+            <a:endParaRPr lang="en-US" sz="1822" dirty="0"/>
+          </a:p>
+        </p:txBody>
+      </p:sp>
+      <p:sp>
+        <p:nvSpPr>
+          <p:cNvPr id="12" name="Text 10"/>
+          <p:cNvSpPr/>
+          <p:nvPr/>
+        </p:nvSpPr>
+        <p:spPr>
+          <a:xfrm>
+            <a:off x="7874894" y="2828826"/>
+            <a:ext cx="2630289" cy="1480840"/>
+          </a:xfrm>
+          <a:prstGeom prst="rect">
+            <a:avLst/>
+          </a:prstGeom>
+          <a:noFill/>
+          <a:ln/>
+        </p:spPr>
+        <p:txBody>
+          <a:bodyPr wrap="square" rtlCol="0" anchor="t"/>
+          <a:lstStyle/>
+          <a:p>
+            <a:pPr>
+              <a:lnSpc>
+                <a:spcPts val="2332"/>
+              </a:lnSpc>
+            </a:pPr>
+            <a:r>
+              <a:rPr lang="en-US" sz="1458" dirty="0">
+                <a:solidFill>
+                  <a:srgbClr val="2C3249"/>
+                </a:solidFill>
+                <a:latin typeface="Martel Sans" pitchFamily="34" charset="0"/>
+                <a:ea typeface="Martel Sans" pitchFamily="34" charset="-122"/>
+                <a:cs typeface="Martel Sans" pitchFamily="34" charset="-120"/>
+              </a:rPr>
+              <a:t>Al incorporar widgets HTML, es importante validar el origen y la autenticidad del código para evitar ataques de suplantación de identidad.</a:t>
+            </a:r>
+            <a:endParaRPr lang="en-US" sz="1458" dirty="0"/>
+          </a:p>
+        </p:txBody>
+      </p:sp>
+      <p:sp>
+        <p:nvSpPr>
+          <p:cNvPr id="13" name="Text 11"/>
+          <p:cNvSpPr/>
+          <p:nvPr/>
+        </p:nvSpPr>
+        <p:spPr>
+          <a:xfrm>
+            <a:off x="7874894" y="4476254"/>
+            <a:ext cx="2630289" cy="1184672"/>
+          </a:xfrm>
+          <a:prstGeom prst="rect">
+            <a:avLst/>
+          </a:prstGeom>
+          <a:noFill/>
+          <a:ln/>
+        </p:spPr>
+        <p:txBody>
+          <a:bodyPr wrap="square" rtlCol="0" anchor="t"/>
+          <a:lstStyle/>
+          <a:p>
+            <a:pPr>
+              <a:lnSpc>
+                <a:spcPts val="2332"/>
+              </a:lnSpc>
+            </a:pPr>
+            <a:r>
+              <a:rPr lang="en-US" sz="1458" dirty="0">
+                <a:solidFill>
+                  <a:srgbClr val="2C3249"/>
+                </a:solidFill>
+                <a:latin typeface="Martel Sans" pitchFamily="34" charset="0"/>
+                <a:ea typeface="Martel Sans" pitchFamily="34" charset="-122"/>
+                <a:cs typeface="Martel Sans" pitchFamily="34" charset="-120"/>
+              </a:rPr>
+              <a:t>Utilice HTTPS y configuraciones de seguridad estrictas al cargar widgets externos.</a:t>
+            </a:r>
+            <a:endParaRPr lang="en-US" sz="1458" dirty="0"/>
+          </a:p>
+        </p:txBody>
+      </p:sp>
+      <p:pic>
+        <p:nvPicPr>
+          <p:cNvPr id="14" name="Imagen 13">
+            <a:extLst>
+              <a:ext uri="{FF2B5EF4-FFF2-40B4-BE49-F238E27FC236}">
+                <a16:creationId xmlns:a16="http://schemas.microsoft.com/office/drawing/2014/main" id="{E8B7D568-D12B-6AB7-AC2C-E5515A3DD50F}"/>
+              </a:ext>
+            </a:extLst>
+          </p:cNvPr>
+          <p:cNvPicPr>
+            <a:picLocks noChangeAspect="1"/>
+          </p:cNvPicPr>
+          <p:nvPr/>
+        </p:nvPicPr>
+        <p:blipFill>
+          <a:blip r:embed="rId3"/>
+          <a:stretch>
+            <a:fillRect/>
+          </a:stretch>
+        </p:blipFill>
+        <p:spPr>
+          <a:xfrm>
+            <a:off x="0" y="6143625"/>
+            <a:ext cx="11087100" cy="714375"/>
+          </a:xfrm>
+          <a:prstGeom prst="rect">
+            <a:avLst/>
+          </a:prstGeom>
+        </p:spPr>
+      </p:pic>
+      <p:pic>
+        <p:nvPicPr>
+          <p:cNvPr id="15" name="Imagen 14">
+            <a:extLst>
+              <a:ext uri="{FF2B5EF4-FFF2-40B4-BE49-F238E27FC236}">
+                <a16:creationId xmlns:a16="http://schemas.microsoft.com/office/drawing/2014/main" id="{9F9565AD-22F1-5CB0-7268-77F908F25C25}"/>
+              </a:ext>
+            </a:extLst>
+          </p:cNvPr>
+          <p:cNvPicPr>
+            <a:picLocks noChangeAspect="1"/>
+          </p:cNvPicPr>
+          <p:nvPr/>
+        </p:nvPicPr>
+        <p:blipFill>
+          <a:blip r:embed="rId4"/>
+          <a:stretch>
+            <a:fillRect/>
+          </a:stretch>
+        </p:blipFill>
+        <p:spPr>
+          <a:xfrm>
+            <a:off x="55066" y="0"/>
+            <a:ext cx="11896725" cy="676275"/>
+          </a:xfrm>
+          <a:prstGeom prst="rect">
+            <a:avLst/>
+          </a:prstGeom>
+        </p:spPr>
+      </p:pic>
+    </p:spTree>
+  </p:cSld>
+  <p:clrMapOvr>
+    <a:masterClrMapping/>
+  </p:clrMapOvr>
+</p:sld>
+</file>
+
+<file path=ppt/slides/slide12.xml><?xml version="1.0" encoding="utf-8"?>
+<p:sld xmlns:a="http://schemas.openxmlformats.org/drawingml/2006/main" xmlns:r="http://schemas.openxmlformats.org/officeDocument/2006/relationships" xmlns:p="http://schemas.openxmlformats.org/presentationml/2006/main">
+  <p:cSld>
+    <p:spTree>
+      <p:nvGrpSpPr>
+        <p:cNvPr id="1" name=""/>
+        <p:cNvGrpSpPr/>
+        <p:nvPr/>
+      </p:nvGrpSpPr>
+      <p:grpSpPr>
+        <a:xfrm>
+          <a:off x="0" y="0"/>
+          <a:ext cx="0" cy="0"/>
+          <a:chOff x="0" y="0"/>
+          <a:chExt cx="0" cy="0"/>
+        </a:xfrm>
+      </p:grpSpPr>
+      <p:sp>
+        <p:nvSpPr>
+          <p:cNvPr id="2" name="Shape 0"/>
+          <p:cNvSpPr/>
+          <p:nvPr/>
+        </p:nvSpPr>
+        <p:spPr>
+          <a:xfrm>
+            <a:off x="0" y="0"/>
+            <a:ext cx="12192000" cy="6858000"/>
+          </a:xfrm>
+          <a:prstGeom prst="rect">
+            <a:avLst/>
+          </a:prstGeom>
+          <a:solidFill>
+            <a:srgbClr val="EBF4F3"/>
+          </a:solidFill>
+          <a:ln/>
+        </p:spPr>
+      </p:sp>
+      <p:sp>
+        <p:nvSpPr>
+          <p:cNvPr id="3" name="Shape 1"/>
+          <p:cNvSpPr/>
+          <p:nvPr/>
+        </p:nvSpPr>
+        <p:spPr>
+          <a:xfrm>
+            <a:off x="0" y="0"/>
+            <a:ext cx="12192000" cy="6858000"/>
+          </a:xfrm>
+          <a:prstGeom prst="rect">
+            <a:avLst/>
+          </a:prstGeom>
+          <a:solidFill>
+            <a:srgbClr val="FFFFFF"/>
+          </a:solidFill>
+          <a:ln/>
+        </p:spPr>
+      </p:sp>
+      <p:sp>
+        <p:nvSpPr>
+          <p:cNvPr id="4" name="Text 2"/>
+          <p:cNvSpPr/>
+          <p:nvPr/>
+        </p:nvSpPr>
+        <p:spPr>
+          <a:xfrm>
+            <a:off x="1698328" y="824309"/>
+            <a:ext cx="8795345" cy="1157288"/>
+          </a:xfrm>
+          <a:prstGeom prst="rect">
+            <a:avLst/>
+          </a:prstGeom>
+          <a:noFill/>
+          <a:ln/>
+        </p:spPr>
+        <p:txBody>
+          <a:bodyPr wrap="square" rtlCol="0" anchor="t"/>
+          <a:lstStyle/>
+          <a:p>
+            <a:pPr>
+              <a:lnSpc>
+                <a:spcPts val="4556"/>
+              </a:lnSpc>
+            </a:pPr>
+            <a:r>
+              <a:rPr lang="en-US" sz="3645" dirty="0">
+                <a:solidFill>
+                  <a:srgbClr val="272D45"/>
+                </a:solidFill>
+                <a:latin typeface="Kanit" pitchFamily="34" charset="0"/>
+                <a:ea typeface="Kanit" pitchFamily="34" charset="-122"/>
+                <a:cs typeface="Kanit" pitchFamily="34" charset="-120"/>
+              </a:rPr>
+              <a:t>Solución de problemas comunes de widgets HTML</a:t>
+            </a:r>
+            <a:endParaRPr lang="en-US" sz="3645" dirty="0"/>
+          </a:p>
+        </p:txBody>
+      </p:sp>
+      <p:sp>
+        <p:nvSpPr>
+          <p:cNvPr id="5" name="Shape 3"/>
+          <p:cNvSpPr/>
+          <p:nvPr/>
+        </p:nvSpPr>
+        <p:spPr>
+          <a:xfrm>
+            <a:off x="1698328" y="2351882"/>
+            <a:ext cx="1465858" cy="1066800"/>
+          </a:xfrm>
+          <a:prstGeom prst="roundRect">
+            <a:avLst>
+              <a:gd name="adj" fmla="val 7811"/>
+            </a:avLst>
+          </a:prstGeom>
+          <a:solidFill>
+            <a:srgbClr val="DFECE9"/>
+          </a:solidFill>
+          <a:ln w="7620">
+            <a:solidFill>
+              <a:srgbClr val="C5D2CF"/>
+            </a:solidFill>
+            <a:prstDash val="solid"/>
+          </a:ln>
+        </p:spPr>
+      </p:sp>
+      <p:sp>
+        <p:nvSpPr>
+          <p:cNvPr id="6" name="Text 4"/>
+          <p:cNvSpPr/>
+          <p:nvPr/>
+        </p:nvSpPr>
+        <p:spPr>
+          <a:xfrm>
+            <a:off x="1889820" y="2700140"/>
+            <a:ext cx="70346" cy="370284"/>
+          </a:xfrm>
+          <a:prstGeom prst="rect">
+            <a:avLst/>
+          </a:prstGeom>
+          <a:noFill/>
+          <a:ln/>
+        </p:spPr>
+        <p:txBody>
+          <a:bodyPr wrap="none" rtlCol="0" anchor="t"/>
+          <a:lstStyle/>
+          <a:p>
+            <a:pPr algn="ctr">
+              <a:lnSpc>
+                <a:spcPts val="2916"/>
+              </a:lnSpc>
+            </a:pPr>
+            <a:r>
+              <a:rPr lang="en-US" sz="1822" dirty="0">
+                <a:solidFill>
+                  <a:srgbClr val="2C3249"/>
+                </a:solidFill>
+                <a:latin typeface="Kanit" pitchFamily="34" charset="0"/>
+                <a:ea typeface="Kanit" pitchFamily="34" charset="-122"/>
+                <a:cs typeface="Kanit" pitchFamily="34" charset="-120"/>
+              </a:rPr>
+              <a:t>1</a:t>
+            </a:r>
+            <a:endParaRPr lang="en-US" sz="1822" dirty="0"/>
+          </a:p>
+        </p:txBody>
+      </p:sp>
+      <p:sp>
+        <p:nvSpPr>
+          <p:cNvPr id="7" name="Text 5"/>
+          <p:cNvSpPr/>
+          <p:nvPr/>
+        </p:nvSpPr>
+        <p:spPr>
+          <a:xfrm>
+            <a:off x="3349328" y="2537023"/>
+            <a:ext cx="2576711" cy="289322"/>
+          </a:xfrm>
+          <a:prstGeom prst="rect">
+            <a:avLst/>
+          </a:prstGeom>
+          <a:noFill/>
+          <a:ln/>
+        </p:spPr>
+        <p:txBody>
+          <a:bodyPr wrap="none" rtlCol="0" anchor="t"/>
+          <a:lstStyle/>
+          <a:p>
+            <a:pPr>
+              <a:lnSpc>
+                <a:spcPts val="2278"/>
+              </a:lnSpc>
+            </a:pPr>
+            <a:r>
+              <a:rPr lang="en-US" sz="1822" dirty="0">
+                <a:solidFill>
+                  <a:srgbClr val="2C3249"/>
+                </a:solidFill>
+                <a:latin typeface="Kanit" pitchFamily="34" charset="0"/>
+                <a:ea typeface="Kanit" pitchFamily="34" charset="-122"/>
+                <a:cs typeface="Kanit" pitchFamily="34" charset="-120"/>
+              </a:rPr>
+              <a:t>Problemas de carga lenta</a:t>
+            </a:r>
+            <a:endParaRPr lang="en-US" sz="1822" dirty="0"/>
+          </a:p>
+        </p:txBody>
+      </p:sp>
+      <p:sp>
+        <p:nvSpPr>
+          <p:cNvPr id="8" name="Text 6"/>
+          <p:cNvSpPr/>
+          <p:nvPr/>
+        </p:nvSpPr>
+        <p:spPr>
+          <a:xfrm>
+            <a:off x="3349328" y="2937371"/>
+            <a:ext cx="5442446" cy="296168"/>
+          </a:xfrm>
+          <a:prstGeom prst="rect">
+            <a:avLst/>
+          </a:prstGeom>
+          <a:noFill/>
+          <a:ln/>
+        </p:spPr>
+        <p:txBody>
+          <a:bodyPr wrap="none" rtlCol="0" anchor="t"/>
+          <a:lstStyle/>
+          <a:p>
+            <a:pPr>
+              <a:lnSpc>
+                <a:spcPts val="2332"/>
+              </a:lnSpc>
+            </a:pPr>
+            <a:r>
+              <a:rPr lang="en-US" sz="1458" dirty="0">
+                <a:solidFill>
+                  <a:srgbClr val="2C3249"/>
+                </a:solidFill>
+                <a:latin typeface="Martel Sans" pitchFamily="34" charset="0"/>
+                <a:ea typeface="Martel Sans" pitchFamily="34" charset="-122"/>
+                <a:cs typeface="Martel Sans" pitchFamily="34" charset="-120"/>
+              </a:rPr>
+              <a:t>Tiempo de carga prolongado afecta la experiencia del usuario.</a:t>
+            </a:r>
+            <a:endParaRPr lang="en-US" sz="1458" dirty="0"/>
+          </a:p>
+        </p:txBody>
+      </p:sp>
+      <p:sp>
+        <p:nvSpPr>
+          <p:cNvPr id="9" name="Shape 7"/>
+          <p:cNvSpPr/>
+          <p:nvPr/>
+        </p:nvSpPr>
+        <p:spPr>
+          <a:xfrm>
+            <a:off x="3256756" y="3397276"/>
+            <a:ext cx="7144345" cy="18504"/>
+          </a:xfrm>
+          <a:prstGeom prst="roundRect">
+            <a:avLst>
+              <a:gd name="adj" fmla="val 450302"/>
+            </a:avLst>
+          </a:prstGeom>
+          <a:solidFill>
+            <a:srgbClr val="C5D2CF"/>
+          </a:solidFill>
+          <a:ln/>
+        </p:spPr>
+      </p:sp>
+      <p:sp>
+        <p:nvSpPr>
+          <p:cNvPr id="10" name="Shape 8"/>
+          <p:cNvSpPr/>
+          <p:nvPr/>
+        </p:nvSpPr>
+        <p:spPr>
+          <a:xfrm>
+            <a:off x="1698328" y="3511253"/>
+            <a:ext cx="2931716" cy="1066800"/>
+          </a:xfrm>
+          <a:prstGeom prst="roundRect">
+            <a:avLst>
+              <a:gd name="adj" fmla="val 7811"/>
+            </a:avLst>
+          </a:prstGeom>
+          <a:solidFill>
+            <a:srgbClr val="DFECE9"/>
+          </a:solidFill>
+          <a:ln w="7620">
+            <a:solidFill>
+              <a:srgbClr val="C5D2CF"/>
+            </a:solidFill>
+            <a:prstDash val="solid"/>
+          </a:ln>
+        </p:spPr>
+      </p:sp>
+      <p:sp>
+        <p:nvSpPr>
+          <p:cNvPr id="11" name="Text 9"/>
+          <p:cNvSpPr/>
+          <p:nvPr/>
+        </p:nvSpPr>
+        <p:spPr>
+          <a:xfrm>
+            <a:off x="1889819" y="3859511"/>
+            <a:ext cx="117078" cy="370284"/>
+          </a:xfrm>
+          <a:prstGeom prst="rect">
+            <a:avLst/>
+          </a:prstGeom>
+          <a:noFill/>
+          <a:ln/>
+        </p:spPr>
+        <p:txBody>
+          <a:bodyPr wrap="none" rtlCol="0" anchor="t"/>
+          <a:lstStyle/>
+          <a:p>
+            <a:pPr algn="ctr">
+              <a:lnSpc>
+                <a:spcPts val="2916"/>
+              </a:lnSpc>
+            </a:pPr>
+            <a:r>
+              <a:rPr lang="en-US" sz="1822" dirty="0">
+                <a:solidFill>
+                  <a:srgbClr val="2C3249"/>
+                </a:solidFill>
+                <a:latin typeface="Kanit" pitchFamily="34" charset="0"/>
+                <a:ea typeface="Kanit" pitchFamily="34" charset="-122"/>
+                <a:cs typeface="Kanit" pitchFamily="34" charset="-120"/>
+              </a:rPr>
+              <a:t>2</a:t>
+            </a:r>
+            <a:endParaRPr lang="en-US" sz="1822" dirty="0"/>
+          </a:p>
+        </p:txBody>
+      </p:sp>
+      <p:sp>
+        <p:nvSpPr>
+          <p:cNvPr id="12" name="Text 10"/>
+          <p:cNvSpPr/>
+          <p:nvPr/>
+        </p:nvSpPr>
+        <p:spPr>
+          <a:xfrm>
+            <a:off x="4815185" y="3696394"/>
+            <a:ext cx="3336925" cy="289322"/>
+          </a:xfrm>
+          <a:prstGeom prst="rect">
+            <a:avLst/>
+          </a:prstGeom>
+          <a:noFill/>
+          <a:ln/>
+        </p:spPr>
+        <p:txBody>
+          <a:bodyPr wrap="none" rtlCol="0" anchor="t"/>
+          <a:lstStyle/>
+          <a:p>
+            <a:pPr>
+              <a:lnSpc>
+                <a:spcPts val="2278"/>
+              </a:lnSpc>
+            </a:pPr>
+            <a:r>
+              <a:rPr lang="en-US" sz="1822" dirty="0">
+                <a:solidFill>
+                  <a:srgbClr val="2C3249"/>
+                </a:solidFill>
+                <a:latin typeface="Kanit" pitchFamily="34" charset="0"/>
+                <a:ea typeface="Kanit" pitchFamily="34" charset="-122"/>
+                <a:cs typeface="Kanit" pitchFamily="34" charset="-120"/>
+              </a:rPr>
+              <a:t>Compatibilidad con navegadores</a:t>
+            </a:r>
+            <a:endParaRPr lang="en-US" sz="1822" dirty="0"/>
+          </a:p>
+        </p:txBody>
+      </p:sp>
+      <p:sp>
+        <p:nvSpPr>
+          <p:cNvPr id="13" name="Text 11"/>
+          <p:cNvSpPr/>
+          <p:nvPr/>
+        </p:nvSpPr>
+        <p:spPr>
+          <a:xfrm>
+            <a:off x="4815185" y="4096743"/>
+            <a:ext cx="5207893" cy="296168"/>
+          </a:xfrm>
+          <a:prstGeom prst="rect">
+            <a:avLst/>
+          </a:prstGeom>
+          <a:noFill/>
+          <a:ln/>
+        </p:spPr>
+        <p:txBody>
+          <a:bodyPr wrap="none" rtlCol="0" anchor="t"/>
+          <a:lstStyle/>
+          <a:p>
+            <a:pPr>
+              <a:lnSpc>
+                <a:spcPts val="2332"/>
+              </a:lnSpc>
+            </a:pPr>
+            <a:r>
+              <a:rPr lang="en-US" sz="1458" dirty="0">
+                <a:solidFill>
+                  <a:srgbClr val="2C3249"/>
+                </a:solidFill>
+                <a:latin typeface="Martel Sans" pitchFamily="34" charset="0"/>
+                <a:ea typeface="Martel Sans" pitchFamily="34" charset="-122"/>
+                <a:cs typeface="Martel Sans" pitchFamily="34" charset="-120"/>
+              </a:rPr>
+              <a:t>Problemas de visualización en diferentes navegadores web.</a:t>
+            </a:r>
+            <a:endParaRPr lang="en-US" sz="1458" dirty="0"/>
+          </a:p>
+        </p:txBody>
+      </p:sp>
+      <p:sp>
+        <p:nvSpPr>
+          <p:cNvPr id="14" name="Shape 12"/>
+          <p:cNvSpPr/>
+          <p:nvPr/>
+        </p:nvSpPr>
+        <p:spPr>
+          <a:xfrm>
+            <a:off x="4722614" y="4556646"/>
+            <a:ext cx="5678488" cy="18504"/>
+          </a:xfrm>
+          <a:prstGeom prst="roundRect">
+            <a:avLst>
+              <a:gd name="adj" fmla="val 450302"/>
+            </a:avLst>
+          </a:prstGeom>
+          <a:solidFill>
+            <a:srgbClr val="C5D2CF"/>
+          </a:solidFill>
+          <a:ln/>
+        </p:spPr>
+      </p:sp>
+      <p:sp>
+        <p:nvSpPr>
+          <p:cNvPr id="15" name="Shape 13"/>
+          <p:cNvSpPr/>
+          <p:nvPr/>
+        </p:nvSpPr>
+        <p:spPr>
+          <a:xfrm>
+            <a:off x="1698328" y="4670624"/>
+            <a:ext cx="4397673" cy="1362968"/>
+          </a:xfrm>
+          <a:prstGeom prst="roundRect">
+            <a:avLst>
+              <a:gd name="adj" fmla="val 6113"/>
+            </a:avLst>
+          </a:prstGeom>
+          <a:solidFill>
+            <a:srgbClr val="DFECE9"/>
+          </a:solidFill>
+          <a:ln w="7620">
+            <a:solidFill>
+              <a:srgbClr val="C5D2CF"/>
+            </a:solidFill>
+            <a:prstDash val="solid"/>
+          </a:ln>
+        </p:spPr>
+      </p:sp>
+      <p:sp>
+        <p:nvSpPr>
+          <p:cNvPr id="16" name="Text 14"/>
+          <p:cNvSpPr/>
+          <p:nvPr/>
+        </p:nvSpPr>
+        <p:spPr>
+          <a:xfrm>
+            <a:off x="1889819" y="5166916"/>
+            <a:ext cx="118963" cy="370284"/>
+          </a:xfrm>
+          <a:prstGeom prst="rect">
+            <a:avLst/>
+          </a:prstGeom>
+          <a:noFill/>
+          <a:ln/>
+        </p:spPr>
+        <p:txBody>
+          <a:bodyPr wrap="none" rtlCol="0" anchor="t"/>
+          <a:lstStyle/>
+          <a:p>
+            <a:pPr algn="ctr">
+              <a:lnSpc>
+                <a:spcPts val="2916"/>
+              </a:lnSpc>
+            </a:pPr>
+            <a:r>
+              <a:rPr lang="en-US" sz="1822" dirty="0">
+                <a:solidFill>
+                  <a:srgbClr val="2C3249"/>
+                </a:solidFill>
+                <a:latin typeface="Kanit" pitchFamily="34" charset="0"/>
+                <a:ea typeface="Kanit" pitchFamily="34" charset="-122"/>
+                <a:cs typeface="Kanit" pitchFamily="34" charset="-120"/>
+              </a:rPr>
+              <a:t>3</a:t>
+            </a:r>
+            <a:endParaRPr lang="en-US" sz="1822" dirty="0"/>
+          </a:p>
+        </p:txBody>
+      </p:sp>
+      <p:sp>
+        <p:nvSpPr>
+          <p:cNvPr id="17" name="Text 15"/>
+          <p:cNvSpPr/>
+          <p:nvPr/>
+        </p:nvSpPr>
+        <p:spPr>
+          <a:xfrm>
+            <a:off x="6281143" y="4855766"/>
+            <a:ext cx="2652118" cy="289322"/>
+          </a:xfrm>
+          <a:prstGeom prst="rect">
+            <a:avLst/>
+          </a:prstGeom>
+          <a:noFill/>
+          <a:ln/>
+        </p:spPr>
+        <p:txBody>
+          <a:bodyPr wrap="none" rtlCol="0" anchor="t"/>
+          <a:lstStyle/>
+          <a:p>
+            <a:pPr>
+              <a:lnSpc>
+                <a:spcPts val="2278"/>
+              </a:lnSpc>
+            </a:pPr>
+            <a:r>
+              <a:rPr lang="en-US" sz="1822" dirty="0">
+                <a:solidFill>
+                  <a:srgbClr val="2C3249"/>
+                </a:solidFill>
+                <a:latin typeface="Kanit" pitchFamily="34" charset="0"/>
+                <a:ea typeface="Kanit" pitchFamily="34" charset="-122"/>
+                <a:cs typeface="Kanit" pitchFamily="34" charset="-120"/>
+              </a:rPr>
+              <a:t>Conflicto con otros scripts</a:t>
+            </a:r>
+            <a:endParaRPr lang="en-US" sz="1822" dirty="0"/>
+          </a:p>
+        </p:txBody>
+      </p:sp>
+      <p:sp>
+        <p:nvSpPr>
+          <p:cNvPr id="18" name="Text 16"/>
+          <p:cNvSpPr/>
+          <p:nvPr/>
+        </p:nvSpPr>
+        <p:spPr>
+          <a:xfrm>
+            <a:off x="6281143" y="5256114"/>
+            <a:ext cx="4027388" cy="592336"/>
+          </a:xfrm>
+          <a:prstGeom prst="rect">
+            <a:avLst/>
+          </a:prstGeom>
+          <a:noFill/>
+          <a:ln/>
+        </p:spPr>
+        <p:txBody>
+          <a:bodyPr wrap="square" rtlCol="0" anchor="t"/>
+          <a:lstStyle/>
+          <a:p>
+            <a:pPr>
+              <a:lnSpc>
+                <a:spcPts val="2332"/>
+              </a:lnSpc>
+            </a:pPr>
+            <a:r>
+              <a:rPr lang="en-US" sz="1458" dirty="0">
+                <a:solidFill>
+                  <a:srgbClr val="2C3249"/>
+                </a:solidFill>
+                <a:latin typeface="Martel Sans" pitchFamily="34" charset="0"/>
+                <a:ea typeface="Martel Sans" pitchFamily="34" charset="-122"/>
+                <a:cs typeface="Martel Sans" pitchFamily="34" charset="-120"/>
+              </a:rPr>
+              <a:t>Interferencia con scripts existentes en la página web.</a:t>
+            </a:r>
+            <a:endParaRPr lang="en-US" sz="1458" dirty="0"/>
+          </a:p>
+        </p:txBody>
+      </p:sp>
+      <p:pic>
+        <p:nvPicPr>
+          <p:cNvPr id="19" name="Imagen 18">
+            <a:extLst>
+              <a:ext uri="{FF2B5EF4-FFF2-40B4-BE49-F238E27FC236}">
+                <a16:creationId xmlns:a16="http://schemas.microsoft.com/office/drawing/2014/main" id="{5B5F4015-0FDC-A689-F721-CBBA3EECDDDC}"/>
+              </a:ext>
+            </a:extLst>
+          </p:cNvPr>
+          <p:cNvPicPr>
+            <a:picLocks noChangeAspect="1"/>
+          </p:cNvPicPr>
+          <p:nvPr/>
+        </p:nvPicPr>
+        <p:blipFill>
+          <a:blip r:embed="rId3"/>
+          <a:stretch>
+            <a:fillRect/>
+          </a:stretch>
+        </p:blipFill>
+        <p:spPr>
+          <a:xfrm>
+            <a:off x="0" y="6143625"/>
+            <a:ext cx="11087100" cy="714375"/>
+          </a:xfrm>
+          <a:prstGeom prst="rect">
+            <a:avLst/>
+          </a:prstGeom>
+        </p:spPr>
+      </p:pic>
+      <p:pic>
+        <p:nvPicPr>
+          <p:cNvPr id="20" name="Imagen 19">
+            <a:extLst>
+              <a:ext uri="{FF2B5EF4-FFF2-40B4-BE49-F238E27FC236}">
+                <a16:creationId xmlns:a16="http://schemas.microsoft.com/office/drawing/2014/main" id="{90782A33-6917-EF9D-2DE3-8209109D117E}"/>
+              </a:ext>
+            </a:extLst>
+          </p:cNvPr>
+          <p:cNvPicPr>
+            <a:picLocks noChangeAspect="1"/>
+          </p:cNvPicPr>
+          <p:nvPr/>
+        </p:nvPicPr>
+        <p:blipFill>
+          <a:blip r:embed="rId4"/>
+          <a:stretch>
+            <a:fillRect/>
+          </a:stretch>
+        </p:blipFill>
+        <p:spPr>
+          <a:xfrm>
+            <a:off x="55066" y="0"/>
+            <a:ext cx="11896725" cy="676275"/>
+          </a:xfrm>
+          <a:prstGeom prst="rect">
+            <a:avLst/>
+          </a:prstGeom>
+        </p:spPr>
+      </p:pic>
+    </p:spTree>
+  </p:cSld>
+  <p:clrMapOvr>
+    <a:masterClrMapping/>
+  </p:clrMapOvr>
+</p:sld>
+</file>
+
+<file path=ppt/slides/slide13.xml><?xml version="1.0" encoding="utf-8"?>
+<p:sld xmlns:a="http://schemas.openxmlformats.org/drawingml/2006/main" xmlns:r="http://schemas.openxmlformats.org/officeDocument/2006/relationships" xmlns:p="http://schemas.openxmlformats.org/presentationml/2006/main">
+  <p:cSld>
+    <p:spTree>
+      <p:nvGrpSpPr>
+        <p:cNvPr id="1" name=""/>
+        <p:cNvGrpSpPr/>
+        <p:nvPr/>
+      </p:nvGrpSpPr>
+      <p:grpSpPr>
+        <a:xfrm>
+          <a:off x="0" y="0"/>
+          <a:ext cx="0" cy="0"/>
+          <a:chOff x="0" y="0"/>
+          <a:chExt cx="0" cy="0"/>
+        </a:xfrm>
+      </p:grpSpPr>
+      <p:sp>
+        <p:nvSpPr>
+          <p:cNvPr id="2" name="Shape 0"/>
+          <p:cNvSpPr/>
+          <p:nvPr/>
+        </p:nvSpPr>
+        <p:spPr>
+          <a:xfrm>
+            <a:off x="0" y="0"/>
+            <a:ext cx="12192000" cy="6858000"/>
+          </a:xfrm>
+          <a:prstGeom prst="rect">
+            <a:avLst/>
+          </a:prstGeom>
+          <a:solidFill>
+            <a:srgbClr val="EBF4F3"/>
+          </a:solidFill>
+          <a:ln/>
+        </p:spPr>
+      </p:sp>
+      <p:sp>
+        <p:nvSpPr>
+          <p:cNvPr id="3" name="Shape 1"/>
+          <p:cNvSpPr/>
+          <p:nvPr/>
+        </p:nvSpPr>
+        <p:spPr>
+          <a:xfrm>
+            <a:off x="0" y="0"/>
+            <a:ext cx="12192000" cy="6858000"/>
+          </a:xfrm>
+          <a:prstGeom prst="rect">
+            <a:avLst/>
+          </a:prstGeom>
+          <a:solidFill>
+            <a:srgbClr val="FFFFFF"/>
+          </a:solidFill>
+          <a:ln/>
+        </p:spPr>
+      </p:sp>
+      <p:sp>
+        <p:nvSpPr>
+          <p:cNvPr id="4" name="Text 2"/>
+          <p:cNvSpPr/>
+          <p:nvPr/>
+        </p:nvSpPr>
+        <p:spPr>
+          <a:xfrm>
+            <a:off x="1698328" y="1961853"/>
+            <a:ext cx="6353671" cy="578644"/>
+          </a:xfrm>
+          <a:prstGeom prst="rect">
+            <a:avLst/>
+          </a:prstGeom>
+          <a:noFill/>
+          <a:ln/>
+        </p:spPr>
+        <p:txBody>
+          <a:bodyPr wrap="none" rtlCol="0" anchor="t"/>
+          <a:lstStyle/>
+          <a:p>
+            <a:pPr>
+              <a:lnSpc>
+                <a:spcPts val="4556"/>
+              </a:lnSpc>
+            </a:pPr>
+            <a:r>
+              <a:rPr lang="en-US" sz="3645" dirty="0">
+                <a:solidFill>
+                  <a:srgbClr val="272D45"/>
+                </a:solidFill>
+                <a:latin typeface="Kanit" pitchFamily="34" charset="0"/>
+                <a:ea typeface="Kanit" pitchFamily="34" charset="-122"/>
+                <a:cs typeface="Kanit" pitchFamily="34" charset="-120"/>
+              </a:rPr>
+              <a:t>Conclusiones y próximos pasos</a:t>
+            </a:r>
+            <a:endParaRPr lang="en-US" sz="3645" dirty="0"/>
+          </a:p>
+        </p:txBody>
+      </p:sp>
+      <p:sp>
+        <p:nvSpPr>
+          <p:cNvPr id="5" name="Text 3"/>
+          <p:cNvSpPr/>
+          <p:nvPr/>
+        </p:nvSpPr>
+        <p:spPr>
+          <a:xfrm>
+            <a:off x="1698328" y="2910781"/>
+            <a:ext cx="8795345" cy="888504"/>
+          </a:xfrm>
+          <a:prstGeom prst="rect">
+            <a:avLst/>
+          </a:prstGeom>
+          <a:noFill/>
+          <a:ln/>
+        </p:spPr>
+        <p:txBody>
+          <a:bodyPr wrap="square" rtlCol="0" anchor="t"/>
+          <a:lstStyle/>
+          <a:p>
+            <a:pPr>
+              <a:lnSpc>
+                <a:spcPts val="2332"/>
+              </a:lnSpc>
+            </a:pPr>
+            <a:r>
+              <a:rPr lang="en-US" sz="1458" dirty="0">
+                <a:solidFill>
+                  <a:srgbClr val="2C3249"/>
+                </a:solidFill>
+                <a:latin typeface="Martel Sans" pitchFamily="34" charset="0"/>
+                <a:ea typeface="Martel Sans" pitchFamily="34" charset="-122"/>
+                <a:cs typeface="Martel Sans" pitchFamily="34" charset="-120"/>
+              </a:rPr>
+              <a:t>En conclusión, los widgets HTML ofrecen una forma versátil y dinámica de agregar funcionalidades interactivas a un sitio web. Su facilidad de uso y amplia compatibilidad los convierten en una herramienta valiosa para mejorar la experiencia del usuario.</a:t>
+            </a:r>
+            <a:endParaRPr lang="en-US" sz="1458" dirty="0"/>
+          </a:p>
+        </p:txBody>
+      </p:sp>
+      <p:sp>
+        <p:nvSpPr>
+          <p:cNvPr id="6" name="Text 4"/>
+          <p:cNvSpPr/>
+          <p:nvPr/>
+        </p:nvSpPr>
+        <p:spPr>
+          <a:xfrm>
+            <a:off x="1698328" y="4007545"/>
+            <a:ext cx="8795345" cy="888504"/>
+          </a:xfrm>
+          <a:prstGeom prst="rect">
+            <a:avLst/>
+          </a:prstGeom>
+          <a:noFill/>
+          <a:ln/>
+        </p:spPr>
+        <p:txBody>
+          <a:bodyPr wrap="square" rtlCol="0" anchor="t"/>
+          <a:lstStyle/>
+          <a:p>
+            <a:pPr>
+              <a:lnSpc>
+                <a:spcPts val="2332"/>
+              </a:lnSpc>
+            </a:pPr>
+            <a:r>
+              <a:rPr lang="en-US" sz="1458" dirty="0">
+                <a:solidFill>
+                  <a:srgbClr val="2C3249"/>
+                </a:solidFill>
+                <a:latin typeface="Martel Sans" pitchFamily="34" charset="0"/>
+                <a:ea typeface="Martel Sans" pitchFamily="34" charset="-122"/>
+                <a:cs typeface="Martel Sans" pitchFamily="34" charset="-120"/>
+              </a:rPr>
+              <a:t>Para seguir avanzando, es recomendable explorar las diversas opciones de personalización y considerar las medidas de seguridad necesarias al implementar widgets HTML. Además, estar al tanto de las soluciones a problemas comunes facilitará su mantenimiento a largo plazo.</a:t>
+            </a:r>
+            <a:endParaRPr lang="en-US" sz="1458" dirty="0"/>
+          </a:p>
+        </p:txBody>
+      </p:sp>
+      <p:pic>
+        <p:nvPicPr>
+          <p:cNvPr id="7" name="Imagen 6">
+            <a:extLst>
+              <a:ext uri="{FF2B5EF4-FFF2-40B4-BE49-F238E27FC236}">
+                <a16:creationId xmlns:a16="http://schemas.microsoft.com/office/drawing/2014/main" id="{21D1BCF0-298B-E350-0745-DEED5876C616}"/>
+              </a:ext>
+            </a:extLst>
+          </p:cNvPr>
+          <p:cNvPicPr>
+            <a:picLocks noChangeAspect="1"/>
+          </p:cNvPicPr>
+          <p:nvPr/>
+        </p:nvPicPr>
+        <p:blipFill>
+          <a:blip r:embed="rId3"/>
+          <a:stretch>
+            <a:fillRect/>
+          </a:stretch>
+        </p:blipFill>
+        <p:spPr>
+          <a:xfrm>
+            <a:off x="0" y="6143625"/>
+            <a:ext cx="11087100" cy="714375"/>
+          </a:xfrm>
+          <a:prstGeom prst="rect">
+            <a:avLst/>
+          </a:prstGeom>
+        </p:spPr>
+      </p:pic>
+      <p:pic>
+        <p:nvPicPr>
+          <p:cNvPr id="8" name="Imagen 7">
+            <a:extLst>
+              <a:ext uri="{FF2B5EF4-FFF2-40B4-BE49-F238E27FC236}">
+                <a16:creationId xmlns:a16="http://schemas.microsoft.com/office/drawing/2014/main" id="{426E96FD-B555-A681-7B38-19C658E3A851}"/>
+              </a:ext>
+            </a:extLst>
+          </p:cNvPr>
+          <p:cNvPicPr>
+            <a:picLocks noChangeAspect="1"/>
+          </p:cNvPicPr>
+          <p:nvPr/>
+        </p:nvPicPr>
+        <p:blipFill>
+          <a:blip r:embed="rId4"/>
+          <a:stretch>
+            <a:fillRect/>
+          </a:stretch>
+        </p:blipFill>
+        <p:spPr>
+          <a:xfrm>
+            <a:off x="55066" y="0"/>
+            <a:ext cx="11896725" cy="676275"/>
+          </a:xfrm>
+          <a:prstGeom prst="rect">
+            <a:avLst/>
+          </a:prstGeom>
+        </p:spPr>
+      </p:pic>
+    </p:spTree>
+  </p:cSld>
+  <p:clrMapOvr>
+    <a:masterClrMapping/>
+  </p:clrMapOvr>
+</p:sld>
+</file>
+
+<file path=ppt/slides/slide14.xml><?xml version="1.0" encoding="utf-8"?>
+<p:sld xmlns:a="http://schemas.openxmlformats.org/drawingml/2006/main" xmlns:r="http://schemas.openxmlformats.org/officeDocument/2006/relationships" xmlns:p="http://schemas.openxmlformats.org/presentationml/2006/main">
+  <p:cSld>
+    <p:spTree>
+      <p:nvGrpSpPr>
+        <p:cNvPr id="1" name=""/>
+        <p:cNvGrpSpPr/>
+        <p:nvPr/>
+      </p:nvGrpSpPr>
+      <p:grpSpPr>
+        <a:xfrm>
+          <a:off x="0" y="0"/>
+          <a:ext cx="0" cy="0"/>
+          <a:chOff x="0" y="0"/>
+          <a:chExt cx="0" cy="0"/>
+        </a:xfrm>
+      </p:grpSpPr>
+    </p:spTree>
+    <p:extLst>
+      <p:ext uri="{BB962C8B-B14F-4D97-AF65-F5344CB8AC3E}">
+        <p14:creationId xmlns:p14="http://schemas.microsoft.com/office/powerpoint/2010/main" val="1741919490"/>
       </p:ext>
     </p:extLst>
   </p:cSld>
@@ -1240,17 +4425,25 @@
             </a:pPr>
             <a:r>
               <a:rPr lang="es-EC" sz="2000" dirty="0"/>
-              <a:t>Conocer las principales técnicas existentes para filtración de datos relacionales y cómo aplicarlas de forma práctica.</a:t>
+              <a:t>Entender qué son los widgets HTML</a:t>
+            </a:r>
+            <a:r>
+              <a:rPr lang="es-EC" sz="2000"/>
+              <a:t>, implementarlos </a:t>
+            </a:r>
+            <a:r>
+              <a:rPr lang="es-EC" sz="2000" dirty="0"/>
+              <a:t>y ejecutarlos en un navegador web.</a:t>
             </a:r>
           </a:p>
         </p:txBody>
       </p:sp>
       <p:pic>
         <p:nvPicPr>
-          <p:cNvPr id="2050" name="Picture 2" descr="Base de datos - Qué es, tipos y ejemplos">
+          <p:cNvPr id="1026" name="Picture 2" descr="Cómo hacer una maquetación web óptima?">
             <a:extLst>
               <a:ext uri="{FF2B5EF4-FFF2-40B4-BE49-F238E27FC236}">
-                <a16:creationId xmlns:a16="http://schemas.microsoft.com/office/drawing/2014/main" id="{940EEBE1-61BC-4B23-9AC6-502C0538D204}"/>
+                <a16:creationId xmlns:a16="http://schemas.microsoft.com/office/drawing/2014/main" id="{318C8537-ACF8-3C8E-A702-108815E7C2F8}"/>
               </a:ext>
             </a:extLst>
           </p:cNvPr>
@@ -1274,8 +4467,8 @@
         </p:blipFill>
         <p:spPr bwMode="auto">
           <a:xfrm>
-            <a:off x="3781425" y="2936081"/>
-            <a:ext cx="4762500" cy="2464594"/>
+            <a:off x="4326780" y="3429000"/>
+            <a:ext cx="3711501" cy="2085392"/>
           </a:xfrm>
           <a:prstGeom prst="rect">
             <a:avLst/>
@@ -1391,7 +4584,7 @@
             </a:pPr>
             <a:r>
               <a:rPr lang="es-EC" sz="2000" dirty="0"/>
-              <a:t>Qué es la filtración de datos relacionales</a:t>
+              <a:t>Widgets HTML: Concepto y ventajas</a:t>
             </a:r>
           </a:p>
           <a:p>
@@ -1400,7 +4593,7 @@
             </a:pPr>
             <a:r>
               <a:rPr lang="es-EC" sz="2000" dirty="0"/>
-              <a:t>Técnicas existentes</a:t>
+              <a:t> Herramientas para su uso</a:t>
             </a:r>
           </a:p>
           <a:p>
@@ -1409,7 +4602,7 @@
             </a:pPr>
             <a:r>
               <a:rPr lang="es-EC" sz="2000" dirty="0"/>
-              <a:t>Laboratorio</a:t>
+              <a:t>Solución a problemas.</a:t>
             </a:r>
           </a:p>
         </p:txBody>
@@ -1493,137 +4686,211 @@
       </p:grpSpPr>
       <p:sp>
         <p:nvSpPr>
-          <p:cNvPr id="2" name="Título 1">
+          <p:cNvPr id="2" name="Shape 0"/>
+          <p:cNvSpPr/>
+          <p:nvPr/>
+        </p:nvSpPr>
+        <p:spPr>
+          <a:xfrm>
+            <a:off x="0" y="0"/>
+            <a:ext cx="12192000" cy="6858000"/>
+          </a:xfrm>
+          <a:prstGeom prst="rect">
+            <a:avLst/>
+          </a:prstGeom>
+          <a:solidFill>
+            <a:srgbClr val="EBF4F3"/>
+          </a:solidFill>
+          <a:ln/>
+        </p:spPr>
+      </p:sp>
+      <p:sp>
+        <p:nvSpPr>
+          <p:cNvPr id="3" name="Shape 1"/>
+          <p:cNvSpPr/>
+          <p:nvPr/>
+        </p:nvSpPr>
+        <p:spPr>
+          <a:xfrm>
+            <a:off x="0" y="0"/>
+            <a:ext cx="12192000" cy="6858000"/>
+          </a:xfrm>
+          <a:prstGeom prst="rect">
+            <a:avLst/>
+          </a:prstGeom>
+          <a:solidFill>
+            <a:srgbClr val="FFFFFF"/>
+          </a:solidFill>
+          <a:ln/>
+        </p:spPr>
+      </p:sp>
+      <p:pic>
+        <p:nvPicPr>
+          <p:cNvPr id="4" name="Image 0" descr="preencoded.png"/>
+          <p:cNvPicPr>
+            <a:picLocks noChangeAspect="1"/>
+          </p:cNvPicPr>
+          <p:nvPr/>
+        </p:nvPicPr>
+        <p:blipFill>
+          <a:blip r:embed="rId3"/>
+          <a:stretch>
+            <a:fillRect/>
+          </a:stretch>
+        </p:blipFill>
+        <p:spPr>
+          <a:xfrm>
+            <a:off x="0" y="0"/>
+            <a:ext cx="4572000" cy="6858000"/>
+          </a:xfrm>
+          <a:prstGeom prst="rect">
+            <a:avLst/>
+          </a:prstGeom>
+        </p:spPr>
+      </p:pic>
+      <p:sp>
+        <p:nvSpPr>
+          <p:cNvPr id="5" name="Text 2"/>
+          <p:cNvSpPr/>
+          <p:nvPr/>
+        </p:nvSpPr>
+        <p:spPr>
+          <a:xfrm>
+            <a:off x="5266333" y="1885355"/>
+            <a:ext cx="6231334" cy="1388666"/>
+          </a:xfrm>
+          <a:prstGeom prst="rect">
+            <a:avLst/>
+          </a:prstGeom>
+          <a:noFill/>
+          <a:ln/>
+        </p:spPr>
+        <p:txBody>
+          <a:bodyPr wrap="square" rtlCol="0" anchor="t"/>
+          <a:lstStyle/>
+          <a:p>
+            <a:pPr>
+              <a:lnSpc>
+                <a:spcPts val="5467"/>
+              </a:lnSpc>
+            </a:pPr>
+            <a:r>
+              <a:rPr lang="en-US" sz="4374" dirty="0">
+                <a:solidFill>
+                  <a:srgbClr val="272D45"/>
+                </a:solidFill>
+                <a:latin typeface="Kanit" pitchFamily="34" charset="0"/>
+                <a:ea typeface="Kanit" pitchFamily="34" charset="-122"/>
+                <a:cs typeface="Kanit" pitchFamily="34" charset="-120"/>
+              </a:rPr>
+              <a:t>¿Qué son los widgets HTML?</a:t>
+            </a:r>
+            <a:endParaRPr lang="en-US" sz="4374" dirty="0"/>
+          </a:p>
+        </p:txBody>
+      </p:sp>
+      <p:sp>
+        <p:nvSpPr>
+          <p:cNvPr id="6" name="Text 3"/>
+          <p:cNvSpPr/>
+          <p:nvPr/>
+        </p:nvSpPr>
+        <p:spPr>
+          <a:xfrm>
+            <a:off x="5266333" y="3551734"/>
+            <a:ext cx="6231334" cy="888504"/>
+          </a:xfrm>
+          <a:prstGeom prst="rect">
+            <a:avLst/>
+          </a:prstGeom>
+          <a:noFill/>
+          <a:ln/>
+        </p:spPr>
+        <p:txBody>
+          <a:bodyPr wrap="square" rtlCol="0" anchor="t"/>
+          <a:lstStyle/>
+          <a:p>
+            <a:pPr>
+              <a:lnSpc>
+                <a:spcPts val="2332"/>
+              </a:lnSpc>
+            </a:pPr>
+            <a:r>
+              <a:rPr lang="en-US" sz="1458" dirty="0">
+                <a:solidFill>
+                  <a:srgbClr val="2C3249"/>
+                </a:solidFill>
+                <a:latin typeface="Martel Sans" pitchFamily="34" charset="0"/>
+                <a:ea typeface="Martel Sans" pitchFamily="34" charset="-122"/>
+                <a:cs typeface="Martel Sans" pitchFamily="34" charset="-120"/>
+              </a:rPr>
+              <a:t>Los widgets HTML son elementos interactivos o visuales, como botones, menús desplegables y formularios, que se pueden integrar en páginas web para mejorar la experiencia del usuario.</a:t>
+            </a:r>
+            <a:endParaRPr lang="en-US" sz="1458" dirty="0"/>
+          </a:p>
+        </p:txBody>
+      </p:sp>
+      <p:pic>
+        <p:nvPicPr>
+          <p:cNvPr id="7" name="Imagen 6">
             <a:extLst>
               <a:ext uri="{FF2B5EF4-FFF2-40B4-BE49-F238E27FC236}">
-                <a16:creationId xmlns:a16="http://schemas.microsoft.com/office/drawing/2014/main" id="{B8ABAACC-5240-4E68-A4E9-ACA6E7A4B0A2}"/>
-              </a:ext>
-            </a:extLst>
-          </p:cNvPr>
-          <p:cNvSpPr>
-            <a:spLocks noGrp="1"/>
-          </p:cNvSpPr>
-          <p:nvPr>
-            <p:ph type="title" idx="4294967295"/>
-          </p:nvPr>
-        </p:nvSpPr>
-        <p:spPr>
-          <a:xfrm>
-            <a:off x="343079" y="1113519"/>
-            <a:ext cx="11218985" cy="295642"/>
-          </a:xfrm>
-        </p:spPr>
-        <p:txBody>
-          <a:bodyPr>
-            <a:noAutofit/>
-          </a:bodyPr>
-          <a:lstStyle/>
-          <a:p>
-            <a:pPr algn="ctr"/>
-            <a:r>
-              <a:rPr lang="es-ES" sz="3200" b="1" dirty="0"/>
-              <a:t>L</a:t>
-            </a:r>
-            <a:r>
-              <a:rPr lang="es-EC" sz="3200" b="1" dirty="0" err="1"/>
-              <a:t>aboratorio</a:t>
-            </a:r>
-            <a:endParaRPr lang="es-EC" sz="3200" b="1" dirty="0"/>
-          </a:p>
-        </p:txBody>
-      </p:sp>
-      <p:sp>
-        <p:nvSpPr>
-          <p:cNvPr id="3" name="Marcador de contenido 2">
-            <a:extLst>
-              <a:ext uri="{FF2B5EF4-FFF2-40B4-BE49-F238E27FC236}">
-                <a16:creationId xmlns:a16="http://schemas.microsoft.com/office/drawing/2014/main" id="{055CBC30-9FA5-4F46-97C3-766A43887EE6}"/>
-              </a:ext>
-            </a:extLst>
-          </p:cNvPr>
-          <p:cNvSpPr>
-            <a:spLocks noGrp="1"/>
-          </p:cNvSpPr>
-          <p:nvPr>
-            <p:ph idx="4294967295"/>
-          </p:nvPr>
-        </p:nvSpPr>
-        <p:spPr>
-          <a:xfrm>
-            <a:off x="486507" y="1745915"/>
-            <a:ext cx="11218985" cy="1171984"/>
-          </a:xfrm>
-        </p:spPr>
-        <p:txBody>
-          <a:bodyPr>
-            <a:normAutofit/>
-          </a:bodyPr>
-          <a:lstStyle/>
-          <a:p>
-            <a:pPr marL="0" indent="0" algn="ctr">
-              <a:buNone/>
-            </a:pPr>
-            <a:r>
-              <a:rPr lang="es-ES" sz="2000" dirty="0"/>
-              <a:t>Creación de datos relacionales y aplicación de técnicas de filtrado.</a:t>
-            </a:r>
-            <a:endParaRPr lang="es-EC" sz="2000" dirty="0"/>
-          </a:p>
-        </p:txBody>
-      </p:sp>
-      <p:pic>
-        <p:nvPicPr>
-          <p:cNvPr id="1026" name="Picture 2" descr="Consejos para organizar una base de datos de clientes">
-            <a:extLst>
-              <a:ext uri="{FF2B5EF4-FFF2-40B4-BE49-F238E27FC236}">
-                <a16:creationId xmlns:a16="http://schemas.microsoft.com/office/drawing/2014/main" id="{3A032529-DDDA-4184-BCC2-2A4B564ABAF5}"/>
+                <a16:creationId xmlns:a16="http://schemas.microsoft.com/office/drawing/2014/main" id="{3FCFE8E9-AD8B-A66E-F233-6AC281DB5785}"/>
               </a:ext>
             </a:extLst>
           </p:cNvPr>
           <p:cNvPicPr>
-            <a:picLocks noChangeAspect="1" noChangeArrowheads="1"/>
+            <a:picLocks noChangeAspect="1"/>
           </p:cNvPicPr>
           <p:nvPr/>
         </p:nvPicPr>
         <p:blipFill>
-          <a:blip r:embed="rId2">
-            <a:extLst>
-              <a:ext uri="{28A0092B-C50C-407E-A947-70E740481C1C}">
-                <a14:useLocalDpi xmlns:a14="http://schemas.microsoft.com/office/drawing/2010/main" val="0"/>
-              </a:ext>
-            </a:extLst>
-          </a:blip>
-          <a:srcRect/>
+          <a:blip r:embed="rId4"/>
           <a:stretch>
             <a:fillRect/>
           </a:stretch>
         </p:blipFill>
-        <p:spPr bwMode="auto">
-          <a:xfrm>
-            <a:off x="3852863" y="2605088"/>
-            <a:ext cx="4900612" cy="2913422"/>
-          </a:xfrm>
-          <a:prstGeom prst="rect">
-            <a:avLst/>
-          </a:prstGeom>
-          <a:noFill/>
-          <a:extLst>
-            <a:ext uri="{909E8E84-426E-40DD-AFC4-6F175D3DCCD1}">
-              <a14:hiddenFill xmlns:a14="http://schemas.microsoft.com/office/drawing/2010/main">
-                <a:solidFill>
-                  <a:srgbClr val="FFFFFF"/>
-                </a:solidFill>
-              </a14:hiddenFill>
-            </a:ext>
-          </a:extLst>
+        <p:spPr>
+          <a:xfrm>
+            <a:off x="5067300" y="27757"/>
+            <a:ext cx="7124700" cy="771525"/>
+          </a:xfrm>
+          <a:prstGeom prst="rect">
+            <a:avLst/>
+          </a:prstGeom>
+        </p:spPr>
+      </p:pic>
+      <p:pic>
+        <p:nvPicPr>
+          <p:cNvPr id="8" name="Imagen 7">
+            <a:extLst>
+              <a:ext uri="{FF2B5EF4-FFF2-40B4-BE49-F238E27FC236}">
+                <a16:creationId xmlns:a16="http://schemas.microsoft.com/office/drawing/2014/main" id="{19563764-0B27-B34F-50E3-2E18426A39A3}"/>
+              </a:ext>
+            </a:extLst>
+          </p:cNvPr>
+          <p:cNvPicPr>
+            <a:picLocks noChangeAspect="1"/>
+          </p:cNvPicPr>
+          <p:nvPr/>
+        </p:nvPicPr>
+        <p:blipFill>
+          <a:blip r:embed="rId5"/>
+          <a:stretch>
+            <a:fillRect/>
+          </a:stretch>
+        </p:blipFill>
+        <p:spPr>
+          <a:xfrm>
+            <a:off x="4572000" y="6149439"/>
+            <a:ext cx="7620000" cy="714375"/>
+          </a:xfrm>
+          <a:prstGeom prst="rect">
+            <a:avLst/>
+          </a:prstGeom>
         </p:spPr>
       </p:pic>
     </p:spTree>
-    <p:extLst>
-      <p:ext uri="{BB962C8B-B14F-4D97-AF65-F5344CB8AC3E}">
-        <p14:creationId xmlns:p14="http://schemas.microsoft.com/office/powerpoint/2010/main" val="3743728494"/>
-      </p:ext>
-    </p:extLst>
   </p:cSld>
   <p:clrMapOvr>
     <a:masterClrMapping/>
@@ -1648,12 +4915,2355 @@
           <a:chExt cx="0" cy="0"/>
         </a:xfrm>
       </p:grpSpPr>
+      <p:sp>
+        <p:nvSpPr>
+          <p:cNvPr id="2" name="Shape 0"/>
+          <p:cNvSpPr/>
+          <p:nvPr/>
+        </p:nvSpPr>
+        <p:spPr>
+          <a:xfrm>
+            <a:off x="0" y="0"/>
+            <a:ext cx="12192000" cy="6858000"/>
+          </a:xfrm>
+          <a:prstGeom prst="rect">
+            <a:avLst/>
+          </a:prstGeom>
+          <a:solidFill>
+            <a:srgbClr val="EBF4F3"/>
+          </a:solidFill>
+          <a:ln/>
+        </p:spPr>
+      </p:sp>
+      <p:sp>
+        <p:nvSpPr>
+          <p:cNvPr id="3" name="Shape 1"/>
+          <p:cNvSpPr/>
+          <p:nvPr/>
+        </p:nvSpPr>
+        <p:spPr>
+          <a:xfrm>
+            <a:off x="0" y="0"/>
+            <a:ext cx="12192000" cy="6858000"/>
+          </a:xfrm>
+          <a:prstGeom prst="rect">
+            <a:avLst/>
+          </a:prstGeom>
+          <a:solidFill>
+            <a:srgbClr val="FFFFFF"/>
+          </a:solidFill>
+          <a:ln/>
+        </p:spPr>
+      </p:sp>
+      <p:sp>
+        <p:nvSpPr>
+          <p:cNvPr id="4" name="Text 2"/>
+          <p:cNvSpPr/>
+          <p:nvPr/>
+        </p:nvSpPr>
+        <p:spPr>
+          <a:xfrm>
+            <a:off x="1698327" y="1190130"/>
+            <a:ext cx="4673997" cy="578644"/>
+          </a:xfrm>
+          <a:prstGeom prst="rect">
+            <a:avLst/>
+          </a:prstGeom>
+          <a:noFill/>
+          <a:ln/>
+        </p:spPr>
+        <p:txBody>
+          <a:bodyPr wrap="none" rtlCol="0" anchor="t"/>
+          <a:lstStyle/>
+          <a:p>
+            <a:pPr>
+              <a:lnSpc>
+                <a:spcPts val="4556"/>
+              </a:lnSpc>
+            </a:pPr>
+            <a:r>
+              <a:rPr lang="en-US" sz="3645" dirty="0">
+                <a:solidFill>
+                  <a:srgbClr val="272D45"/>
+                </a:solidFill>
+                <a:latin typeface="Kanit" pitchFamily="34" charset="0"/>
+                <a:ea typeface="Kanit" pitchFamily="34" charset="-122"/>
+                <a:cs typeface="Kanit" pitchFamily="34" charset="-120"/>
+              </a:rPr>
+              <a:t>Tipos de widgets HTML</a:t>
+            </a:r>
+            <a:endParaRPr lang="en-US" sz="3645" dirty="0"/>
+          </a:p>
+        </p:txBody>
+      </p:sp>
+      <p:sp>
+        <p:nvSpPr>
+          <p:cNvPr id="5" name="Shape 3"/>
+          <p:cNvSpPr/>
+          <p:nvPr/>
+        </p:nvSpPr>
+        <p:spPr>
+          <a:xfrm>
+            <a:off x="1698327" y="2139057"/>
+            <a:ext cx="4305102" cy="1671836"/>
+          </a:xfrm>
+          <a:prstGeom prst="roundRect">
+            <a:avLst>
+              <a:gd name="adj" fmla="val 4984"/>
+            </a:avLst>
+          </a:prstGeom>
+          <a:solidFill>
+            <a:srgbClr val="DFECE9"/>
+          </a:solidFill>
+          <a:ln w="7620">
+            <a:solidFill>
+              <a:srgbClr val="C5D2CF"/>
+            </a:solidFill>
+            <a:prstDash val="solid"/>
+          </a:ln>
+        </p:spPr>
+      </p:sp>
+      <p:sp>
+        <p:nvSpPr>
+          <p:cNvPr id="6" name="Text 4"/>
+          <p:cNvSpPr/>
+          <p:nvPr/>
+        </p:nvSpPr>
+        <p:spPr>
+          <a:xfrm>
+            <a:off x="1889819" y="2330549"/>
+            <a:ext cx="2314575" cy="289322"/>
+          </a:xfrm>
+          <a:prstGeom prst="rect">
+            <a:avLst/>
+          </a:prstGeom>
+          <a:noFill/>
+          <a:ln/>
+        </p:spPr>
+        <p:txBody>
+          <a:bodyPr wrap="none" rtlCol="0" anchor="t"/>
+          <a:lstStyle/>
+          <a:p>
+            <a:pPr>
+              <a:lnSpc>
+                <a:spcPts val="2278"/>
+              </a:lnSpc>
+            </a:pPr>
+            <a:r>
+              <a:rPr lang="en-US" sz="1822" dirty="0">
+                <a:solidFill>
+                  <a:srgbClr val="2C3249"/>
+                </a:solidFill>
+                <a:latin typeface="Kanit" pitchFamily="34" charset="0"/>
+                <a:ea typeface="Kanit" pitchFamily="34" charset="-122"/>
+                <a:cs typeface="Kanit" pitchFamily="34" charset="-120"/>
+              </a:rPr>
+              <a:t>Widgets de texto</a:t>
+            </a:r>
+            <a:endParaRPr lang="en-US" sz="1822" dirty="0"/>
+          </a:p>
+        </p:txBody>
+      </p:sp>
+      <p:sp>
+        <p:nvSpPr>
+          <p:cNvPr id="7" name="Text 5"/>
+          <p:cNvSpPr/>
+          <p:nvPr/>
+        </p:nvSpPr>
+        <p:spPr>
+          <a:xfrm>
+            <a:off x="1889819" y="2730897"/>
+            <a:ext cx="3922118" cy="888504"/>
+          </a:xfrm>
+          <a:prstGeom prst="rect">
+            <a:avLst/>
+          </a:prstGeom>
+          <a:noFill/>
+          <a:ln/>
+        </p:spPr>
+        <p:txBody>
+          <a:bodyPr wrap="square" rtlCol="0" anchor="t"/>
+          <a:lstStyle/>
+          <a:p>
+            <a:pPr>
+              <a:lnSpc>
+                <a:spcPts val="2332"/>
+              </a:lnSpc>
+            </a:pPr>
+            <a:r>
+              <a:rPr lang="en-US" sz="1458" dirty="0">
+                <a:solidFill>
+                  <a:srgbClr val="2C3249"/>
+                </a:solidFill>
+                <a:latin typeface="Martel Sans" pitchFamily="34" charset="0"/>
+                <a:ea typeface="Martel Sans" pitchFamily="34" charset="-122"/>
+                <a:cs typeface="Martel Sans" pitchFamily="34" charset="-120"/>
+              </a:rPr>
+              <a:t>Elementos HTML que muestran contenido de texto estático o dinámico en un sitio web.</a:t>
+            </a:r>
+            <a:endParaRPr lang="en-US" sz="1458" dirty="0"/>
+          </a:p>
+        </p:txBody>
+      </p:sp>
+      <p:sp>
+        <p:nvSpPr>
+          <p:cNvPr id="8" name="Shape 6"/>
+          <p:cNvSpPr/>
+          <p:nvPr/>
+        </p:nvSpPr>
+        <p:spPr>
+          <a:xfrm>
+            <a:off x="6188571" y="2139057"/>
+            <a:ext cx="4305102" cy="1671836"/>
+          </a:xfrm>
+          <a:prstGeom prst="roundRect">
+            <a:avLst>
+              <a:gd name="adj" fmla="val 4984"/>
+            </a:avLst>
+          </a:prstGeom>
+          <a:solidFill>
+            <a:srgbClr val="DFECE9"/>
+          </a:solidFill>
+          <a:ln w="7620">
+            <a:solidFill>
+              <a:srgbClr val="C5D2CF"/>
+            </a:solidFill>
+            <a:prstDash val="solid"/>
+          </a:ln>
+        </p:spPr>
+      </p:sp>
+      <p:sp>
+        <p:nvSpPr>
+          <p:cNvPr id="9" name="Text 7"/>
+          <p:cNvSpPr/>
+          <p:nvPr/>
+        </p:nvSpPr>
+        <p:spPr>
+          <a:xfrm>
+            <a:off x="6380063" y="2330549"/>
+            <a:ext cx="2314575" cy="289322"/>
+          </a:xfrm>
+          <a:prstGeom prst="rect">
+            <a:avLst/>
+          </a:prstGeom>
+          <a:noFill/>
+          <a:ln/>
+        </p:spPr>
+        <p:txBody>
+          <a:bodyPr wrap="none" rtlCol="0" anchor="t"/>
+          <a:lstStyle/>
+          <a:p>
+            <a:pPr>
+              <a:lnSpc>
+                <a:spcPts val="2278"/>
+              </a:lnSpc>
+            </a:pPr>
+            <a:r>
+              <a:rPr lang="en-US" sz="1822" dirty="0">
+                <a:solidFill>
+                  <a:srgbClr val="2C3249"/>
+                </a:solidFill>
+                <a:latin typeface="Kanit" pitchFamily="34" charset="0"/>
+                <a:ea typeface="Kanit" pitchFamily="34" charset="-122"/>
+                <a:cs typeface="Kanit" pitchFamily="34" charset="-120"/>
+              </a:rPr>
+              <a:t>Widgets de imágenes</a:t>
+            </a:r>
+            <a:endParaRPr lang="en-US" sz="1822" dirty="0"/>
+          </a:p>
+        </p:txBody>
+      </p:sp>
+      <p:sp>
+        <p:nvSpPr>
+          <p:cNvPr id="10" name="Text 8"/>
+          <p:cNvSpPr/>
+          <p:nvPr/>
+        </p:nvSpPr>
+        <p:spPr>
+          <a:xfrm>
+            <a:off x="6380064" y="2730897"/>
+            <a:ext cx="3922118" cy="888504"/>
+          </a:xfrm>
+          <a:prstGeom prst="rect">
+            <a:avLst/>
+          </a:prstGeom>
+          <a:noFill/>
+          <a:ln/>
+        </p:spPr>
+        <p:txBody>
+          <a:bodyPr wrap="square" rtlCol="0" anchor="t"/>
+          <a:lstStyle/>
+          <a:p>
+            <a:pPr>
+              <a:lnSpc>
+                <a:spcPts val="2332"/>
+              </a:lnSpc>
+            </a:pPr>
+            <a:r>
+              <a:rPr lang="en-US" sz="1458" dirty="0">
+                <a:solidFill>
+                  <a:srgbClr val="2C3249"/>
+                </a:solidFill>
+                <a:latin typeface="Martel Sans" pitchFamily="34" charset="0"/>
+                <a:ea typeface="Martel Sans" pitchFamily="34" charset="-122"/>
+                <a:cs typeface="Martel Sans" pitchFamily="34" charset="-120"/>
+              </a:rPr>
+              <a:t>Componentes que exhiben imágenes estáticas o deslizantes para mejorar la visualización del sitio.</a:t>
+            </a:r>
+            <a:endParaRPr lang="en-US" sz="1458" dirty="0"/>
+          </a:p>
+        </p:txBody>
+      </p:sp>
+      <p:sp>
+        <p:nvSpPr>
+          <p:cNvPr id="11" name="Shape 9"/>
+          <p:cNvSpPr/>
+          <p:nvPr/>
+        </p:nvSpPr>
+        <p:spPr>
+          <a:xfrm>
+            <a:off x="1698327" y="3996035"/>
+            <a:ext cx="4305102" cy="1671836"/>
+          </a:xfrm>
+          <a:prstGeom prst="roundRect">
+            <a:avLst>
+              <a:gd name="adj" fmla="val 4984"/>
+            </a:avLst>
+          </a:prstGeom>
+          <a:solidFill>
+            <a:srgbClr val="DFECE9"/>
+          </a:solidFill>
+          <a:ln w="7620">
+            <a:solidFill>
+              <a:srgbClr val="C5D2CF"/>
+            </a:solidFill>
+            <a:prstDash val="solid"/>
+          </a:ln>
+        </p:spPr>
+      </p:sp>
+      <p:sp>
+        <p:nvSpPr>
+          <p:cNvPr id="12" name="Text 10"/>
+          <p:cNvSpPr/>
+          <p:nvPr/>
+        </p:nvSpPr>
+        <p:spPr>
+          <a:xfrm>
+            <a:off x="1889819" y="4187527"/>
+            <a:ext cx="2360315" cy="289322"/>
+          </a:xfrm>
+          <a:prstGeom prst="rect">
+            <a:avLst/>
+          </a:prstGeom>
+          <a:noFill/>
+          <a:ln/>
+        </p:spPr>
+        <p:txBody>
+          <a:bodyPr wrap="none" rtlCol="0" anchor="t"/>
+          <a:lstStyle/>
+          <a:p>
+            <a:pPr>
+              <a:lnSpc>
+                <a:spcPts val="2278"/>
+              </a:lnSpc>
+            </a:pPr>
+            <a:r>
+              <a:rPr lang="en-US" sz="1822" dirty="0">
+                <a:solidFill>
+                  <a:srgbClr val="2C3249"/>
+                </a:solidFill>
+                <a:latin typeface="Kanit" pitchFamily="34" charset="0"/>
+                <a:ea typeface="Kanit" pitchFamily="34" charset="-122"/>
+                <a:cs typeface="Kanit" pitchFamily="34" charset="-120"/>
+              </a:rPr>
+              <a:t>Widgets de formularios</a:t>
+            </a:r>
+            <a:endParaRPr lang="en-US" sz="1822" dirty="0"/>
+          </a:p>
+        </p:txBody>
+      </p:sp>
+      <p:sp>
+        <p:nvSpPr>
+          <p:cNvPr id="13" name="Text 11"/>
+          <p:cNvSpPr/>
+          <p:nvPr/>
+        </p:nvSpPr>
+        <p:spPr>
+          <a:xfrm>
+            <a:off x="1889819" y="4587875"/>
+            <a:ext cx="3922118" cy="592336"/>
+          </a:xfrm>
+          <a:prstGeom prst="rect">
+            <a:avLst/>
+          </a:prstGeom>
+          <a:noFill/>
+          <a:ln/>
+        </p:spPr>
+        <p:txBody>
+          <a:bodyPr wrap="square" rtlCol="0" anchor="t"/>
+          <a:lstStyle/>
+          <a:p>
+            <a:pPr>
+              <a:lnSpc>
+                <a:spcPts val="2332"/>
+              </a:lnSpc>
+            </a:pPr>
+            <a:r>
+              <a:rPr lang="en-US" sz="1458" dirty="0">
+                <a:solidFill>
+                  <a:srgbClr val="2C3249"/>
+                </a:solidFill>
+                <a:latin typeface="Martel Sans" pitchFamily="34" charset="0"/>
+                <a:ea typeface="Martel Sans" pitchFamily="34" charset="-122"/>
+                <a:cs typeface="Martel Sans" pitchFamily="34" charset="-120"/>
+              </a:rPr>
+              <a:t>Elementos interactivos que permiten a los usuarios enviar datos a través del sitio web.</a:t>
+            </a:r>
+            <a:endParaRPr lang="en-US" sz="1458" dirty="0"/>
+          </a:p>
+        </p:txBody>
+      </p:sp>
+      <p:sp>
+        <p:nvSpPr>
+          <p:cNvPr id="14" name="Shape 12"/>
+          <p:cNvSpPr/>
+          <p:nvPr/>
+        </p:nvSpPr>
+        <p:spPr>
+          <a:xfrm>
+            <a:off x="6188571" y="3996035"/>
+            <a:ext cx="4305102" cy="1671836"/>
+          </a:xfrm>
+          <a:prstGeom prst="roundRect">
+            <a:avLst>
+              <a:gd name="adj" fmla="val 4984"/>
+            </a:avLst>
+          </a:prstGeom>
+          <a:solidFill>
+            <a:srgbClr val="DFECE9"/>
+          </a:solidFill>
+          <a:ln w="7620">
+            <a:solidFill>
+              <a:srgbClr val="C5D2CF"/>
+            </a:solidFill>
+            <a:prstDash val="solid"/>
+          </a:ln>
+        </p:spPr>
+      </p:sp>
+      <p:sp>
+        <p:nvSpPr>
+          <p:cNvPr id="15" name="Text 13"/>
+          <p:cNvSpPr/>
+          <p:nvPr/>
+        </p:nvSpPr>
+        <p:spPr>
+          <a:xfrm>
+            <a:off x="6380063" y="4187527"/>
+            <a:ext cx="2609255" cy="289322"/>
+          </a:xfrm>
+          <a:prstGeom prst="rect">
+            <a:avLst/>
+          </a:prstGeom>
+          <a:noFill/>
+          <a:ln/>
+        </p:spPr>
+        <p:txBody>
+          <a:bodyPr wrap="none" rtlCol="0" anchor="t"/>
+          <a:lstStyle/>
+          <a:p>
+            <a:pPr>
+              <a:lnSpc>
+                <a:spcPts val="2278"/>
+              </a:lnSpc>
+            </a:pPr>
+            <a:r>
+              <a:rPr lang="en-US" sz="1822" dirty="0">
+                <a:solidFill>
+                  <a:srgbClr val="2C3249"/>
+                </a:solidFill>
+                <a:latin typeface="Kanit" pitchFamily="34" charset="0"/>
+                <a:ea typeface="Kanit" pitchFamily="34" charset="-122"/>
+                <a:cs typeface="Kanit" pitchFamily="34" charset="-120"/>
+              </a:rPr>
+              <a:t>Widgets de redes sociales</a:t>
+            </a:r>
+            <a:endParaRPr lang="en-US" sz="1822" dirty="0"/>
+          </a:p>
+        </p:txBody>
+      </p:sp>
+      <p:sp>
+        <p:nvSpPr>
+          <p:cNvPr id="16" name="Text 14"/>
+          <p:cNvSpPr/>
+          <p:nvPr/>
+        </p:nvSpPr>
+        <p:spPr>
+          <a:xfrm>
+            <a:off x="6380064" y="4587876"/>
+            <a:ext cx="3922118" cy="888504"/>
+          </a:xfrm>
+          <a:prstGeom prst="rect">
+            <a:avLst/>
+          </a:prstGeom>
+          <a:noFill/>
+          <a:ln/>
+        </p:spPr>
+        <p:txBody>
+          <a:bodyPr wrap="square" rtlCol="0" anchor="t"/>
+          <a:lstStyle/>
+          <a:p>
+            <a:pPr>
+              <a:lnSpc>
+                <a:spcPts val="2332"/>
+              </a:lnSpc>
+            </a:pPr>
+            <a:r>
+              <a:rPr lang="en-US" sz="1458" dirty="0">
+                <a:solidFill>
+                  <a:srgbClr val="2C3249"/>
+                </a:solidFill>
+                <a:latin typeface="Martel Sans" pitchFamily="34" charset="0"/>
+                <a:ea typeface="Martel Sans" pitchFamily="34" charset="-122"/>
+                <a:cs typeface="Martel Sans" pitchFamily="34" charset="-120"/>
+              </a:rPr>
+              <a:t>Botones o cuadros que conectan el contenido del sitio web con plataformas de redes sociales.</a:t>
+            </a:r>
+            <a:endParaRPr lang="en-US" sz="1458" dirty="0"/>
+          </a:p>
+        </p:txBody>
+      </p:sp>
+      <p:pic>
+        <p:nvPicPr>
+          <p:cNvPr id="17" name="Imagen 16">
+            <a:extLst>
+              <a:ext uri="{FF2B5EF4-FFF2-40B4-BE49-F238E27FC236}">
+                <a16:creationId xmlns:a16="http://schemas.microsoft.com/office/drawing/2014/main" id="{431DDBF0-D5FF-8A8C-39E4-F03EC999AFCA}"/>
+              </a:ext>
+            </a:extLst>
+          </p:cNvPr>
+          <p:cNvPicPr>
+            <a:picLocks noChangeAspect="1"/>
+          </p:cNvPicPr>
+          <p:nvPr/>
+        </p:nvPicPr>
+        <p:blipFill>
+          <a:blip r:embed="rId3"/>
+          <a:stretch>
+            <a:fillRect/>
+          </a:stretch>
+        </p:blipFill>
+        <p:spPr>
+          <a:xfrm>
+            <a:off x="0" y="6143625"/>
+            <a:ext cx="11087100" cy="714375"/>
+          </a:xfrm>
+          <a:prstGeom prst="rect">
+            <a:avLst/>
+          </a:prstGeom>
+        </p:spPr>
+      </p:pic>
+      <p:pic>
+        <p:nvPicPr>
+          <p:cNvPr id="18" name="Imagen 17">
+            <a:extLst>
+              <a:ext uri="{FF2B5EF4-FFF2-40B4-BE49-F238E27FC236}">
+                <a16:creationId xmlns:a16="http://schemas.microsoft.com/office/drawing/2014/main" id="{44B5238B-C441-792B-BCD3-7AAE8D86903A}"/>
+              </a:ext>
+            </a:extLst>
+          </p:cNvPr>
+          <p:cNvPicPr>
+            <a:picLocks noChangeAspect="1"/>
+          </p:cNvPicPr>
+          <p:nvPr/>
+        </p:nvPicPr>
+        <p:blipFill>
+          <a:blip r:embed="rId4"/>
+          <a:stretch>
+            <a:fillRect/>
+          </a:stretch>
+        </p:blipFill>
+        <p:spPr>
+          <a:xfrm>
+            <a:off x="55066" y="0"/>
+            <a:ext cx="11896725" cy="676275"/>
+          </a:xfrm>
+          <a:prstGeom prst="rect">
+            <a:avLst/>
+          </a:prstGeom>
+        </p:spPr>
+      </p:pic>
     </p:spTree>
-    <p:extLst>
-      <p:ext uri="{BB962C8B-B14F-4D97-AF65-F5344CB8AC3E}">
-        <p14:creationId xmlns:p14="http://schemas.microsoft.com/office/powerpoint/2010/main" val="1741919490"/>
-      </p:ext>
-    </p:extLst>
+  </p:cSld>
+  <p:clrMapOvr>
+    <a:masterClrMapping/>
+  </p:clrMapOvr>
+</p:sld>
+</file>
+
+<file path=ppt/slides/slide6.xml><?xml version="1.0" encoding="utf-8"?>
+<p:sld xmlns:a="http://schemas.openxmlformats.org/drawingml/2006/main" xmlns:r="http://schemas.openxmlformats.org/officeDocument/2006/relationships" xmlns:p="http://schemas.openxmlformats.org/presentationml/2006/main">
+  <p:cSld>
+    <p:spTree>
+      <p:nvGrpSpPr>
+        <p:cNvPr id="1" name=""/>
+        <p:cNvGrpSpPr/>
+        <p:nvPr/>
+      </p:nvGrpSpPr>
+      <p:grpSpPr>
+        <a:xfrm>
+          <a:off x="0" y="0"/>
+          <a:ext cx="0" cy="0"/>
+          <a:chOff x="0" y="0"/>
+          <a:chExt cx="0" cy="0"/>
+        </a:xfrm>
+      </p:grpSpPr>
+      <p:sp>
+        <p:nvSpPr>
+          <p:cNvPr id="2" name="Shape 0"/>
+          <p:cNvSpPr/>
+          <p:nvPr/>
+        </p:nvSpPr>
+        <p:spPr>
+          <a:xfrm>
+            <a:off x="0" y="0"/>
+            <a:ext cx="12192000" cy="6858000"/>
+          </a:xfrm>
+          <a:prstGeom prst="rect">
+            <a:avLst/>
+          </a:prstGeom>
+          <a:solidFill>
+            <a:srgbClr val="EBF4F3"/>
+          </a:solidFill>
+          <a:ln/>
+        </p:spPr>
+      </p:sp>
+      <p:sp>
+        <p:nvSpPr>
+          <p:cNvPr id="3" name="Shape 1"/>
+          <p:cNvSpPr/>
+          <p:nvPr/>
+        </p:nvSpPr>
+        <p:spPr>
+          <a:xfrm>
+            <a:off x="0" y="0"/>
+            <a:ext cx="12192000" cy="6858000"/>
+          </a:xfrm>
+          <a:prstGeom prst="rect">
+            <a:avLst/>
+          </a:prstGeom>
+          <a:solidFill>
+            <a:srgbClr val="FFFFFF"/>
+          </a:solidFill>
+          <a:ln/>
+        </p:spPr>
+      </p:sp>
+      <p:pic>
+        <p:nvPicPr>
+          <p:cNvPr id="4" name="Image 0" descr="preencoded.png"/>
+          <p:cNvPicPr>
+            <a:picLocks noChangeAspect="1"/>
+          </p:cNvPicPr>
+          <p:nvPr/>
+        </p:nvPicPr>
+        <p:blipFill>
+          <a:blip r:embed="rId3"/>
+          <a:stretch>
+            <a:fillRect/>
+          </a:stretch>
+        </p:blipFill>
+        <p:spPr>
+          <a:xfrm>
+            <a:off x="0" y="0"/>
+            <a:ext cx="4572000" cy="6858000"/>
+          </a:xfrm>
+          <a:prstGeom prst="rect">
+            <a:avLst/>
+          </a:prstGeom>
+        </p:spPr>
+      </p:pic>
+      <p:sp>
+        <p:nvSpPr>
+          <p:cNvPr id="5" name="Text 2"/>
+          <p:cNvSpPr/>
+          <p:nvPr/>
+        </p:nvSpPr>
+        <p:spPr>
+          <a:xfrm>
+            <a:off x="5266333" y="1452761"/>
+            <a:ext cx="6231334" cy="1157288"/>
+          </a:xfrm>
+          <a:prstGeom prst="rect">
+            <a:avLst/>
+          </a:prstGeom>
+          <a:noFill/>
+          <a:ln/>
+        </p:spPr>
+        <p:txBody>
+          <a:bodyPr wrap="square" rtlCol="0" anchor="t"/>
+          <a:lstStyle/>
+          <a:p>
+            <a:pPr>
+              <a:lnSpc>
+                <a:spcPts val="4556"/>
+              </a:lnSpc>
+            </a:pPr>
+            <a:r>
+              <a:rPr lang="en-US" sz="3645" dirty="0">
+                <a:solidFill>
+                  <a:srgbClr val="272D45"/>
+                </a:solidFill>
+                <a:latin typeface="Kanit" pitchFamily="34" charset="0"/>
+                <a:ea typeface="Kanit" pitchFamily="34" charset="-122"/>
+                <a:cs typeface="Kanit" pitchFamily="34" charset="-120"/>
+              </a:rPr>
+              <a:t>Ventajas de usar widgets HTML</a:t>
+            </a:r>
+            <a:endParaRPr lang="en-US" sz="3645" dirty="0"/>
+          </a:p>
+        </p:txBody>
+      </p:sp>
+      <p:sp>
+        <p:nvSpPr>
+          <p:cNvPr id="6" name="Text 3"/>
+          <p:cNvSpPr/>
+          <p:nvPr/>
+        </p:nvSpPr>
+        <p:spPr>
+          <a:xfrm>
+            <a:off x="5562501" y="2887762"/>
+            <a:ext cx="5935167" cy="592336"/>
+          </a:xfrm>
+          <a:prstGeom prst="rect">
+            <a:avLst/>
+          </a:prstGeom>
+          <a:noFill/>
+          <a:ln/>
+        </p:spPr>
+        <p:txBody>
+          <a:bodyPr wrap="square" rtlCol="0" anchor="t"/>
+          <a:lstStyle/>
+          <a:p>
+            <a:pPr marL="285739" indent="-285739">
+              <a:lnSpc>
+                <a:spcPts val="2332"/>
+              </a:lnSpc>
+              <a:buSzPct val="100000"/>
+              <a:buChar char="•"/>
+            </a:pPr>
+            <a:r>
+              <a:rPr lang="en-US" sz="1458" b="1" dirty="0">
+                <a:solidFill>
+                  <a:srgbClr val="2C3249"/>
+                </a:solidFill>
+                <a:latin typeface="Martel Sans" pitchFamily="34" charset="0"/>
+                <a:ea typeface="Martel Sans" pitchFamily="34" charset="-122"/>
+                <a:cs typeface="Martel Sans" pitchFamily="34" charset="-120"/>
+              </a:rPr>
+              <a:t>Multipropósito:</a:t>
+            </a:r>
+            <a:r>
+              <a:rPr lang="en-US" sz="1458" dirty="0">
+                <a:solidFill>
+                  <a:srgbClr val="2C3249"/>
+                </a:solidFill>
+                <a:latin typeface="Martel Sans" pitchFamily="34" charset="0"/>
+                <a:ea typeface="Martel Sans" pitchFamily="34" charset="-122"/>
+                <a:cs typeface="Martel Sans" pitchFamily="34" charset="-120"/>
+              </a:rPr>
+              <a:t> Los widgets HTML son versátiles y pueden utilizarse para una variedad de funciones en un sitio web.</a:t>
+            </a:r>
+            <a:endParaRPr lang="en-US" sz="1458" dirty="0"/>
+          </a:p>
+        </p:txBody>
+      </p:sp>
+      <p:sp>
+        <p:nvSpPr>
+          <p:cNvPr id="7" name="Text 4"/>
+          <p:cNvSpPr/>
+          <p:nvPr/>
+        </p:nvSpPr>
+        <p:spPr>
+          <a:xfrm>
+            <a:off x="5562501" y="3554116"/>
+            <a:ext cx="5935167" cy="888504"/>
+          </a:xfrm>
+          <a:prstGeom prst="rect">
+            <a:avLst/>
+          </a:prstGeom>
+          <a:noFill/>
+          <a:ln/>
+        </p:spPr>
+        <p:txBody>
+          <a:bodyPr wrap="square" rtlCol="0" anchor="t"/>
+          <a:lstStyle/>
+          <a:p>
+            <a:pPr marL="285739" indent="-285739">
+              <a:lnSpc>
+                <a:spcPts val="2332"/>
+              </a:lnSpc>
+              <a:buSzPct val="100000"/>
+              <a:buChar char="•"/>
+            </a:pPr>
+            <a:r>
+              <a:rPr lang="en-US" sz="1458" b="1" dirty="0">
+                <a:solidFill>
+                  <a:srgbClr val="2C3249"/>
+                </a:solidFill>
+                <a:latin typeface="Martel Sans" pitchFamily="34" charset="0"/>
+                <a:ea typeface="Martel Sans" pitchFamily="34" charset="-122"/>
+                <a:cs typeface="Martel Sans" pitchFamily="34" charset="-120"/>
+              </a:rPr>
+              <a:t>Facilidad de implementación:</a:t>
+            </a:r>
+            <a:r>
+              <a:rPr lang="en-US" sz="1458" dirty="0">
+                <a:solidFill>
+                  <a:srgbClr val="2C3249"/>
+                </a:solidFill>
+                <a:latin typeface="Martel Sans" pitchFamily="34" charset="0"/>
+                <a:ea typeface="Martel Sans" pitchFamily="34" charset="-122"/>
+                <a:cs typeface="Martel Sans" pitchFamily="34" charset="-120"/>
+              </a:rPr>
+              <a:t> Se pueden agregar fácilmente a cualquier página web sin requerir habilidades de programación avanzadas.</a:t>
+            </a:r>
+            <a:endParaRPr lang="en-US" sz="1458" dirty="0"/>
+          </a:p>
+        </p:txBody>
+      </p:sp>
+      <p:sp>
+        <p:nvSpPr>
+          <p:cNvPr id="8" name="Text 5"/>
+          <p:cNvSpPr/>
+          <p:nvPr/>
+        </p:nvSpPr>
+        <p:spPr>
+          <a:xfrm>
+            <a:off x="5562501" y="4516636"/>
+            <a:ext cx="5935167" cy="888504"/>
+          </a:xfrm>
+          <a:prstGeom prst="rect">
+            <a:avLst/>
+          </a:prstGeom>
+          <a:noFill/>
+          <a:ln/>
+        </p:spPr>
+        <p:txBody>
+          <a:bodyPr wrap="square" rtlCol="0" anchor="t"/>
+          <a:lstStyle/>
+          <a:p>
+            <a:pPr marL="285739" indent="-285739">
+              <a:lnSpc>
+                <a:spcPts val="2332"/>
+              </a:lnSpc>
+              <a:buSzPct val="100000"/>
+              <a:buChar char="•"/>
+            </a:pPr>
+            <a:r>
+              <a:rPr lang="en-US" sz="1458" b="1" dirty="0">
+                <a:solidFill>
+                  <a:srgbClr val="2C3249"/>
+                </a:solidFill>
+                <a:latin typeface="Martel Sans" pitchFamily="34" charset="0"/>
+                <a:ea typeface="Martel Sans" pitchFamily="34" charset="-122"/>
+                <a:cs typeface="Martel Sans" pitchFamily="34" charset="-120"/>
+              </a:rPr>
+              <a:t>Compatibilidad:</a:t>
+            </a:r>
+            <a:r>
+              <a:rPr lang="en-US" sz="1458" dirty="0">
+                <a:solidFill>
+                  <a:srgbClr val="2C3249"/>
+                </a:solidFill>
+                <a:latin typeface="Martel Sans" pitchFamily="34" charset="0"/>
+                <a:ea typeface="Martel Sans" pitchFamily="34" charset="-122"/>
+                <a:cs typeface="Martel Sans" pitchFamily="34" charset="-120"/>
+              </a:rPr>
+              <a:t> Los widgets HTML son compatibles con la mayoría de los navegadores web y dispositivos, lo que garantiza una visualización consistente.</a:t>
+            </a:r>
+            <a:endParaRPr lang="en-US" sz="1458" dirty="0"/>
+          </a:p>
+        </p:txBody>
+      </p:sp>
+      <p:pic>
+        <p:nvPicPr>
+          <p:cNvPr id="9" name="Imagen 8">
+            <a:extLst>
+              <a:ext uri="{FF2B5EF4-FFF2-40B4-BE49-F238E27FC236}">
+                <a16:creationId xmlns:a16="http://schemas.microsoft.com/office/drawing/2014/main" id="{547BDD7D-3824-7413-9F80-A4661EA88702}"/>
+              </a:ext>
+            </a:extLst>
+          </p:cNvPr>
+          <p:cNvPicPr>
+            <a:picLocks noChangeAspect="1"/>
+          </p:cNvPicPr>
+          <p:nvPr/>
+        </p:nvPicPr>
+        <p:blipFill>
+          <a:blip r:embed="rId4"/>
+          <a:stretch>
+            <a:fillRect/>
+          </a:stretch>
+        </p:blipFill>
+        <p:spPr>
+          <a:xfrm>
+            <a:off x="5067300" y="0"/>
+            <a:ext cx="7124700" cy="771525"/>
+          </a:xfrm>
+          <a:prstGeom prst="rect">
+            <a:avLst/>
+          </a:prstGeom>
+        </p:spPr>
+      </p:pic>
+      <p:pic>
+        <p:nvPicPr>
+          <p:cNvPr id="10" name="Imagen 9">
+            <a:extLst>
+              <a:ext uri="{FF2B5EF4-FFF2-40B4-BE49-F238E27FC236}">
+                <a16:creationId xmlns:a16="http://schemas.microsoft.com/office/drawing/2014/main" id="{C22CCBB9-DE06-61D2-051C-A5BEE750EB6C}"/>
+              </a:ext>
+            </a:extLst>
+          </p:cNvPr>
+          <p:cNvPicPr>
+            <a:picLocks noChangeAspect="1"/>
+          </p:cNvPicPr>
+          <p:nvPr/>
+        </p:nvPicPr>
+        <p:blipFill>
+          <a:blip r:embed="rId5"/>
+          <a:stretch>
+            <a:fillRect/>
+          </a:stretch>
+        </p:blipFill>
+        <p:spPr>
+          <a:xfrm>
+            <a:off x="4572000" y="6149439"/>
+            <a:ext cx="7620000" cy="714375"/>
+          </a:xfrm>
+          <a:prstGeom prst="rect">
+            <a:avLst/>
+          </a:prstGeom>
+        </p:spPr>
+      </p:pic>
+    </p:spTree>
+  </p:cSld>
+  <p:clrMapOvr>
+    <a:masterClrMapping/>
+  </p:clrMapOvr>
+</p:sld>
+</file>
+
+<file path=ppt/slides/slide7.xml><?xml version="1.0" encoding="utf-8"?>
+<p:sld xmlns:a="http://schemas.openxmlformats.org/drawingml/2006/main" xmlns:r="http://schemas.openxmlformats.org/officeDocument/2006/relationships" xmlns:p="http://schemas.openxmlformats.org/presentationml/2006/main">
+  <p:cSld>
+    <p:spTree>
+      <p:nvGrpSpPr>
+        <p:cNvPr id="1" name=""/>
+        <p:cNvGrpSpPr/>
+        <p:nvPr/>
+      </p:nvGrpSpPr>
+      <p:grpSpPr>
+        <a:xfrm>
+          <a:off x="0" y="0"/>
+          <a:ext cx="0" cy="0"/>
+          <a:chOff x="0" y="0"/>
+          <a:chExt cx="0" cy="0"/>
+        </a:xfrm>
+      </p:grpSpPr>
+      <p:sp>
+        <p:nvSpPr>
+          <p:cNvPr id="2" name="Shape 0"/>
+          <p:cNvSpPr/>
+          <p:nvPr/>
+        </p:nvSpPr>
+        <p:spPr>
+          <a:xfrm>
+            <a:off x="0" y="0"/>
+            <a:ext cx="12192000" cy="6858000"/>
+          </a:xfrm>
+          <a:prstGeom prst="rect">
+            <a:avLst/>
+          </a:prstGeom>
+          <a:solidFill>
+            <a:srgbClr val="EBF4F3"/>
+          </a:solidFill>
+          <a:ln/>
+        </p:spPr>
+      </p:sp>
+      <p:sp>
+        <p:nvSpPr>
+          <p:cNvPr id="3" name="Shape 1"/>
+          <p:cNvSpPr/>
+          <p:nvPr/>
+        </p:nvSpPr>
+        <p:spPr>
+          <a:xfrm>
+            <a:off x="0" y="0"/>
+            <a:ext cx="12192000" cy="6858000"/>
+          </a:xfrm>
+          <a:prstGeom prst="rect">
+            <a:avLst/>
+          </a:prstGeom>
+          <a:solidFill>
+            <a:srgbClr val="FFFFFF"/>
+          </a:solidFill>
+          <a:ln/>
+        </p:spPr>
+      </p:sp>
+      <p:sp>
+        <p:nvSpPr>
+          <p:cNvPr id="4" name="Text 2"/>
+          <p:cNvSpPr/>
+          <p:nvPr/>
+        </p:nvSpPr>
+        <p:spPr>
+          <a:xfrm>
+            <a:off x="1698328" y="873026"/>
+            <a:ext cx="8643343" cy="578644"/>
+          </a:xfrm>
+          <a:prstGeom prst="rect">
+            <a:avLst/>
+          </a:prstGeom>
+          <a:noFill/>
+          <a:ln/>
+        </p:spPr>
+        <p:txBody>
+          <a:bodyPr wrap="none" rtlCol="0" anchor="t"/>
+          <a:lstStyle/>
+          <a:p>
+            <a:pPr>
+              <a:lnSpc>
+                <a:spcPts val="4556"/>
+              </a:lnSpc>
+            </a:pPr>
+            <a:r>
+              <a:rPr lang="en-US" sz="3645" dirty="0">
+                <a:solidFill>
+                  <a:srgbClr val="272D45"/>
+                </a:solidFill>
+                <a:latin typeface="Kanit" pitchFamily="34" charset="0"/>
+                <a:ea typeface="Kanit" pitchFamily="34" charset="-122"/>
+                <a:cs typeface="Kanit" pitchFamily="34" charset="-120"/>
+              </a:rPr>
+              <a:t>Cómo agregar widgets HTML a su sitio web</a:t>
+            </a:r>
+            <a:endParaRPr lang="en-US" sz="3645" dirty="0"/>
+          </a:p>
+        </p:txBody>
+      </p:sp>
+      <p:sp>
+        <p:nvSpPr>
+          <p:cNvPr id="5" name="Shape 3"/>
+          <p:cNvSpPr/>
+          <p:nvPr/>
+        </p:nvSpPr>
+        <p:spPr>
+          <a:xfrm>
+            <a:off x="1957586" y="1821954"/>
+            <a:ext cx="37008" cy="4163020"/>
+          </a:xfrm>
+          <a:prstGeom prst="roundRect">
+            <a:avLst>
+              <a:gd name="adj" fmla="val 225151"/>
+            </a:avLst>
+          </a:prstGeom>
+          <a:solidFill>
+            <a:srgbClr val="C5D2CF"/>
+          </a:solidFill>
+          <a:ln/>
+        </p:spPr>
+      </p:sp>
+      <p:sp>
+        <p:nvSpPr>
+          <p:cNvPr id="6" name="Shape 4"/>
+          <p:cNvSpPr/>
+          <p:nvPr/>
+        </p:nvSpPr>
+        <p:spPr>
+          <a:xfrm>
+            <a:off x="2184350" y="2156371"/>
+            <a:ext cx="647998" cy="37008"/>
+          </a:xfrm>
+          <a:prstGeom prst="roundRect">
+            <a:avLst>
+              <a:gd name="adj" fmla="val 225151"/>
+            </a:avLst>
+          </a:prstGeom>
+          <a:solidFill>
+            <a:srgbClr val="C5D2CF"/>
+          </a:solidFill>
+          <a:ln/>
+        </p:spPr>
+      </p:sp>
+      <p:sp>
+        <p:nvSpPr>
+          <p:cNvPr id="7" name="Shape 5"/>
+          <p:cNvSpPr/>
+          <p:nvPr/>
+        </p:nvSpPr>
+        <p:spPr>
+          <a:xfrm>
+            <a:off x="1767731" y="1966616"/>
+            <a:ext cx="416619" cy="416619"/>
+          </a:xfrm>
+          <a:prstGeom prst="roundRect">
+            <a:avLst>
+              <a:gd name="adj" fmla="val 20000"/>
+            </a:avLst>
+          </a:prstGeom>
+          <a:solidFill>
+            <a:srgbClr val="DFECE9"/>
+          </a:solidFill>
+          <a:ln w="7620">
+            <a:solidFill>
+              <a:srgbClr val="C5D2CF"/>
+            </a:solidFill>
+            <a:prstDash val="solid"/>
+          </a:ln>
+        </p:spPr>
+      </p:sp>
+      <p:sp>
+        <p:nvSpPr>
+          <p:cNvPr id="8" name="Text 6"/>
+          <p:cNvSpPr/>
+          <p:nvPr/>
+        </p:nvSpPr>
+        <p:spPr>
+          <a:xfrm>
+            <a:off x="1933823" y="2001342"/>
+            <a:ext cx="84435" cy="347068"/>
+          </a:xfrm>
+          <a:prstGeom prst="rect">
+            <a:avLst/>
+          </a:prstGeom>
+          <a:noFill/>
+          <a:ln/>
+        </p:spPr>
+        <p:txBody>
+          <a:bodyPr wrap="none" rtlCol="0" anchor="t"/>
+          <a:lstStyle/>
+          <a:p>
+            <a:pPr algn="ctr">
+              <a:lnSpc>
+                <a:spcPts val="2734"/>
+              </a:lnSpc>
+            </a:pPr>
+            <a:r>
+              <a:rPr lang="en-US" sz="2187" dirty="0">
+                <a:solidFill>
+                  <a:srgbClr val="2C3249"/>
+                </a:solidFill>
+                <a:latin typeface="Kanit" pitchFamily="34" charset="0"/>
+                <a:ea typeface="Kanit" pitchFamily="34" charset="-122"/>
+                <a:cs typeface="Kanit" pitchFamily="34" charset="-120"/>
+              </a:rPr>
+              <a:t>1</a:t>
+            </a:r>
+            <a:endParaRPr lang="en-US" sz="2187" dirty="0"/>
+          </a:p>
+        </p:txBody>
+      </p:sp>
+      <p:sp>
+        <p:nvSpPr>
+          <p:cNvPr id="9" name="Text 7"/>
+          <p:cNvSpPr/>
+          <p:nvPr/>
+        </p:nvSpPr>
+        <p:spPr>
+          <a:xfrm>
+            <a:off x="2994422" y="2007096"/>
+            <a:ext cx="2314575" cy="289322"/>
+          </a:xfrm>
+          <a:prstGeom prst="rect">
+            <a:avLst/>
+          </a:prstGeom>
+          <a:noFill/>
+          <a:ln/>
+        </p:spPr>
+        <p:txBody>
+          <a:bodyPr wrap="none" rtlCol="0" anchor="t"/>
+          <a:lstStyle/>
+          <a:p>
+            <a:pPr>
+              <a:lnSpc>
+                <a:spcPts val="2278"/>
+              </a:lnSpc>
+            </a:pPr>
+            <a:r>
+              <a:rPr lang="en-US" sz="1822" dirty="0">
+                <a:solidFill>
+                  <a:srgbClr val="2C3249"/>
+                </a:solidFill>
+                <a:latin typeface="Kanit" pitchFamily="34" charset="0"/>
+                <a:ea typeface="Kanit" pitchFamily="34" charset="-122"/>
+                <a:cs typeface="Kanit" pitchFamily="34" charset="-120"/>
+              </a:rPr>
+              <a:t>Seleccionar un widget</a:t>
+            </a:r>
+            <a:endParaRPr lang="en-US" sz="1822" dirty="0"/>
+          </a:p>
+        </p:txBody>
+      </p:sp>
+      <p:sp>
+        <p:nvSpPr>
+          <p:cNvPr id="10" name="Text 8"/>
+          <p:cNvSpPr/>
+          <p:nvPr/>
+        </p:nvSpPr>
+        <p:spPr>
+          <a:xfrm>
+            <a:off x="2994422" y="2407445"/>
+            <a:ext cx="7499251" cy="592336"/>
+          </a:xfrm>
+          <a:prstGeom prst="rect">
+            <a:avLst/>
+          </a:prstGeom>
+          <a:noFill/>
+          <a:ln/>
+        </p:spPr>
+        <p:txBody>
+          <a:bodyPr wrap="square" rtlCol="0" anchor="t"/>
+          <a:lstStyle/>
+          <a:p>
+            <a:pPr>
+              <a:lnSpc>
+                <a:spcPts val="2332"/>
+              </a:lnSpc>
+            </a:pPr>
+            <a:r>
+              <a:rPr lang="en-US" sz="1458" dirty="0">
+                <a:solidFill>
+                  <a:srgbClr val="2C3249"/>
+                </a:solidFill>
+                <a:latin typeface="Martel Sans" pitchFamily="34" charset="0"/>
+                <a:ea typeface="Martel Sans" pitchFamily="34" charset="-122"/>
+                <a:cs typeface="Martel Sans" pitchFamily="34" charset="-120"/>
+              </a:rPr>
+              <a:t>Encuentre un widget HTML que se ajuste a sus necesidades de diseño y funcionalidad.</a:t>
+            </a:r>
+            <a:endParaRPr lang="en-US" sz="1458" dirty="0"/>
+          </a:p>
+        </p:txBody>
+      </p:sp>
+      <p:sp>
+        <p:nvSpPr>
+          <p:cNvPr id="11" name="Shape 9"/>
+          <p:cNvSpPr/>
+          <p:nvPr/>
+        </p:nvSpPr>
+        <p:spPr>
+          <a:xfrm>
+            <a:off x="2184350" y="3704481"/>
+            <a:ext cx="647998" cy="37008"/>
+          </a:xfrm>
+          <a:prstGeom prst="roundRect">
+            <a:avLst>
+              <a:gd name="adj" fmla="val 225151"/>
+            </a:avLst>
+          </a:prstGeom>
+          <a:solidFill>
+            <a:srgbClr val="C5D2CF"/>
+          </a:solidFill>
+          <a:ln/>
+        </p:spPr>
+      </p:sp>
+      <p:sp>
+        <p:nvSpPr>
+          <p:cNvPr id="12" name="Shape 10"/>
+          <p:cNvSpPr/>
+          <p:nvPr/>
+        </p:nvSpPr>
+        <p:spPr>
+          <a:xfrm>
+            <a:off x="1767731" y="3514726"/>
+            <a:ext cx="416619" cy="416619"/>
+          </a:xfrm>
+          <a:prstGeom prst="roundRect">
+            <a:avLst>
+              <a:gd name="adj" fmla="val 20000"/>
+            </a:avLst>
+          </a:prstGeom>
+          <a:solidFill>
+            <a:srgbClr val="DFECE9"/>
+          </a:solidFill>
+          <a:ln w="7620">
+            <a:solidFill>
+              <a:srgbClr val="C5D2CF"/>
+            </a:solidFill>
+            <a:prstDash val="solid"/>
+          </a:ln>
+        </p:spPr>
+      </p:sp>
+      <p:sp>
+        <p:nvSpPr>
+          <p:cNvPr id="13" name="Text 11"/>
+          <p:cNvSpPr/>
+          <p:nvPr/>
+        </p:nvSpPr>
+        <p:spPr>
+          <a:xfrm>
+            <a:off x="1905744" y="3549452"/>
+            <a:ext cx="140593" cy="347068"/>
+          </a:xfrm>
+          <a:prstGeom prst="rect">
+            <a:avLst/>
+          </a:prstGeom>
+          <a:noFill/>
+          <a:ln/>
+        </p:spPr>
+        <p:txBody>
+          <a:bodyPr wrap="none" rtlCol="0" anchor="t"/>
+          <a:lstStyle/>
+          <a:p>
+            <a:pPr algn="ctr">
+              <a:lnSpc>
+                <a:spcPts val="2734"/>
+              </a:lnSpc>
+            </a:pPr>
+            <a:r>
+              <a:rPr lang="en-US" sz="2187" dirty="0">
+                <a:solidFill>
+                  <a:srgbClr val="2C3249"/>
+                </a:solidFill>
+                <a:latin typeface="Kanit" pitchFamily="34" charset="0"/>
+                <a:ea typeface="Kanit" pitchFamily="34" charset="-122"/>
+                <a:cs typeface="Kanit" pitchFamily="34" charset="-120"/>
+              </a:rPr>
+              <a:t>2</a:t>
+            </a:r>
+            <a:endParaRPr lang="en-US" sz="2187" dirty="0"/>
+          </a:p>
+        </p:txBody>
+      </p:sp>
+      <p:sp>
+        <p:nvSpPr>
+          <p:cNvPr id="14" name="Text 12"/>
+          <p:cNvSpPr/>
+          <p:nvPr/>
+        </p:nvSpPr>
+        <p:spPr>
+          <a:xfrm>
+            <a:off x="2994422" y="3555207"/>
+            <a:ext cx="2314575" cy="289322"/>
+          </a:xfrm>
+          <a:prstGeom prst="rect">
+            <a:avLst/>
+          </a:prstGeom>
+          <a:noFill/>
+          <a:ln/>
+        </p:spPr>
+        <p:txBody>
+          <a:bodyPr wrap="none" rtlCol="0" anchor="t"/>
+          <a:lstStyle/>
+          <a:p>
+            <a:pPr>
+              <a:lnSpc>
+                <a:spcPts val="2278"/>
+              </a:lnSpc>
+            </a:pPr>
+            <a:r>
+              <a:rPr lang="en-US" sz="1822" dirty="0">
+                <a:solidFill>
+                  <a:srgbClr val="2C3249"/>
+                </a:solidFill>
+                <a:latin typeface="Kanit" pitchFamily="34" charset="0"/>
+                <a:ea typeface="Kanit" pitchFamily="34" charset="-122"/>
+                <a:cs typeface="Kanit" pitchFamily="34" charset="-120"/>
+              </a:rPr>
+              <a:t>Obtener el código</a:t>
+            </a:r>
+            <a:endParaRPr lang="en-US" sz="1822" dirty="0"/>
+          </a:p>
+        </p:txBody>
+      </p:sp>
+      <p:sp>
+        <p:nvSpPr>
+          <p:cNvPr id="15" name="Text 13"/>
+          <p:cNvSpPr/>
+          <p:nvPr/>
+        </p:nvSpPr>
+        <p:spPr>
+          <a:xfrm>
+            <a:off x="2994422" y="3955554"/>
+            <a:ext cx="7499251" cy="296168"/>
+          </a:xfrm>
+          <a:prstGeom prst="rect">
+            <a:avLst/>
+          </a:prstGeom>
+          <a:noFill/>
+          <a:ln/>
+        </p:spPr>
+        <p:txBody>
+          <a:bodyPr wrap="none" rtlCol="0" anchor="t"/>
+          <a:lstStyle/>
+          <a:p>
+            <a:pPr>
+              <a:lnSpc>
+                <a:spcPts val="2332"/>
+              </a:lnSpc>
+            </a:pPr>
+            <a:r>
+              <a:rPr lang="en-US" sz="1458" dirty="0">
+                <a:solidFill>
+                  <a:srgbClr val="2C3249"/>
+                </a:solidFill>
+                <a:latin typeface="Martel Sans" pitchFamily="34" charset="0"/>
+                <a:ea typeface="Martel Sans" pitchFamily="34" charset="-122"/>
+                <a:cs typeface="Martel Sans" pitchFamily="34" charset="-120"/>
+              </a:rPr>
+              <a:t>Una vez que haya seleccionado el widget, copie el código HTML proporcionado.</a:t>
+            </a:r>
+            <a:endParaRPr lang="en-US" sz="1458" dirty="0"/>
+          </a:p>
+        </p:txBody>
+      </p:sp>
+      <p:sp>
+        <p:nvSpPr>
+          <p:cNvPr id="16" name="Shape 14"/>
+          <p:cNvSpPr/>
+          <p:nvPr/>
+        </p:nvSpPr>
+        <p:spPr>
+          <a:xfrm>
+            <a:off x="2184350" y="4956424"/>
+            <a:ext cx="647998" cy="37008"/>
+          </a:xfrm>
+          <a:prstGeom prst="roundRect">
+            <a:avLst>
+              <a:gd name="adj" fmla="val 225151"/>
+            </a:avLst>
+          </a:prstGeom>
+          <a:solidFill>
+            <a:srgbClr val="C5D2CF"/>
+          </a:solidFill>
+          <a:ln/>
+        </p:spPr>
+      </p:sp>
+      <p:sp>
+        <p:nvSpPr>
+          <p:cNvPr id="17" name="Shape 15"/>
+          <p:cNvSpPr/>
+          <p:nvPr/>
+        </p:nvSpPr>
+        <p:spPr>
+          <a:xfrm>
+            <a:off x="1767731" y="4766668"/>
+            <a:ext cx="416619" cy="416619"/>
+          </a:xfrm>
+          <a:prstGeom prst="roundRect">
+            <a:avLst>
+              <a:gd name="adj" fmla="val 20000"/>
+            </a:avLst>
+          </a:prstGeom>
+          <a:solidFill>
+            <a:srgbClr val="DFECE9"/>
+          </a:solidFill>
+          <a:ln w="7620">
+            <a:solidFill>
+              <a:srgbClr val="C5D2CF"/>
+            </a:solidFill>
+            <a:prstDash val="solid"/>
+          </a:ln>
+        </p:spPr>
+      </p:sp>
+      <p:sp>
+        <p:nvSpPr>
+          <p:cNvPr id="18" name="Text 16"/>
+          <p:cNvSpPr/>
+          <p:nvPr/>
+        </p:nvSpPr>
+        <p:spPr>
+          <a:xfrm>
+            <a:off x="1904653" y="4801394"/>
+            <a:ext cx="142776" cy="347068"/>
+          </a:xfrm>
+          <a:prstGeom prst="rect">
+            <a:avLst/>
+          </a:prstGeom>
+          <a:noFill/>
+          <a:ln/>
+        </p:spPr>
+        <p:txBody>
+          <a:bodyPr wrap="none" rtlCol="0" anchor="t"/>
+          <a:lstStyle/>
+          <a:p>
+            <a:pPr algn="ctr">
+              <a:lnSpc>
+                <a:spcPts val="2734"/>
+              </a:lnSpc>
+            </a:pPr>
+            <a:r>
+              <a:rPr lang="en-US" sz="2187" dirty="0">
+                <a:solidFill>
+                  <a:srgbClr val="2C3249"/>
+                </a:solidFill>
+                <a:latin typeface="Kanit" pitchFamily="34" charset="0"/>
+                <a:ea typeface="Kanit" pitchFamily="34" charset="-122"/>
+                <a:cs typeface="Kanit" pitchFamily="34" charset="-120"/>
+              </a:rPr>
+              <a:t>3</a:t>
+            </a:r>
+            <a:endParaRPr lang="en-US" sz="2187" dirty="0"/>
+          </a:p>
+        </p:txBody>
+      </p:sp>
+      <p:sp>
+        <p:nvSpPr>
+          <p:cNvPr id="19" name="Text 17"/>
+          <p:cNvSpPr/>
+          <p:nvPr/>
+        </p:nvSpPr>
+        <p:spPr>
+          <a:xfrm>
+            <a:off x="2994422" y="4807148"/>
+            <a:ext cx="2334220" cy="289322"/>
+          </a:xfrm>
+          <a:prstGeom prst="rect">
+            <a:avLst/>
+          </a:prstGeom>
+          <a:noFill/>
+          <a:ln/>
+        </p:spPr>
+        <p:txBody>
+          <a:bodyPr wrap="none" rtlCol="0" anchor="t"/>
+          <a:lstStyle/>
+          <a:p>
+            <a:pPr>
+              <a:lnSpc>
+                <a:spcPts val="2278"/>
+              </a:lnSpc>
+            </a:pPr>
+            <a:r>
+              <a:rPr lang="en-US" sz="1822" dirty="0">
+                <a:solidFill>
+                  <a:srgbClr val="2C3249"/>
+                </a:solidFill>
+                <a:latin typeface="Kanit" pitchFamily="34" charset="0"/>
+                <a:ea typeface="Kanit" pitchFamily="34" charset="-122"/>
+                <a:cs typeface="Kanit" pitchFamily="34" charset="-120"/>
+              </a:rPr>
+              <a:t>Insertar en su sitio web</a:t>
+            </a:r>
+            <a:endParaRPr lang="en-US" sz="1822" dirty="0"/>
+          </a:p>
+        </p:txBody>
+      </p:sp>
+      <p:sp>
+        <p:nvSpPr>
+          <p:cNvPr id="20" name="Text 18"/>
+          <p:cNvSpPr/>
+          <p:nvPr/>
+        </p:nvSpPr>
+        <p:spPr>
+          <a:xfrm>
+            <a:off x="2994422" y="5207496"/>
+            <a:ext cx="7499251" cy="592336"/>
+          </a:xfrm>
+          <a:prstGeom prst="rect">
+            <a:avLst/>
+          </a:prstGeom>
+          <a:noFill/>
+          <a:ln/>
+        </p:spPr>
+        <p:txBody>
+          <a:bodyPr wrap="square" rtlCol="0" anchor="t"/>
+          <a:lstStyle/>
+          <a:p>
+            <a:pPr>
+              <a:lnSpc>
+                <a:spcPts val="2332"/>
+              </a:lnSpc>
+            </a:pPr>
+            <a:r>
+              <a:rPr lang="en-US" sz="1458" dirty="0">
+                <a:solidFill>
+                  <a:srgbClr val="2C3249"/>
+                </a:solidFill>
+                <a:latin typeface="Martel Sans" pitchFamily="34" charset="0"/>
+                <a:ea typeface="Martel Sans" pitchFamily="34" charset="-122"/>
+                <a:cs typeface="Martel Sans" pitchFamily="34" charset="-120"/>
+              </a:rPr>
+              <a:t>Pegue el código HTML en la sección del sitio web donde desea que aparezca el widget.</a:t>
+            </a:r>
+            <a:endParaRPr lang="en-US" sz="1458" dirty="0"/>
+          </a:p>
+        </p:txBody>
+      </p:sp>
+      <p:pic>
+        <p:nvPicPr>
+          <p:cNvPr id="21" name="Imagen 20">
+            <a:extLst>
+              <a:ext uri="{FF2B5EF4-FFF2-40B4-BE49-F238E27FC236}">
+                <a16:creationId xmlns:a16="http://schemas.microsoft.com/office/drawing/2014/main" id="{2935E6E2-75A1-CA3B-BA65-DBFACFFE4EFF}"/>
+              </a:ext>
+            </a:extLst>
+          </p:cNvPr>
+          <p:cNvPicPr>
+            <a:picLocks noChangeAspect="1"/>
+          </p:cNvPicPr>
+          <p:nvPr/>
+        </p:nvPicPr>
+        <p:blipFill>
+          <a:blip r:embed="rId3"/>
+          <a:stretch>
+            <a:fillRect/>
+          </a:stretch>
+        </p:blipFill>
+        <p:spPr>
+          <a:xfrm>
+            <a:off x="0" y="6143625"/>
+            <a:ext cx="11087100" cy="714375"/>
+          </a:xfrm>
+          <a:prstGeom prst="rect">
+            <a:avLst/>
+          </a:prstGeom>
+        </p:spPr>
+      </p:pic>
+      <p:pic>
+        <p:nvPicPr>
+          <p:cNvPr id="22" name="Imagen 21">
+            <a:extLst>
+              <a:ext uri="{FF2B5EF4-FFF2-40B4-BE49-F238E27FC236}">
+                <a16:creationId xmlns:a16="http://schemas.microsoft.com/office/drawing/2014/main" id="{49B7CC23-166D-3883-5E5B-CEE8A5E189AE}"/>
+              </a:ext>
+            </a:extLst>
+          </p:cNvPr>
+          <p:cNvPicPr>
+            <a:picLocks noChangeAspect="1"/>
+          </p:cNvPicPr>
+          <p:nvPr/>
+        </p:nvPicPr>
+        <p:blipFill>
+          <a:blip r:embed="rId4"/>
+          <a:stretch>
+            <a:fillRect/>
+          </a:stretch>
+        </p:blipFill>
+        <p:spPr>
+          <a:xfrm>
+            <a:off x="55066" y="0"/>
+            <a:ext cx="11896725" cy="676275"/>
+          </a:xfrm>
+          <a:prstGeom prst="rect">
+            <a:avLst/>
+          </a:prstGeom>
+        </p:spPr>
+      </p:pic>
+    </p:spTree>
+  </p:cSld>
+  <p:clrMapOvr>
+    <a:masterClrMapping/>
+  </p:clrMapOvr>
+</p:sld>
+</file>
+
+<file path=ppt/slides/slide8.xml><?xml version="1.0" encoding="utf-8"?>
+<p:sld xmlns:a="http://schemas.openxmlformats.org/drawingml/2006/main" xmlns:r="http://schemas.openxmlformats.org/officeDocument/2006/relationships" xmlns:p="http://schemas.openxmlformats.org/presentationml/2006/main">
+  <p:cSld>
+    <p:spTree>
+      <p:nvGrpSpPr>
+        <p:cNvPr id="1" name=""/>
+        <p:cNvGrpSpPr/>
+        <p:nvPr/>
+      </p:nvGrpSpPr>
+      <p:grpSpPr>
+        <a:xfrm>
+          <a:off x="0" y="0"/>
+          <a:ext cx="0" cy="0"/>
+          <a:chOff x="0" y="0"/>
+          <a:chExt cx="0" cy="0"/>
+        </a:xfrm>
+      </p:grpSpPr>
+      <p:sp>
+        <p:nvSpPr>
+          <p:cNvPr id="2" name="Shape 0"/>
+          <p:cNvSpPr/>
+          <p:nvPr/>
+        </p:nvSpPr>
+        <p:spPr>
+          <a:xfrm>
+            <a:off x="0" y="0"/>
+            <a:ext cx="12192000" cy="6858000"/>
+          </a:xfrm>
+          <a:prstGeom prst="rect">
+            <a:avLst/>
+          </a:prstGeom>
+          <a:solidFill>
+            <a:srgbClr val="EBF4F3"/>
+          </a:solidFill>
+          <a:ln/>
+        </p:spPr>
+      </p:sp>
+      <p:sp>
+        <p:nvSpPr>
+          <p:cNvPr id="3" name="Shape 1"/>
+          <p:cNvSpPr/>
+          <p:nvPr/>
+        </p:nvSpPr>
+        <p:spPr>
+          <a:xfrm>
+            <a:off x="0" y="0"/>
+            <a:ext cx="12192000" cy="6858000"/>
+          </a:xfrm>
+          <a:prstGeom prst="rect">
+            <a:avLst/>
+          </a:prstGeom>
+          <a:solidFill>
+            <a:srgbClr val="FFFFFF"/>
+          </a:solidFill>
+          <a:ln/>
+        </p:spPr>
+      </p:sp>
+      <p:sp>
+        <p:nvSpPr>
+          <p:cNvPr id="4" name="Text 2"/>
+          <p:cNvSpPr/>
+          <p:nvPr/>
+        </p:nvSpPr>
+        <p:spPr>
+          <a:xfrm>
+            <a:off x="1698328" y="1591569"/>
+            <a:ext cx="7840365" cy="578644"/>
+          </a:xfrm>
+          <a:prstGeom prst="rect">
+            <a:avLst/>
+          </a:prstGeom>
+          <a:noFill/>
+          <a:ln/>
+        </p:spPr>
+        <p:txBody>
+          <a:bodyPr wrap="none" rtlCol="0" anchor="t"/>
+          <a:lstStyle/>
+          <a:p>
+            <a:pPr>
+              <a:lnSpc>
+                <a:spcPts val="4556"/>
+              </a:lnSpc>
+            </a:pPr>
+            <a:r>
+              <a:rPr lang="en-US" sz="3645" dirty="0">
+                <a:solidFill>
+                  <a:srgbClr val="272D45"/>
+                </a:solidFill>
+                <a:latin typeface="Kanit" pitchFamily="34" charset="0"/>
+                <a:ea typeface="Kanit" pitchFamily="34" charset="-122"/>
+                <a:cs typeface="Kanit" pitchFamily="34" charset="-120"/>
+              </a:rPr>
+              <a:t>Herramientas para crear widgets HTML</a:t>
+            </a:r>
+            <a:endParaRPr lang="en-US" sz="3645" dirty="0"/>
+          </a:p>
+        </p:txBody>
+      </p:sp>
+      <p:pic>
+        <p:nvPicPr>
+          <p:cNvPr id="5" name="Image 0" descr="preencoded.png"/>
+          <p:cNvPicPr>
+            <a:picLocks noChangeAspect="1"/>
+          </p:cNvPicPr>
+          <p:nvPr/>
+        </p:nvPicPr>
+        <p:blipFill>
+          <a:blip r:embed="rId3"/>
+          <a:stretch>
+            <a:fillRect/>
+          </a:stretch>
+        </p:blipFill>
+        <p:spPr>
+          <a:xfrm>
+            <a:off x="1698328" y="2540496"/>
+            <a:ext cx="370284" cy="370284"/>
+          </a:xfrm>
+          <a:prstGeom prst="rect">
+            <a:avLst/>
+          </a:prstGeom>
+        </p:spPr>
+      </p:pic>
+      <p:sp>
+        <p:nvSpPr>
+          <p:cNvPr id="6" name="Text 3"/>
+          <p:cNvSpPr/>
+          <p:nvPr/>
+        </p:nvSpPr>
+        <p:spPr>
+          <a:xfrm>
+            <a:off x="1698328" y="3095922"/>
+            <a:ext cx="2314575" cy="289322"/>
+          </a:xfrm>
+          <a:prstGeom prst="rect">
+            <a:avLst/>
+          </a:prstGeom>
+          <a:noFill/>
+          <a:ln/>
+        </p:spPr>
+        <p:txBody>
+          <a:bodyPr wrap="none" rtlCol="0" anchor="t"/>
+          <a:lstStyle/>
+          <a:p>
+            <a:pPr>
+              <a:lnSpc>
+                <a:spcPts val="2278"/>
+              </a:lnSpc>
+            </a:pPr>
+            <a:r>
+              <a:rPr lang="en-US" sz="1822" dirty="0">
+                <a:solidFill>
+                  <a:srgbClr val="2C3249"/>
+                </a:solidFill>
+                <a:latin typeface="Kanit" pitchFamily="34" charset="0"/>
+                <a:ea typeface="Kanit" pitchFamily="34" charset="-122"/>
+                <a:cs typeface="Kanit" pitchFamily="34" charset="-120"/>
+              </a:rPr>
+              <a:t>Editor de texto</a:t>
+            </a:r>
+            <a:endParaRPr lang="en-US" sz="1822" dirty="0"/>
+          </a:p>
+        </p:txBody>
+      </p:sp>
+      <p:sp>
+        <p:nvSpPr>
+          <p:cNvPr id="7" name="Text 4"/>
+          <p:cNvSpPr/>
+          <p:nvPr/>
+        </p:nvSpPr>
+        <p:spPr>
+          <a:xfrm>
+            <a:off x="1698328" y="3496270"/>
+            <a:ext cx="2746573" cy="1184672"/>
+          </a:xfrm>
+          <a:prstGeom prst="rect">
+            <a:avLst/>
+          </a:prstGeom>
+          <a:noFill/>
+          <a:ln/>
+        </p:spPr>
+        <p:txBody>
+          <a:bodyPr wrap="square" rtlCol="0" anchor="t"/>
+          <a:lstStyle/>
+          <a:p>
+            <a:pPr>
+              <a:lnSpc>
+                <a:spcPts val="2332"/>
+              </a:lnSpc>
+            </a:pPr>
+            <a:r>
+              <a:rPr lang="en-US" sz="1458" dirty="0">
+                <a:solidFill>
+                  <a:srgbClr val="2C3249"/>
+                </a:solidFill>
+                <a:latin typeface="Martel Sans" pitchFamily="34" charset="0"/>
+                <a:ea typeface="Martel Sans" pitchFamily="34" charset="-122"/>
+                <a:cs typeface="Martel Sans" pitchFamily="34" charset="-120"/>
+              </a:rPr>
+              <a:t>Utilice un editor de texto con resaltado de sintaxis para escribir y editar el código HTML.</a:t>
+            </a:r>
+            <a:endParaRPr lang="en-US" sz="1458" dirty="0"/>
+          </a:p>
+        </p:txBody>
+      </p:sp>
+      <p:pic>
+        <p:nvPicPr>
+          <p:cNvPr id="8" name="Image 1" descr="preencoded.png"/>
+          <p:cNvPicPr>
+            <a:picLocks noChangeAspect="1"/>
+          </p:cNvPicPr>
+          <p:nvPr/>
+        </p:nvPicPr>
+        <p:blipFill>
+          <a:blip r:embed="rId4"/>
+          <a:stretch>
+            <a:fillRect/>
+          </a:stretch>
+        </p:blipFill>
+        <p:spPr>
+          <a:xfrm>
+            <a:off x="4722615" y="2540496"/>
+            <a:ext cx="370284" cy="370284"/>
+          </a:xfrm>
+          <a:prstGeom prst="rect">
+            <a:avLst/>
+          </a:prstGeom>
+        </p:spPr>
+      </p:pic>
+      <p:sp>
+        <p:nvSpPr>
+          <p:cNvPr id="9" name="Text 5"/>
+          <p:cNvSpPr/>
+          <p:nvPr/>
+        </p:nvSpPr>
+        <p:spPr>
+          <a:xfrm>
+            <a:off x="4722614" y="3095922"/>
+            <a:ext cx="2314575" cy="289322"/>
+          </a:xfrm>
+          <a:prstGeom prst="rect">
+            <a:avLst/>
+          </a:prstGeom>
+          <a:noFill/>
+          <a:ln/>
+        </p:spPr>
+        <p:txBody>
+          <a:bodyPr wrap="none" rtlCol="0" anchor="t"/>
+          <a:lstStyle/>
+          <a:p>
+            <a:pPr>
+              <a:lnSpc>
+                <a:spcPts val="2278"/>
+              </a:lnSpc>
+            </a:pPr>
+            <a:r>
+              <a:rPr lang="en-US" sz="1822" dirty="0">
+                <a:solidFill>
+                  <a:srgbClr val="2C3249"/>
+                </a:solidFill>
+                <a:latin typeface="Kanit" pitchFamily="34" charset="0"/>
+                <a:ea typeface="Kanit" pitchFamily="34" charset="-122"/>
+                <a:cs typeface="Kanit" pitchFamily="34" charset="-120"/>
+              </a:rPr>
+              <a:t>Framework CSS</a:t>
+            </a:r>
+            <a:endParaRPr lang="en-US" sz="1822" dirty="0"/>
+          </a:p>
+        </p:txBody>
+      </p:sp>
+      <p:sp>
+        <p:nvSpPr>
+          <p:cNvPr id="10" name="Text 6"/>
+          <p:cNvSpPr/>
+          <p:nvPr/>
+        </p:nvSpPr>
+        <p:spPr>
+          <a:xfrm>
+            <a:off x="4722614" y="3496270"/>
+            <a:ext cx="2746673" cy="1184672"/>
+          </a:xfrm>
+          <a:prstGeom prst="rect">
+            <a:avLst/>
+          </a:prstGeom>
+          <a:noFill/>
+          <a:ln/>
+        </p:spPr>
+        <p:txBody>
+          <a:bodyPr wrap="square" rtlCol="0" anchor="t"/>
+          <a:lstStyle/>
+          <a:p>
+            <a:pPr>
+              <a:lnSpc>
+                <a:spcPts val="2332"/>
+              </a:lnSpc>
+            </a:pPr>
+            <a:r>
+              <a:rPr lang="en-US" sz="1458" dirty="0">
+                <a:solidFill>
+                  <a:srgbClr val="2C3249"/>
+                </a:solidFill>
+                <a:latin typeface="Martel Sans" pitchFamily="34" charset="0"/>
+                <a:ea typeface="Martel Sans" pitchFamily="34" charset="-122"/>
+                <a:cs typeface="Martel Sans" pitchFamily="34" charset="-120"/>
+              </a:rPr>
+              <a:t>Integre un framework CSS como Bootstrap para facilitar el diseño y la estructura de los widgets.</a:t>
+            </a:r>
+            <a:endParaRPr lang="en-US" sz="1458" dirty="0"/>
+          </a:p>
+        </p:txBody>
+      </p:sp>
+      <p:pic>
+        <p:nvPicPr>
+          <p:cNvPr id="11" name="Image 2" descr="preencoded.png"/>
+          <p:cNvPicPr>
+            <a:picLocks noChangeAspect="1"/>
+          </p:cNvPicPr>
+          <p:nvPr/>
+        </p:nvPicPr>
+        <p:blipFill>
+          <a:blip r:embed="rId5"/>
+          <a:stretch>
+            <a:fillRect/>
+          </a:stretch>
+        </p:blipFill>
+        <p:spPr>
+          <a:xfrm>
+            <a:off x="7747001" y="2540496"/>
+            <a:ext cx="370284" cy="370284"/>
+          </a:xfrm>
+          <a:prstGeom prst="rect">
+            <a:avLst/>
+          </a:prstGeom>
+        </p:spPr>
+      </p:pic>
+      <p:sp>
+        <p:nvSpPr>
+          <p:cNvPr id="12" name="Text 7"/>
+          <p:cNvSpPr/>
+          <p:nvPr/>
+        </p:nvSpPr>
+        <p:spPr>
+          <a:xfrm>
+            <a:off x="7747000" y="3095923"/>
+            <a:ext cx="2746673" cy="578644"/>
+          </a:xfrm>
+          <a:prstGeom prst="rect">
+            <a:avLst/>
+          </a:prstGeom>
+          <a:noFill/>
+          <a:ln/>
+        </p:spPr>
+        <p:txBody>
+          <a:bodyPr wrap="square" rtlCol="0" anchor="t"/>
+          <a:lstStyle/>
+          <a:p>
+            <a:pPr>
+              <a:lnSpc>
+                <a:spcPts val="2278"/>
+              </a:lnSpc>
+            </a:pPr>
+            <a:r>
+              <a:rPr lang="en-US" sz="1822" dirty="0">
+                <a:solidFill>
+                  <a:srgbClr val="2C3249"/>
+                </a:solidFill>
+                <a:latin typeface="Kanit" pitchFamily="34" charset="0"/>
+                <a:ea typeface="Kanit" pitchFamily="34" charset="-122"/>
+                <a:cs typeface="Kanit" pitchFamily="34" charset="-120"/>
+              </a:rPr>
+              <a:t>Herramientas de desarrollo</a:t>
+            </a:r>
+            <a:endParaRPr lang="en-US" sz="1822" dirty="0"/>
+          </a:p>
+        </p:txBody>
+      </p:sp>
+      <p:sp>
+        <p:nvSpPr>
+          <p:cNvPr id="13" name="Text 8"/>
+          <p:cNvSpPr/>
+          <p:nvPr/>
+        </p:nvSpPr>
+        <p:spPr>
+          <a:xfrm>
+            <a:off x="7747000" y="3785593"/>
+            <a:ext cx="2746673" cy="1480840"/>
+          </a:xfrm>
+          <a:prstGeom prst="rect">
+            <a:avLst/>
+          </a:prstGeom>
+          <a:noFill/>
+          <a:ln/>
+        </p:spPr>
+        <p:txBody>
+          <a:bodyPr wrap="square" rtlCol="0" anchor="t"/>
+          <a:lstStyle/>
+          <a:p>
+            <a:pPr>
+              <a:lnSpc>
+                <a:spcPts val="2332"/>
+              </a:lnSpc>
+            </a:pPr>
+            <a:r>
+              <a:rPr lang="en-US" sz="1458" dirty="0">
+                <a:solidFill>
+                  <a:srgbClr val="2C3249"/>
+                </a:solidFill>
+                <a:latin typeface="Martel Sans" pitchFamily="34" charset="0"/>
+                <a:ea typeface="Martel Sans" pitchFamily="34" charset="-122"/>
+                <a:cs typeface="Martel Sans" pitchFamily="34" charset="-120"/>
+              </a:rPr>
+              <a:t>Utilice herramientas de desarrollo como Chrome DevTools para depurar y mejorar la funcionalidad de los widgets.</a:t>
+            </a:r>
+            <a:endParaRPr lang="en-US" sz="1458" dirty="0"/>
+          </a:p>
+        </p:txBody>
+      </p:sp>
+      <p:pic>
+        <p:nvPicPr>
+          <p:cNvPr id="14" name="Imagen 13">
+            <a:extLst>
+              <a:ext uri="{FF2B5EF4-FFF2-40B4-BE49-F238E27FC236}">
+                <a16:creationId xmlns:a16="http://schemas.microsoft.com/office/drawing/2014/main" id="{3D33FDE6-0604-DAF4-789A-0568F0D45133}"/>
+              </a:ext>
+            </a:extLst>
+          </p:cNvPr>
+          <p:cNvPicPr>
+            <a:picLocks noChangeAspect="1"/>
+          </p:cNvPicPr>
+          <p:nvPr/>
+        </p:nvPicPr>
+        <p:blipFill>
+          <a:blip r:embed="rId6"/>
+          <a:stretch>
+            <a:fillRect/>
+          </a:stretch>
+        </p:blipFill>
+        <p:spPr>
+          <a:xfrm>
+            <a:off x="0" y="6143625"/>
+            <a:ext cx="11087100" cy="714375"/>
+          </a:xfrm>
+          <a:prstGeom prst="rect">
+            <a:avLst/>
+          </a:prstGeom>
+        </p:spPr>
+      </p:pic>
+      <p:pic>
+        <p:nvPicPr>
+          <p:cNvPr id="15" name="Imagen 14">
+            <a:extLst>
+              <a:ext uri="{FF2B5EF4-FFF2-40B4-BE49-F238E27FC236}">
+                <a16:creationId xmlns:a16="http://schemas.microsoft.com/office/drawing/2014/main" id="{57A103FD-250F-CBE8-E432-E5EAAADE09F9}"/>
+              </a:ext>
+            </a:extLst>
+          </p:cNvPr>
+          <p:cNvPicPr>
+            <a:picLocks noChangeAspect="1"/>
+          </p:cNvPicPr>
+          <p:nvPr/>
+        </p:nvPicPr>
+        <p:blipFill>
+          <a:blip r:embed="rId7"/>
+          <a:stretch>
+            <a:fillRect/>
+          </a:stretch>
+        </p:blipFill>
+        <p:spPr>
+          <a:xfrm>
+            <a:off x="55066" y="0"/>
+            <a:ext cx="11896725" cy="676275"/>
+          </a:xfrm>
+          <a:prstGeom prst="rect">
+            <a:avLst/>
+          </a:prstGeom>
+        </p:spPr>
+      </p:pic>
+    </p:spTree>
+  </p:cSld>
+  <p:clrMapOvr>
+    <a:masterClrMapping/>
+  </p:clrMapOvr>
+</p:sld>
+</file>
+
+<file path=ppt/slides/slide9.xml><?xml version="1.0" encoding="utf-8"?>
+<p:sld xmlns:a="http://schemas.openxmlformats.org/drawingml/2006/main" xmlns:r="http://schemas.openxmlformats.org/officeDocument/2006/relationships" xmlns:p="http://schemas.openxmlformats.org/presentationml/2006/main">
+  <p:cSld>
+    <p:spTree>
+      <p:nvGrpSpPr>
+        <p:cNvPr id="1" name=""/>
+        <p:cNvGrpSpPr/>
+        <p:nvPr/>
+      </p:nvGrpSpPr>
+      <p:grpSpPr>
+        <a:xfrm>
+          <a:off x="0" y="0"/>
+          <a:ext cx="0" cy="0"/>
+          <a:chOff x="0" y="0"/>
+          <a:chExt cx="0" cy="0"/>
+        </a:xfrm>
+      </p:grpSpPr>
+      <p:sp>
+        <p:nvSpPr>
+          <p:cNvPr id="2" name="Shape 0"/>
+          <p:cNvSpPr/>
+          <p:nvPr/>
+        </p:nvSpPr>
+        <p:spPr>
+          <a:xfrm>
+            <a:off x="0" y="0"/>
+            <a:ext cx="12192000" cy="6858000"/>
+          </a:xfrm>
+          <a:prstGeom prst="rect">
+            <a:avLst/>
+          </a:prstGeom>
+          <a:solidFill>
+            <a:srgbClr val="EBF4F3"/>
+          </a:solidFill>
+          <a:ln/>
+        </p:spPr>
+      </p:sp>
+      <p:sp>
+        <p:nvSpPr>
+          <p:cNvPr id="3" name="Shape 1"/>
+          <p:cNvSpPr/>
+          <p:nvPr/>
+        </p:nvSpPr>
+        <p:spPr>
+          <a:xfrm>
+            <a:off x="0" y="0"/>
+            <a:ext cx="12192000" cy="6858000"/>
+          </a:xfrm>
+          <a:prstGeom prst="rect">
+            <a:avLst/>
+          </a:prstGeom>
+          <a:solidFill>
+            <a:srgbClr val="FFFFFF"/>
+          </a:solidFill>
+          <a:ln/>
+        </p:spPr>
+      </p:sp>
+      <p:sp>
+        <p:nvSpPr>
+          <p:cNvPr id="4" name="Text 2"/>
+          <p:cNvSpPr/>
+          <p:nvPr/>
+        </p:nvSpPr>
+        <p:spPr>
+          <a:xfrm>
+            <a:off x="1698328" y="706636"/>
+            <a:ext cx="6785968" cy="578644"/>
+          </a:xfrm>
+          <a:prstGeom prst="rect">
+            <a:avLst/>
+          </a:prstGeom>
+          <a:noFill/>
+          <a:ln/>
+        </p:spPr>
+        <p:txBody>
+          <a:bodyPr wrap="none" rtlCol="0" anchor="t"/>
+          <a:lstStyle/>
+          <a:p>
+            <a:pPr>
+              <a:lnSpc>
+                <a:spcPts val="4556"/>
+              </a:lnSpc>
+            </a:pPr>
+            <a:r>
+              <a:rPr lang="en-US" sz="3645" dirty="0">
+                <a:solidFill>
+                  <a:srgbClr val="272D45"/>
+                </a:solidFill>
+                <a:latin typeface="Kanit" pitchFamily="34" charset="0"/>
+                <a:ea typeface="Kanit" pitchFamily="34" charset="-122"/>
+                <a:cs typeface="Kanit" pitchFamily="34" charset="-120"/>
+              </a:rPr>
+              <a:t>Personalización de widgets HTML</a:t>
+            </a:r>
+            <a:endParaRPr lang="en-US" sz="3645" dirty="0"/>
+          </a:p>
+        </p:txBody>
+      </p:sp>
+      <p:sp>
+        <p:nvSpPr>
+          <p:cNvPr id="5" name="Text 3"/>
+          <p:cNvSpPr/>
+          <p:nvPr/>
+        </p:nvSpPr>
+        <p:spPr>
+          <a:xfrm>
+            <a:off x="1698328" y="1729582"/>
+            <a:ext cx="4171851" cy="2073176"/>
+          </a:xfrm>
+          <a:prstGeom prst="rect">
+            <a:avLst/>
+          </a:prstGeom>
+          <a:noFill/>
+          <a:ln/>
+        </p:spPr>
+        <p:txBody>
+          <a:bodyPr wrap="square" rtlCol="0" anchor="t"/>
+          <a:lstStyle/>
+          <a:p>
+            <a:pPr>
+              <a:lnSpc>
+                <a:spcPts val="2332"/>
+              </a:lnSpc>
+            </a:pPr>
+            <a:r>
+              <a:rPr lang="en-US" sz="1458" dirty="0">
+                <a:solidFill>
+                  <a:srgbClr val="2C3249"/>
+                </a:solidFill>
+                <a:latin typeface="Martel Sans" pitchFamily="34" charset="0"/>
+                <a:ea typeface="Martel Sans" pitchFamily="34" charset="-122"/>
+                <a:cs typeface="Martel Sans" pitchFamily="34" charset="-120"/>
+              </a:rPr>
+              <a:t>La personalización de los widgets HTML es esencial para adaptarlos al diseño y funcionalidad del sitio web. Se puede personalizar el estilo, el comportamiento interactivo y el contenido de los widgets para que se integren perfectamente con la marca y la experiencia del usuario.</a:t>
+            </a:r>
+            <a:endParaRPr lang="en-US" sz="1458" dirty="0"/>
+          </a:p>
+        </p:txBody>
+      </p:sp>
+      <p:pic>
+        <p:nvPicPr>
+          <p:cNvPr id="6" name="Image 0" descr="preencoded.png"/>
+          <p:cNvPicPr>
+            <a:picLocks noChangeAspect="1"/>
+          </p:cNvPicPr>
+          <p:nvPr/>
+        </p:nvPicPr>
+        <p:blipFill>
+          <a:blip r:embed="rId3"/>
+          <a:stretch>
+            <a:fillRect/>
+          </a:stretch>
+        </p:blipFill>
+        <p:spPr>
+          <a:xfrm>
+            <a:off x="6328172" y="1771254"/>
+            <a:ext cx="4171851" cy="4171851"/>
+          </a:xfrm>
+          <a:prstGeom prst="rect">
+            <a:avLst/>
+          </a:prstGeom>
+        </p:spPr>
+      </p:pic>
+      <p:pic>
+        <p:nvPicPr>
+          <p:cNvPr id="7" name="Imagen 6">
+            <a:extLst>
+              <a:ext uri="{FF2B5EF4-FFF2-40B4-BE49-F238E27FC236}">
+                <a16:creationId xmlns:a16="http://schemas.microsoft.com/office/drawing/2014/main" id="{823CA5B4-9C44-10E5-986D-B1B67D636FE1}"/>
+              </a:ext>
+            </a:extLst>
+          </p:cNvPr>
+          <p:cNvPicPr>
+            <a:picLocks noChangeAspect="1"/>
+          </p:cNvPicPr>
+          <p:nvPr/>
+        </p:nvPicPr>
+        <p:blipFill>
+          <a:blip r:embed="rId4"/>
+          <a:stretch>
+            <a:fillRect/>
+          </a:stretch>
+        </p:blipFill>
+        <p:spPr>
+          <a:xfrm>
+            <a:off x="0" y="6143625"/>
+            <a:ext cx="11087100" cy="714375"/>
+          </a:xfrm>
+          <a:prstGeom prst="rect">
+            <a:avLst/>
+          </a:prstGeom>
+        </p:spPr>
+      </p:pic>
+      <p:pic>
+        <p:nvPicPr>
+          <p:cNvPr id="8" name="Imagen 7">
+            <a:extLst>
+              <a:ext uri="{FF2B5EF4-FFF2-40B4-BE49-F238E27FC236}">
+                <a16:creationId xmlns:a16="http://schemas.microsoft.com/office/drawing/2014/main" id="{FC73C8F9-3AB2-551A-07CE-62902DCC845B}"/>
+              </a:ext>
+            </a:extLst>
+          </p:cNvPr>
+          <p:cNvPicPr>
+            <a:picLocks noChangeAspect="1"/>
+          </p:cNvPicPr>
+          <p:nvPr/>
+        </p:nvPicPr>
+        <p:blipFill>
+          <a:blip r:embed="rId5"/>
+          <a:stretch>
+            <a:fillRect/>
+          </a:stretch>
+        </p:blipFill>
+        <p:spPr>
+          <a:xfrm>
+            <a:off x="55066" y="0"/>
+            <a:ext cx="11896725" cy="676275"/>
+          </a:xfrm>
+          <a:prstGeom prst="rect">
+            <a:avLst/>
+          </a:prstGeom>
+        </p:spPr>
+      </p:pic>
+    </p:spTree>
   </p:cSld>
   <p:clrMapOvr>
     <a:masterClrMapping/>
@@ -2249,4 +7859,299 @@
     </a:ext>
   </a:extLst>
 </a:theme>
+</file>
+
+<file path=ppt/theme/theme3.xml><?xml version="1.0" encoding="utf-8"?>
+<a:theme xmlns:a="http://schemas.openxmlformats.org/drawingml/2006/main" name="Tema de Office">
+  <a:themeElements>
+    <a:clrScheme name="Office">
+      <a:dk1>
+        <a:sysClr val="windowText" lastClr="000000"/>
+      </a:dk1>
+      <a:lt1>
+        <a:sysClr val="window" lastClr="FFFFFF"/>
+      </a:lt1>
+      <a:dk2>
+        <a:srgbClr val="44546A"/>
+      </a:dk2>
+      <a:lt2>
+        <a:srgbClr val="E7E6E6"/>
+      </a:lt2>
+      <a:accent1>
+        <a:srgbClr val="4472C4"/>
+      </a:accent1>
+      <a:accent2>
+        <a:srgbClr val="ED7D31"/>
+      </a:accent2>
+      <a:accent3>
+        <a:srgbClr val="A5A5A5"/>
+      </a:accent3>
+      <a:accent4>
+        <a:srgbClr val="FFC000"/>
+      </a:accent4>
+      <a:accent5>
+        <a:srgbClr val="5B9BD5"/>
+      </a:accent5>
+      <a:accent6>
+        <a:srgbClr val="70AD47"/>
+      </a:accent6>
+      <a:hlink>
+        <a:srgbClr val="0563C1"/>
+      </a:hlink>
+      <a:folHlink>
+        <a:srgbClr val="954F72"/>
+      </a:folHlink>
+    </a:clrScheme>
+    <a:fontScheme name="Office">
+      <a:majorFont>
+        <a:latin typeface="Calibri Light" panose="020F0302020204030204"/>
+        <a:ea typeface=""/>
+        <a:cs typeface=""/>
+        <a:font script="Jpan" typeface="游ゴシック Light"/>
+        <a:font script="Hang" typeface="맑은 고딕"/>
+        <a:font script="Hans" typeface="等线 Light"/>
+        <a:font script="Hant" typeface="新細明體"/>
+        <a:font script="Arab" typeface="Times New Roman"/>
+        <a:font script="Hebr" typeface="Times New Roman"/>
+        <a:font script="Thai" typeface="Angsana New"/>
+        <a:font script="Ethi" typeface="Nyala"/>
+        <a:font script="Beng" typeface="Vrinda"/>
+        <a:font script="Gujr" typeface="Shruti"/>
+        <a:font script="Khmr" typeface="MoolBoran"/>
+        <a:font script="Knda" typeface="Tunga"/>
+        <a:font script="Guru" typeface="Raavi"/>
+        <a:font script="Cans" typeface="Euphemia"/>
+        <a:font script="Cher" typeface="Plantagenet Cherokee"/>
+        <a:font script="Yiii" typeface="Microsoft Yi Baiti"/>
+        <a:font script="Tibt" typeface="Microsoft Himalaya"/>
+        <a:font script="Thaa" typeface="MV Boli"/>
+        <a:font script="Deva" typeface="Mangal"/>
+        <a:font script="Telu" typeface="Gautami"/>
+        <a:font script="Taml" typeface="Latha"/>
+        <a:font script="Syrc" typeface="Estrangelo Edessa"/>
+        <a:font script="Orya" typeface="Kalinga"/>
+        <a:font script="Mlym" typeface="Kartika"/>
+        <a:font script="Laoo" typeface="DokChampa"/>
+        <a:font script="Sinh" typeface="Iskoola Pota"/>
+        <a:font script="Mong" typeface="Mongolian Baiti"/>
+        <a:font script="Viet" typeface="Times New Roman"/>
+        <a:font script="Uigh" typeface="Microsoft Uighur"/>
+        <a:font script="Geor" typeface="Sylfaen"/>
+        <a:font script="Armn" typeface="Arial"/>
+        <a:font script="Bugi" typeface="Leelawadee UI"/>
+        <a:font script="Bopo" typeface="Microsoft JhengHei"/>
+        <a:font script="Java" typeface="Javanese Text"/>
+        <a:font script="Lisu" typeface="Segoe UI"/>
+        <a:font script="Mymr" typeface="Myanmar Text"/>
+        <a:font script="Nkoo" typeface="Ebrima"/>
+        <a:font script="Olck" typeface="Nirmala UI"/>
+        <a:font script="Osma" typeface="Ebrima"/>
+        <a:font script="Phag" typeface="Phagspa"/>
+        <a:font script="Syrn" typeface="Estrangelo Edessa"/>
+        <a:font script="Syrj" typeface="Estrangelo Edessa"/>
+        <a:font script="Syre" typeface="Estrangelo Edessa"/>
+        <a:font script="Sora" typeface="Nirmala UI"/>
+        <a:font script="Tale" typeface="Microsoft Tai Le"/>
+        <a:font script="Talu" typeface="Microsoft New Tai Lue"/>
+        <a:font script="Tfng" typeface="Ebrima"/>
+      </a:majorFont>
+      <a:minorFont>
+        <a:latin typeface="Calibri" panose="020F0502020204030204"/>
+        <a:ea typeface=""/>
+        <a:cs typeface=""/>
+        <a:font script="Jpan" typeface="游ゴシック"/>
+        <a:font script="Hang" typeface="맑은 고딕"/>
+        <a:font script="Hans" typeface="等线"/>
+        <a:font script="Hant" typeface="新細明體"/>
+        <a:font script="Arab" typeface="Arial"/>
+        <a:font script="Hebr" typeface="Arial"/>
+        <a:font script="Thai" typeface="Cordia New"/>
+        <a:font script="Ethi" typeface="Nyala"/>
+        <a:font script="Beng" typeface="Vrinda"/>
+        <a:font script="Gujr" typeface="Shruti"/>
+        <a:font script="Khmr" typeface="DaunPenh"/>
+        <a:font script="Knda" typeface="Tunga"/>
+        <a:font script="Guru" typeface="Raavi"/>
+        <a:font script="Cans" typeface="Euphemia"/>
+        <a:font script="Cher" typeface="Plantagenet Cherokee"/>
+        <a:font script="Yiii" typeface="Microsoft Yi Baiti"/>
+        <a:font script="Tibt" typeface="Microsoft Himalaya"/>
+        <a:font script="Thaa" typeface="MV Boli"/>
+        <a:font script="Deva" typeface="Mangal"/>
+        <a:font script="Telu" typeface="Gautami"/>
+        <a:font script="Taml" typeface="Latha"/>
+        <a:font script="Syrc" typeface="Estrangelo Edessa"/>
+        <a:font script="Orya" typeface="Kalinga"/>
+        <a:font script="Mlym" typeface="Kartika"/>
+        <a:font script="Laoo" typeface="DokChampa"/>
+        <a:font script="Sinh" typeface="Iskoola Pota"/>
+        <a:font script="Mong" typeface="Mongolian Baiti"/>
+        <a:font script="Viet" typeface="Arial"/>
+        <a:font script="Uigh" typeface="Microsoft Uighur"/>
+        <a:font script="Geor" typeface="Sylfaen"/>
+        <a:font script="Armn" typeface="Arial"/>
+        <a:font script="Bugi" typeface="Leelawadee UI"/>
+        <a:font script="Bopo" typeface="Microsoft JhengHei"/>
+        <a:font script="Java" typeface="Javanese Text"/>
+        <a:font script="Lisu" typeface="Segoe UI"/>
+        <a:font script="Mymr" typeface="Myanmar Text"/>
+        <a:font script="Nkoo" typeface="Ebrima"/>
+        <a:font script="Olck" typeface="Nirmala UI"/>
+        <a:font script="Osma" typeface="Ebrima"/>
+        <a:font script="Phag" typeface="Phagspa"/>
+        <a:font script="Syrn" typeface="Estrangelo Edessa"/>
+        <a:font script="Syrj" typeface="Estrangelo Edessa"/>
+        <a:font script="Syre" typeface="Estrangelo Edessa"/>
+        <a:font script="Sora" typeface="Nirmala UI"/>
+        <a:font script="Tale" typeface="Microsoft Tai Le"/>
+        <a:font script="Talu" typeface="Microsoft New Tai Lue"/>
+        <a:font script="Tfng" typeface="Ebrima"/>
+      </a:minorFont>
+    </a:fontScheme>
+    <a:fmtScheme name="Office">
+      <a:fillStyleLst>
+        <a:solidFill>
+          <a:schemeClr val="phClr"/>
+        </a:solidFill>
+        <a:gradFill rotWithShape="1">
+          <a:gsLst>
+            <a:gs pos="0">
+              <a:schemeClr val="phClr">
+                <a:lumMod val="110000"/>
+                <a:satMod val="105000"/>
+                <a:tint val="67000"/>
+              </a:schemeClr>
+            </a:gs>
+            <a:gs pos="50000">
+              <a:schemeClr val="phClr">
+                <a:lumMod val="105000"/>
+                <a:satMod val="103000"/>
+                <a:tint val="73000"/>
+              </a:schemeClr>
+            </a:gs>
+            <a:gs pos="100000">
+              <a:schemeClr val="phClr">
+                <a:lumMod val="105000"/>
+                <a:satMod val="109000"/>
+                <a:tint val="81000"/>
+              </a:schemeClr>
+            </a:gs>
+          </a:gsLst>
+          <a:lin ang="5400000" scaled="0"/>
+        </a:gradFill>
+        <a:gradFill rotWithShape="1">
+          <a:gsLst>
+            <a:gs pos="0">
+              <a:schemeClr val="phClr">
+                <a:satMod val="103000"/>
+                <a:lumMod val="102000"/>
+                <a:tint val="94000"/>
+              </a:schemeClr>
+            </a:gs>
+            <a:gs pos="50000">
+              <a:schemeClr val="phClr">
+                <a:satMod val="110000"/>
+                <a:lumMod val="100000"/>
+                <a:shade val="100000"/>
+              </a:schemeClr>
+            </a:gs>
+            <a:gs pos="100000">
+              <a:schemeClr val="phClr">
+                <a:lumMod val="99000"/>
+                <a:satMod val="120000"/>
+                <a:shade val="78000"/>
+              </a:schemeClr>
+            </a:gs>
+          </a:gsLst>
+          <a:lin ang="5400000" scaled="0"/>
+        </a:gradFill>
+      </a:fillStyleLst>
+      <a:lnStyleLst>
+        <a:ln w="6350" cap="flat" cmpd="sng" algn="ctr">
+          <a:solidFill>
+            <a:schemeClr val="phClr"/>
+          </a:solidFill>
+          <a:prstDash val="solid"/>
+          <a:miter lim="800000"/>
+        </a:ln>
+        <a:ln w="12700" cap="flat" cmpd="sng" algn="ctr">
+          <a:solidFill>
+            <a:schemeClr val="phClr"/>
+          </a:solidFill>
+          <a:prstDash val="solid"/>
+          <a:miter lim="800000"/>
+        </a:ln>
+        <a:ln w="19050" cap="flat" cmpd="sng" algn="ctr">
+          <a:solidFill>
+            <a:schemeClr val="phClr"/>
+          </a:solidFill>
+          <a:prstDash val="solid"/>
+          <a:miter lim="800000"/>
+        </a:ln>
+      </a:lnStyleLst>
+      <a:effectStyleLst>
+        <a:effectStyle>
+          <a:effectLst/>
+        </a:effectStyle>
+        <a:effectStyle>
+          <a:effectLst/>
+        </a:effectStyle>
+        <a:effectStyle>
+          <a:effectLst>
+            <a:outerShdw blurRad="57150" dist="19050" dir="5400000" algn="ctr" rotWithShape="0">
+              <a:srgbClr val="000000">
+                <a:alpha val="63000"/>
+              </a:srgbClr>
+            </a:outerShdw>
+          </a:effectLst>
+        </a:effectStyle>
+      </a:effectStyleLst>
+      <a:bgFillStyleLst>
+        <a:solidFill>
+          <a:schemeClr val="phClr"/>
+        </a:solidFill>
+        <a:solidFill>
+          <a:schemeClr val="phClr">
+            <a:tint val="95000"/>
+            <a:satMod val="170000"/>
+          </a:schemeClr>
+        </a:solidFill>
+        <a:gradFill rotWithShape="1">
+          <a:gsLst>
+            <a:gs pos="0">
+              <a:schemeClr val="phClr">
+                <a:tint val="93000"/>
+                <a:satMod val="150000"/>
+                <a:shade val="98000"/>
+                <a:lumMod val="102000"/>
+              </a:schemeClr>
+            </a:gs>
+            <a:gs pos="50000">
+              <a:schemeClr val="phClr">
+                <a:tint val="98000"/>
+                <a:satMod val="130000"/>
+                <a:shade val="90000"/>
+                <a:lumMod val="103000"/>
+              </a:schemeClr>
+            </a:gs>
+            <a:gs pos="100000">
+              <a:schemeClr val="phClr">
+                <a:shade val="63000"/>
+                <a:satMod val="120000"/>
+              </a:schemeClr>
+            </a:gs>
+          </a:gsLst>
+          <a:lin ang="5400000" scaled="0"/>
+        </a:gradFill>
+      </a:bgFillStyleLst>
+    </a:fmtScheme>
+  </a:themeElements>
+  <a:objectDefaults/>
+  <a:extraClrSchemeLst/>
+  <a:extLst>
+    <a:ext uri="{05A4C25C-085E-4340-85A3-A5531E510DB2}">
+      <thm15:themeFamily xmlns:thm15="http://schemas.microsoft.com/office/thememl/2012/main" name="Office Theme" id="{62F939B6-93AF-4DB8-9C6B-D6C7DFDC589F}" vid="{4A3C46E8-61CC-4603-A589-7422A47A8E4A}"/>
+    </a:ext>
+  </a:extLst>
+</a:theme>
 </file>